--- a/Presentation_final.pptx
+++ b/Presentation_final.pptx
@@ -3583,19 +3583,7 @@
           <a:p>
             <a:r>
               <a:rPr lang="en-US" dirty="0" smtClean="0"/>
-              <a:t>Problema</a:t>
-            </a:r>
-            <a:r>
-              <a:rPr lang="en-US" dirty="0" smtClean="0"/>
-              <a:t> de </a:t>
-            </a:r>
-            <a:r>
-              <a:rPr lang="en-US" dirty="0" smtClean="0"/>
-              <a:t>las</a:t>
-            </a:r>
-            <a:r>
-              <a:rPr lang="en-US" dirty="0" smtClean="0"/>
-              <a:t> N Amazonas</a:t>
+              <a:t>Problema de las N Amazonas</a:t>
             </a:r>
             <a:endParaRPr lang="es-AR" dirty="0"/>
           </a:p>
@@ -3629,17 +3617,8 @@
             </a:pPr>
             <a:r>
               <a:rPr lang="en-US" dirty="0" smtClean="0"/>
-              <a:t>Creacion</a:t>
-            </a:r>
-            <a:r>
-              <a:rPr lang="en-US" dirty="0" smtClean="0"/>
-              <a:t> de la </a:t>
-            </a:r>
-            <a:r>
-              <a:rPr lang="en-US" dirty="0" smtClean="0"/>
-              <a:t>Matriz</a:t>
-            </a:r>
-            <a:endParaRPr lang="en-US" dirty="0" smtClean="0"/>
+              <a:t>Creacion de la Matriz</a:t>
+            </a:r>
           </a:p>
           <a:p>
             <a:pPr marL="457200" indent="-457200">
@@ -3648,11 +3627,7 @@
             </a:pPr>
             <a:r>
               <a:rPr lang="en-US" dirty="0" smtClean="0"/>
-              <a:t>Visualizacion</a:t>
-            </a:r>
-            <a:r>
-              <a:rPr lang="en-US" dirty="0" smtClean="0"/>
-              <a:t> de la Misma</a:t>
+              <a:t>Visualizacion de la Misma</a:t>
             </a:r>
           </a:p>
           <a:p>
@@ -3662,25 +3637,8 @@
             </a:pPr>
             <a:r>
               <a:rPr lang="en-US" dirty="0" smtClean="0"/>
-              <a:t>Colocacion</a:t>
-            </a:r>
-            <a:r>
-              <a:rPr lang="en-US" dirty="0" smtClean="0"/>
-              <a:t> de </a:t>
-            </a:r>
-            <a:r>
-              <a:rPr lang="en-US" dirty="0" smtClean="0"/>
-              <a:t>las</a:t>
-            </a:r>
-            <a:r>
-              <a:rPr lang="en-US" dirty="0" smtClean="0"/>
-              <a:t> </a:t>
-            </a:r>
-            <a:r>
-              <a:rPr lang="en-US" dirty="0" smtClean="0"/>
-              <a:t>Piezas</a:t>
-            </a:r>
-            <a:endParaRPr lang="en-US" dirty="0" smtClean="0"/>
+              <a:t>Colocacion de las Piezas</a:t>
+            </a:r>
           </a:p>
           <a:p>
             <a:pPr marL="457200" indent="-457200">
@@ -3691,7 +3649,6 @@
               <a:rPr lang="en-US" dirty="0" smtClean="0"/>
               <a:t>Recursividad</a:t>
             </a:r>
-            <a:endParaRPr lang="en-US" dirty="0" smtClean="0"/>
           </a:p>
           <a:p>
             <a:pPr marL="457200" indent="-457200">
@@ -3702,7 +3659,6 @@
               <a:rPr lang="en-US" dirty="0" smtClean="0"/>
               <a:t>Bactracking</a:t>
             </a:r>
-            <a:endParaRPr lang="en-US" dirty="0" smtClean="0"/>
           </a:p>
           <a:p>
             <a:pPr marL="457200" indent="-457200">
@@ -3721,19 +3677,7 @@
           <a:p>
             <a:r>
               <a:rPr lang="en-US" sz="1800" dirty="0" smtClean="0"/>
-              <a:t>Utilizando</a:t>
-            </a:r>
-            <a:r>
-              <a:rPr lang="en-US" sz="1800" dirty="0" smtClean="0"/>
-              <a:t> </a:t>
-            </a:r>
-            <a:r>
-              <a:rPr lang="en-US" sz="1800" dirty="0" smtClean="0"/>
-              <a:t>recursos</a:t>
-            </a:r>
-            <a:r>
-              <a:rPr lang="en-US" sz="1800" dirty="0" smtClean="0"/>
-              <a:t> de </a:t>
+              <a:t>Utilizando recursos de </a:t>
             </a:r>
           </a:p>
           <a:p>
@@ -3821,11 +3765,7 @@
           <a:p>
             <a:r>
               <a:rPr lang="en-US" dirty="0" smtClean="0"/>
-              <a:t>Llamamos</a:t>
-            </a:r>
-            <a:r>
-              <a:rPr lang="en-US" dirty="0" smtClean="0"/>
-              <a:t> caso base al caso mas simple.</a:t>
+              <a:t>Llamamos caso base al caso mas simple.</a:t>
             </a:r>
             <a:endParaRPr lang="es-AR" dirty="0"/>
           </a:p>
@@ -3871,60 +3811,32 @@
                 <a:latin typeface="Courier New" pitchFamily="49" charset="0"/>
                 <a:cs typeface="Courier New" pitchFamily="49" charset="0"/>
               </a:rPr>
-              <a:t>int</a:t>
-            </a:r>
+              <a:t>int Factorial(int n)</a:t>
+            </a:r>
+          </a:p>
+          <a:p>
             <a:r>
               <a:rPr lang="en-US" sz="1200" dirty="0" smtClean="0">
                 <a:latin typeface="Courier New" pitchFamily="49" charset="0"/>
                 <a:cs typeface="Courier New" pitchFamily="49" charset="0"/>
               </a:rPr>
-              <a:t> Factorial(</a:t>
+              <a:t>{</a:t>
+            </a:r>
+          </a:p>
+          <a:p>
+            <a:r>
+              <a:rPr lang="en-US" sz="1200" dirty="0">
+                <a:latin typeface="Courier New" pitchFamily="49" charset="0"/>
+                <a:cs typeface="Courier New" pitchFamily="49" charset="0"/>
+              </a:rPr>
+              <a:t>	</a:t>
             </a:r>
             <a:r>
               <a:rPr lang="en-US" sz="1200" dirty="0" smtClean="0">
                 <a:latin typeface="Courier New" pitchFamily="49" charset="0"/>
                 <a:cs typeface="Courier New" pitchFamily="49" charset="0"/>
               </a:rPr>
-              <a:t>int</a:t>
-            </a:r>
-            <a:r>
-              <a:rPr lang="en-US" sz="1200" dirty="0" smtClean="0">
-                <a:latin typeface="Courier New" pitchFamily="49" charset="0"/>
-                <a:cs typeface="Courier New" pitchFamily="49" charset="0"/>
-              </a:rPr>
-              <a:t> n)</a:t>
-            </a:r>
-          </a:p>
-          <a:p>
-            <a:r>
-              <a:rPr lang="en-US" sz="1200" dirty="0" smtClean="0">
-                <a:latin typeface="Courier New" pitchFamily="49" charset="0"/>
-                <a:cs typeface="Courier New" pitchFamily="49" charset="0"/>
-              </a:rPr>
-              <a:t>{</a:t>
-            </a:r>
-          </a:p>
-          <a:p>
-            <a:r>
-              <a:rPr lang="en-US" sz="1200" dirty="0">
-                <a:latin typeface="Courier New" pitchFamily="49" charset="0"/>
-                <a:cs typeface="Courier New" pitchFamily="49" charset="0"/>
-              </a:rPr>
-              <a:t>	</a:t>
-            </a:r>
-            <a:r>
-              <a:rPr lang="en-US" sz="1200" dirty="0" smtClean="0">
-                <a:latin typeface="Courier New" pitchFamily="49" charset="0"/>
-                <a:cs typeface="Courier New" pitchFamily="49" charset="0"/>
-              </a:rPr>
-              <a:t>int</a:t>
-            </a:r>
-            <a:r>
-              <a:rPr lang="en-US" sz="1200" dirty="0" smtClean="0">
-                <a:latin typeface="Courier New" pitchFamily="49" charset="0"/>
-                <a:cs typeface="Courier New" pitchFamily="49" charset="0"/>
-              </a:rPr>
-              <a:t> factorial;</a:t>
+              <a:t>int factorial;</a:t>
             </a:r>
           </a:p>
           <a:p>
@@ -4138,27 +4050,7 @@
           <a:p>
             <a:r>
               <a:rPr lang="en-US" sz="2400" dirty="0" smtClean="0"/>
-              <a:t>• Si el caso base no se </a:t>
-            </a:r>
-            <a:r>
-              <a:rPr lang="en-US" sz="2400" dirty="0" smtClean="0"/>
-              <a:t>ejecuta</a:t>
-            </a:r>
-            <a:r>
-              <a:rPr lang="en-US" sz="2400" dirty="0" smtClean="0"/>
-              <a:t>, </a:t>
-            </a:r>
-            <a:r>
-              <a:rPr lang="en-US" sz="2400" dirty="0" smtClean="0"/>
-              <a:t>ejecutamos</a:t>
-            </a:r>
-            <a:r>
-              <a:rPr lang="en-US" sz="2400" dirty="0" smtClean="0"/>
-              <a:t> el caso </a:t>
-            </a:r>
-            <a:r>
-              <a:rPr lang="en-US" sz="2400" dirty="0" smtClean="0"/>
-              <a:t>recursivo</a:t>
+              <a:t>• Si el caso base no se ejecuta, ejecutamos el caso recursivo</a:t>
             </a:r>
             <a:endParaRPr lang="es-AR" sz="2400" dirty="0"/>
           </a:p>
@@ -4204,60 +4096,32 @@
                 <a:latin typeface="Courier New" pitchFamily="49" charset="0"/>
                 <a:cs typeface="Courier New" pitchFamily="49" charset="0"/>
               </a:rPr>
-              <a:t>int</a:t>
-            </a:r>
+              <a:t>int Factorial(int n)</a:t>
+            </a:r>
+          </a:p>
+          <a:p>
             <a:r>
               <a:rPr lang="en-US" sz="1200" dirty="0" smtClean="0">
                 <a:latin typeface="Courier New" pitchFamily="49" charset="0"/>
                 <a:cs typeface="Courier New" pitchFamily="49" charset="0"/>
               </a:rPr>
-              <a:t> Factorial(</a:t>
+              <a:t>{</a:t>
+            </a:r>
+          </a:p>
+          <a:p>
+            <a:r>
+              <a:rPr lang="en-US" sz="1200" dirty="0">
+                <a:latin typeface="Courier New" pitchFamily="49" charset="0"/>
+                <a:cs typeface="Courier New" pitchFamily="49" charset="0"/>
+              </a:rPr>
+              <a:t>	</a:t>
             </a:r>
             <a:r>
               <a:rPr lang="en-US" sz="1200" dirty="0" smtClean="0">
                 <a:latin typeface="Courier New" pitchFamily="49" charset="0"/>
                 <a:cs typeface="Courier New" pitchFamily="49" charset="0"/>
               </a:rPr>
-              <a:t>int</a:t>
-            </a:r>
-            <a:r>
-              <a:rPr lang="en-US" sz="1200" dirty="0" smtClean="0">
-                <a:latin typeface="Courier New" pitchFamily="49" charset="0"/>
-                <a:cs typeface="Courier New" pitchFamily="49" charset="0"/>
-              </a:rPr>
-              <a:t> n)</a:t>
-            </a:r>
-          </a:p>
-          <a:p>
-            <a:r>
-              <a:rPr lang="en-US" sz="1200" dirty="0" smtClean="0">
-                <a:latin typeface="Courier New" pitchFamily="49" charset="0"/>
-                <a:cs typeface="Courier New" pitchFamily="49" charset="0"/>
-              </a:rPr>
-              <a:t>{</a:t>
-            </a:r>
-          </a:p>
-          <a:p>
-            <a:r>
-              <a:rPr lang="en-US" sz="1200" dirty="0">
-                <a:latin typeface="Courier New" pitchFamily="49" charset="0"/>
-                <a:cs typeface="Courier New" pitchFamily="49" charset="0"/>
-              </a:rPr>
-              <a:t>	</a:t>
-            </a:r>
-            <a:r>
-              <a:rPr lang="en-US" sz="1200" dirty="0" smtClean="0">
-                <a:latin typeface="Courier New" pitchFamily="49" charset="0"/>
-                <a:cs typeface="Courier New" pitchFamily="49" charset="0"/>
-              </a:rPr>
-              <a:t>int</a:t>
-            </a:r>
-            <a:r>
-              <a:rPr lang="en-US" sz="1200" dirty="0" smtClean="0">
-                <a:latin typeface="Courier New" pitchFamily="49" charset="0"/>
-                <a:cs typeface="Courier New" pitchFamily="49" charset="0"/>
-              </a:rPr>
-              <a:t> factorial;</a:t>
+              <a:t>int factorial;</a:t>
             </a:r>
           </a:p>
           <a:p>
@@ -4368,25 +4232,8 @@
                 <a:latin typeface="Courier New" pitchFamily="49" charset="0"/>
                 <a:cs typeface="Courier New" pitchFamily="49" charset="0"/>
               </a:rPr>
-              <a:t>else // caso </a:t>
-            </a:r>
-            <a:r>
-              <a:rPr lang="en-US" sz="1200" b="1" i="1" dirty="0" smtClean="0">
-                <a:solidFill>
-                  <a:schemeClr val="accent2"/>
-                </a:solidFill>
-                <a:latin typeface="Courier New" pitchFamily="49" charset="0"/>
-                <a:cs typeface="Courier New" pitchFamily="49" charset="0"/>
-              </a:rPr>
-              <a:t>recursivo</a:t>
-            </a:r>
-            <a:endParaRPr lang="en-US" sz="1200" b="1" i="1" dirty="0" smtClean="0">
-              <a:solidFill>
-                <a:schemeClr val="accent2"/>
-              </a:solidFill>
-              <a:latin typeface="Courier New" pitchFamily="49" charset="0"/>
-              <a:cs typeface="Courier New" pitchFamily="49" charset="0"/>
-            </a:endParaRPr>
+              <a:t>else // caso recursivo</a:t>
+            </a:r>
           </a:p>
           <a:p>
             <a:r>
@@ -4539,11 +4386,7 @@
           <a:p>
             <a:r>
               <a:rPr lang="en-US" dirty="0" smtClean="0"/>
-              <a:t>El caso </a:t>
-            </a:r>
-            <a:r>
-              <a:rPr lang="en-US" dirty="0" smtClean="0"/>
-              <a:t>recursivo</a:t>
+              <a:t>El caso recursivo</a:t>
             </a:r>
             <a:endParaRPr lang="es-AR" dirty="0"/>
           </a:p>
@@ -4566,91 +4409,19 @@
           <a:p>
             <a:r>
               <a:rPr lang="en-US" dirty="0" smtClean="0"/>
-              <a:t>Reduce el </a:t>
-            </a:r>
+              <a:t>Reduce el problema total a uno o mas simples problemas del mismo tipo.</a:t>
+            </a:r>
+          </a:p>
+          <a:p>
+            <a:endParaRPr lang="en-US" dirty="0"/>
+          </a:p>
+          <a:p>
+            <a:endParaRPr lang="en-US" dirty="0" smtClean="0"/>
+          </a:p>
+          <a:p>
             <a:r>
               <a:rPr lang="en-US" dirty="0" smtClean="0"/>
-              <a:t>problema</a:t>
-            </a:r>
-            <a:r>
-              <a:rPr lang="en-US" dirty="0" smtClean="0"/>
-              <a:t> total a </a:t>
-            </a:r>
-            <a:r>
-              <a:rPr lang="en-US" dirty="0" smtClean="0"/>
-              <a:t>uno</a:t>
-            </a:r>
-            <a:r>
-              <a:rPr lang="en-US" dirty="0" smtClean="0"/>
-              <a:t> o mas simples </a:t>
-            </a:r>
-            <a:r>
-              <a:rPr lang="en-US" dirty="0" smtClean="0"/>
-              <a:t>problemas</a:t>
-            </a:r>
-            <a:r>
-              <a:rPr lang="en-US" dirty="0" smtClean="0"/>
-              <a:t> del </a:t>
-            </a:r>
-            <a:r>
-              <a:rPr lang="en-US" dirty="0" smtClean="0"/>
-              <a:t>mismo</a:t>
-            </a:r>
-            <a:r>
-              <a:rPr lang="en-US" dirty="0" smtClean="0"/>
-              <a:t> </a:t>
-            </a:r>
-            <a:r>
-              <a:rPr lang="en-US" dirty="0" smtClean="0"/>
-              <a:t>tipo</a:t>
-            </a:r>
-            <a:r>
-              <a:rPr lang="en-US" dirty="0" smtClean="0"/>
-              <a:t>.</a:t>
-            </a:r>
-          </a:p>
-          <a:p>
-            <a:endParaRPr lang="en-US" dirty="0"/>
-          </a:p>
-          <a:p>
-            <a:endParaRPr lang="en-US" dirty="0" smtClean="0"/>
-          </a:p>
-          <a:p>
-            <a:r>
-              <a:rPr lang="en-US" dirty="0" smtClean="0"/>
-              <a:t>Utiliza</a:t>
-            </a:r>
-            <a:r>
-              <a:rPr lang="en-US" dirty="0" smtClean="0"/>
-              <a:t> </a:t>
-            </a:r>
-            <a:r>
-              <a:rPr lang="en-US" dirty="0" smtClean="0"/>
-              <a:t>iteraciones</a:t>
-            </a:r>
-            <a:r>
-              <a:rPr lang="en-US" dirty="0" smtClean="0"/>
-              <a:t> </a:t>
-            </a:r>
-            <a:r>
-              <a:rPr lang="en-US" dirty="0" smtClean="0"/>
-              <a:t>recursivas</a:t>
-            </a:r>
-            <a:r>
-              <a:rPr lang="en-US" dirty="0" smtClean="0"/>
-              <a:t> para resolver </a:t>
-            </a:r>
-            <a:r>
-              <a:rPr lang="en-US" dirty="0" smtClean="0"/>
-              <a:t>esos</a:t>
-            </a:r>
-            <a:r>
-              <a:rPr lang="en-US" dirty="0" smtClean="0"/>
-              <a:t> </a:t>
-            </a:r>
-            <a:r>
-              <a:rPr lang="en-US" dirty="0" smtClean="0"/>
-              <a:t>problemas</a:t>
+              <a:t>Utiliza iteraciones recursivas para resolver esos problemas</a:t>
             </a:r>
             <a:r>
               <a:rPr lang="en-US" dirty="0"/>
@@ -4720,23 +4491,7 @@
           <a:p>
             <a:r>
               <a:rPr lang="en-US" dirty="0" smtClean="0"/>
-              <a:t>Estructura</a:t>
-            </a:r>
-            <a:r>
-              <a:rPr lang="en-US" dirty="0" smtClean="0"/>
-              <a:t> del </a:t>
-            </a:r>
-            <a:r>
-              <a:rPr lang="en-US" dirty="0" smtClean="0"/>
-              <a:t>Metodo</a:t>
-            </a:r>
-            <a:r>
-              <a:rPr lang="en-US" dirty="0" smtClean="0"/>
-              <a:t> </a:t>
-            </a:r>
-            <a:r>
-              <a:rPr lang="en-US" dirty="0" smtClean="0"/>
-              <a:t>Recursivo</a:t>
+              <a:t>Estructura del Metodo Recursivo</a:t>
             </a:r>
             <a:endParaRPr lang="es-AR" dirty="0"/>
           </a:p>
@@ -4782,21 +4537,53 @@
                 <a:latin typeface="Courier New" pitchFamily="49" charset="0"/>
                 <a:cs typeface="Courier New" pitchFamily="49" charset="0"/>
               </a:rPr>
-              <a:t>metodoRecursivo</a:t>
+              <a:t>metodoRecursivo(</a:t>
+            </a:r>
+            <a:r>
+              <a:rPr lang="en-US" sz="1200" i="1" dirty="0" smtClean="0">
+                <a:latin typeface="Courier New" pitchFamily="49" charset="0"/>
+                <a:cs typeface="Courier New" pitchFamily="49" charset="0"/>
+              </a:rPr>
+              <a:t>parametros</a:t>
             </a:r>
             <a:r>
               <a:rPr lang="en-US" sz="1200" dirty="0" smtClean="0">
                 <a:latin typeface="Courier New" pitchFamily="49" charset="0"/>
                 <a:cs typeface="Courier New" pitchFamily="49" charset="0"/>
               </a:rPr>
-              <a:t>(</a:t>
+              <a:t>)</a:t>
+            </a:r>
+          </a:p>
+          <a:p>
+            <a:r>
+              <a:rPr lang="en-US" sz="1200" dirty="0" smtClean="0">
+                <a:latin typeface="Courier New" pitchFamily="49" charset="0"/>
+                <a:cs typeface="Courier New" pitchFamily="49" charset="0"/>
+              </a:rPr>
+              <a:t>{</a:t>
+            </a:r>
+          </a:p>
+          <a:p>
+            <a:r>
+              <a:rPr lang="en-US" sz="1200" dirty="0">
+                <a:latin typeface="Courier New" pitchFamily="49" charset="0"/>
+                <a:cs typeface="Courier New" pitchFamily="49" charset="0"/>
+              </a:rPr>
+              <a:t>	</a:t>
+            </a:r>
+            <a:r>
+              <a:rPr lang="en-US" sz="1200" dirty="0" smtClean="0">
+                <a:latin typeface="Courier New" pitchFamily="49" charset="0"/>
+                <a:cs typeface="Courier New" pitchFamily="49" charset="0"/>
+              </a:rPr>
+              <a:t>if(</a:t>
             </a:r>
             <a:r>
               <a:rPr lang="en-US" sz="1200" i="1" dirty="0" smtClean="0">
                 <a:latin typeface="Courier New" pitchFamily="49" charset="0"/>
                 <a:cs typeface="Courier New" pitchFamily="49" charset="0"/>
               </a:rPr>
-              <a:t>parametros</a:t>
+              <a:t>condicion de parada</a:t>
             </a:r>
             <a:r>
               <a:rPr lang="en-US" sz="1200" dirty="0" smtClean="0">
@@ -4812,6 +4599,70 @@
                 <a:latin typeface="Courier New" pitchFamily="49" charset="0"/>
                 <a:cs typeface="Courier New" pitchFamily="49" charset="0"/>
               </a:rPr>
+              <a:t>	{</a:t>
+            </a:r>
+          </a:p>
+          <a:p>
+            <a:r>
+              <a:rPr lang="en-US" sz="1200" dirty="0">
+                <a:latin typeface="Courier New" pitchFamily="49" charset="0"/>
+                <a:cs typeface="Courier New" pitchFamily="49" charset="0"/>
+              </a:rPr>
+              <a:t>	</a:t>
+            </a:r>
+            <a:r>
+              <a:rPr lang="en-US" sz="1200" dirty="0" smtClean="0">
+                <a:latin typeface="Courier New" pitchFamily="49" charset="0"/>
+                <a:cs typeface="Courier New" pitchFamily="49" charset="0"/>
+              </a:rPr>
+              <a:t>	//hacer algo con el caso base,</a:t>
+            </a:r>
+          </a:p>
+          <a:p>
+            <a:r>
+              <a:rPr lang="en-US" sz="1200" dirty="0">
+                <a:latin typeface="Courier New" pitchFamily="49" charset="0"/>
+                <a:cs typeface="Courier New" pitchFamily="49" charset="0"/>
+              </a:rPr>
+              <a:t>	</a:t>
+            </a:r>
+            <a:r>
+              <a:rPr lang="en-US" sz="1200" dirty="0" smtClean="0">
+                <a:latin typeface="Courier New" pitchFamily="49" charset="0"/>
+                <a:cs typeface="Courier New" pitchFamily="49" charset="0"/>
+              </a:rPr>
+              <a:t>}</a:t>
+            </a:r>
+          </a:p>
+          <a:p>
+            <a:r>
+              <a:rPr lang="en-US" sz="1200" dirty="0">
+                <a:latin typeface="Courier New" pitchFamily="49" charset="0"/>
+                <a:cs typeface="Courier New" pitchFamily="49" charset="0"/>
+              </a:rPr>
+              <a:t>	</a:t>
+            </a:r>
+            <a:r>
+              <a:rPr lang="en-US" sz="1200" dirty="0" smtClean="0">
+                <a:latin typeface="Courier New" pitchFamily="49" charset="0"/>
+                <a:cs typeface="Courier New" pitchFamily="49" charset="0"/>
+              </a:rPr>
+              <a:t>else</a:t>
+            </a:r>
+          </a:p>
+          <a:p>
+            <a:r>
+              <a:rPr lang="en-US" sz="1200" dirty="0">
+                <a:latin typeface="Courier New" pitchFamily="49" charset="0"/>
+                <a:cs typeface="Courier New" pitchFamily="49" charset="0"/>
+              </a:rPr>
+              <a:t>	</a:t>
+            </a:r>
+            <a:r>
+              <a:rPr lang="en-US" sz="1200" dirty="0" smtClean="0">
+                <a:latin typeface="Courier New" pitchFamily="49" charset="0"/>
+                <a:cs typeface="Courier New" pitchFamily="49" charset="0"/>
+              </a:rPr>
               <a:t>{</a:t>
             </a:r>
           </a:p>
@@ -4828,238 +4679,23 @@
                 <a:latin typeface="Courier New" pitchFamily="49" charset="0"/>
                 <a:cs typeface="Courier New" pitchFamily="49" charset="0"/>
               </a:rPr>
-              <a:t>if(</a:t>
-            </a:r>
-            <a:r>
-              <a:rPr lang="en-US" sz="1200" i="1" dirty="0" smtClean="0">
-                <a:latin typeface="Courier New" pitchFamily="49" charset="0"/>
-                <a:cs typeface="Courier New" pitchFamily="49" charset="0"/>
-              </a:rPr>
-              <a:t>condicion</a:t>
-            </a:r>
-            <a:r>
-              <a:rPr lang="en-US" sz="1200" i="1" dirty="0" smtClean="0">
-                <a:latin typeface="Courier New" pitchFamily="49" charset="0"/>
-                <a:cs typeface="Courier New" pitchFamily="49" charset="0"/>
-              </a:rPr>
-              <a:t> de </a:t>
-            </a:r>
-            <a:r>
-              <a:rPr lang="en-US" sz="1200" i="1" dirty="0" smtClean="0">
-                <a:latin typeface="Courier New" pitchFamily="49" charset="0"/>
-                <a:cs typeface="Courier New" pitchFamily="49" charset="0"/>
-              </a:rPr>
-              <a:t>parada</a:t>
+              <a:t>	//caso recursivo:</a:t>
+            </a:r>
+          </a:p>
+          <a:p>
+            <a:r>
+              <a:rPr lang="en-US" sz="1200" dirty="0">
+                <a:latin typeface="Courier New" pitchFamily="49" charset="0"/>
+                <a:cs typeface="Courier New" pitchFamily="49" charset="0"/>
+              </a:rPr>
+              <a:t>	</a:t>
             </a:r>
             <a:r>
               <a:rPr lang="en-US" sz="1200" dirty="0" smtClean="0">
                 <a:latin typeface="Courier New" pitchFamily="49" charset="0"/>
                 <a:cs typeface="Courier New" pitchFamily="49" charset="0"/>
               </a:rPr>
-              <a:t>)</a:t>
-            </a:r>
-          </a:p>
-          <a:p>
-            <a:r>
-              <a:rPr lang="en-US" sz="1200" dirty="0" smtClean="0">
-                <a:latin typeface="Courier New" pitchFamily="49" charset="0"/>
-                <a:cs typeface="Courier New" pitchFamily="49" charset="0"/>
-              </a:rPr>
-              <a:t>	{</a:t>
-            </a:r>
-          </a:p>
-          <a:p>
-            <a:r>
-              <a:rPr lang="en-US" sz="1200" dirty="0">
-                <a:latin typeface="Courier New" pitchFamily="49" charset="0"/>
-                <a:cs typeface="Courier New" pitchFamily="49" charset="0"/>
-              </a:rPr>
-              <a:t>	</a:t>
-            </a:r>
-            <a:r>
-              <a:rPr lang="en-US" sz="1200" dirty="0" smtClean="0">
-                <a:latin typeface="Courier New" pitchFamily="49" charset="0"/>
-                <a:cs typeface="Courier New" pitchFamily="49" charset="0"/>
-              </a:rPr>
-              <a:t>	//</a:t>
-            </a:r>
-            <a:r>
-              <a:rPr lang="en-US" sz="1200" dirty="0" smtClean="0">
-                <a:latin typeface="Courier New" pitchFamily="49" charset="0"/>
-                <a:cs typeface="Courier New" pitchFamily="49" charset="0"/>
-              </a:rPr>
-              <a:t>hacer</a:t>
-            </a:r>
-            <a:r>
-              <a:rPr lang="en-US" sz="1200" dirty="0" smtClean="0">
-                <a:latin typeface="Courier New" pitchFamily="49" charset="0"/>
-                <a:cs typeface="Courier New" pitchFamily="49" charset="0"/>
-              </a:rPr>
-              <a:t> </a:t>
-            </a:r>
-            <a:r>
-              <a:rPr lang="en-US" sz="1200" dirty="0" smtClean="0">
-                <a:latin typeface="Courier New" pitchFamily="49" charset="0"/>
-                <a:cs typeface="Courier New" pitchFamily="49" charset="0"/>
-              </a:rPr>
-              <a:t>algo</a:t>
-            </a:r>
-            <a:r>
-              <a:rPr lang="en-US" sz="1200" dirty="0" smtClean="0">
-                <a:latin typeface="Courier New" pitchFamily="49" charset="0"/>
-                <a:cs typeface="Courier New" pitchFamily="49" charset="0"/>
-              </a:rPr>
-              <a:t> con el caso base,</a:t>
-            </a:r>
-          </a:p>
-          <a:p>
-            <a:r>
-              <a:rPr lang="en-US" sz="1200" dirty="0">
-                <a:latin typeface="Courier New" pitchFamily="49" charset="0"/>
-                <a:cs typeface="Courier New" pitchFamily="49" charset="0"/>
-              </a:rPr>
-              <a:t>	</a:t>
-            </a:r>
-            <a:r>
-              <a:rPr lang="en-US" sz="1200" dirty="0" smtClean="0">
-                <a:latin typeface="Courier New" pitchFamily="49" charset="0"/>
-                <a:cs typeface="Courier New" pitchFamily="49" charset="0"/>
-              </a:rPr>
-              <a:t>}</a:t>
-            </a:r>
-          </a:p>
-          <a:p>
-            <a:r>
-              <a:rPr lang="en-US" sz="1200" dirty="0">
-                <a:latin typeface="Courier New" pitchFamily="49" charset="0"/>
-                <a:cs typeface="Courier New" pitchFamily="49" charset="0"/>
-              </a:rPr>
-              <a:t>	</a:t>
-            </a:r>
-            <a:r>
-              <a:rPr lang="en-US" sz="1200" dirty="0" smtClean="0">
-                <a:latin typeface="Courier New" pitchFamily="49" charset="0"/>
-                <a:cs typeface="Courier New" pitchFamily="49" charset="0"/>
-              </a:rPr>
-              <a:t>else</a:t>
-            </a:r>
-          </a:p>
-          <a:p>
-            <a:r>
-              <a:rPr lang="en-US" sz="1200" dirty="0">
-                <a:latin typeface="Courier New" pitchFamily="49" charset="0"/>
-                <a:cs typeface="Courier New" pitchFamily="49" charset="0"/>
-              </a:rPr>
-              <a:t>	</a:t>
-            </a:r>
-            <a:r>
-              <a:rPr lang="en-US" sz="1200" dirty="0" smtClean="0">
-                <a:latin typeface="Courier New" pitchFamily="49" charset="0"/>
-                <a:cs typeface="Courier New" pitchFamily="49" charset="0"/>
-              </a:rPr>
-              <a:t>{</a:t>
-            </a:r>
-          </a:p>
-          <a:p>
-            <a:r>
-              <a:rPr lang="en-US" sz="1200" dirty="0">
-                <a:latin typeface="Courier New" pitchFamily="49" charset="0"/>
-                <a:cs typeface="Courier New" pitchFamily="49" charset="0"/>
-              </a:rPr>
-              <a:t>	</a:t>
-            </a:r>
-            <a:r>
-              <a:rPr lang="en-US" sz="1200" dirty="0" smtClean="0">
-                <a:latin typeface="Courier New" pitchFamily="49" charset="0"/>
-                <a:cs typeface="Courier New" pitchFamily="49" charset="0"/>
-              </a:rPr>
-              <a:t>	//caso </a:t>
-            </a:r>
-            <a:r>
-              <a:rPr lang="en-US" sz="1200" dirty="0" smtClean="0">
-                <a:latin typeface="Courier New" pitchFamily="49" charset="0"/>
-                <a:cs typeface="Courier New" pitchFamily="49" charset="0"/>
-              </a:rPr>
-              <a:t>recursivo</a:t>
-            </a:r>
-            <a:r>
-              <a:rPr lang="en-US" sz="1200" dirty="0" smtClean="0">
-                <a:latin typeface="Courier New" pitchFamily="49" charset="0"/>
-                <a:cs typeface="Courier New" pitchFamily="49" charset="0"/>
-              </a:rPr>
-              <a:t>:</a:t>
-            </a:r>
-          </a:p>
-          <a:p>
-            <a:r>
-              <a:rPr lang="en-US" sz="1200" dirty="0">
-                <a:latin typeface="Courier New" pitchFamily="49" charset="0"/>
-                <a:cs typeface="Courier New" pitchFamily="49" charset="0"/>
-              </a:rPr>
-              <a:t>	</a:t>
-            </a:r>
-            <a:r>
-              <a:rPr lang="en-US" sz="1200" dirty="0" smtClean="0">
-                <a:latin typeface="Courier New" pitchFamily="49" charset="0"/>
-                <a:cs typeface="Courier New" pitchFamily="49" charset="0"/>
-              </a:rPr>
-              <a:t>	//</a:t>
-            </a:r>
-            <a:r>
-              <a:rPr lang="en-US" sz="1200" dirty="0" smtClean="0">
-                <a:latin typeface="Courier New" pitchFamily="49" charset="0"/>
-                <a:cs typeface="Courier New" pitchFamily="49" charset="0"/>
-              </a:rPr>
-              <a:t>posiblemente</a:t>
-            </a:r>
-            <a:r>
-              <a:rPr lang="en-US" sz="1200" dirty="0" smtClean="0">
-                <a:latin typeface="Courier New" pitchFamily="49" charset="0"/>
-                <a:cs typeface="Courier New" pitchFamily="49" charset="0"/>
-              </a:rPr>
-              <a:t> </a:t>
-            </a:r>
-            <a:r>
-              <a:rPr lang="en-US" sz="1200" dirty="0" smtClean="0">
-                <a:latin typeface="Courier New" pitchFamily="49" charset="0"/>
-                <a:cs typeface="Courier New" pitchFamily="49" charset="0"/>
-              </a:rPr>
-              <a:t>hacer</a:t>
-            </a:r>
-            <a:r>
-              <a:rPr lang="en-US" sz="1200" dirty="0" smtClean="0">
-                <a:latin typeface="Courier New" pitchFamily="49" charset="0"/>
-                <a:cs typeface="Courier New" pitchFamily="49" charset="0"/>
-              </a:rPr>
-              <a:t> </a:t>
-            </a:r>
-            <a:r>
-              <a:rPr lang="en-US" sz="1200" dirty="0" smtClean="0">
-                <a:latin typeface="Courier New" pitchFamily="49" charset="0"/>
-                <a:cs typeface="Courier New" pitchFamily="49" charset="0"/>
-              </a:rPr>
-              <a:t>algo</a:t>
-            </a:r>
-            <a:r>
-              <a:rPr lang="en-US" sz="1200" dirty="0" smtClean="0">
-                <a:latin typeface="Courier New" pitchFamily="49" charset="0"/>
-                <a:cs typeface="Courier New" pitchFamily="49" charset="0"/>
-              </a:rPr>
-              <a:t> </a:t>
-            </a:r>
-            <a:r>
-              <a:rPr lang="en-US" sz="1200" dirty="0" smtClean="0">
-                <a:latin typeface="Courier New" pitchFamily="49" charset="0"/>
-                <a:cs typeface="Courier New" pitchFamily="49" charset="0"/>
-              </a:rPr>
-              <a:t>aca</a:t>
-            </a:r>
-            <a:r>
-              <a:rPr lang="en-US" sz="1200" dirty="0" smtClean="0">
-                <a:latin typeface="Courier New" pitchFamily="49" charset="0"/>
-                <a:cs typeface="Courier New" pitchFamily="49" charset="0"/>
-              </a:rPr>
-              <a:t>,</a:t>
+              <a:t>	//posiblemente hacer algo aca,</a:t>
             </a:r>
           </a:p>
           <a:p>
@@ -5081,49 +4717,14 @@
                 <a:latin typeface="Courier New" pitchFamily="49" charset="0"/>
                 <a:cs typeface="Courier New" pitchFamily="49" charset="0"/>
               </a:rPr>
-              <a:t>	</a:t>
-            </a:r>
-            <a:r>
-              <a:rPr lang="en-US" sz="1200" dirty="0" smtClean="0">
-                <a:latin typeface="Courier New" pitchFamily="49" charset="0"/>
-                <a:cs typeface="Courier New" pitchFamily="49" charset="0"/>
-              </a:rPr>
-              <a:t>metodoRecursivo</a:t>
-            </a:r>
-            <a:r>
-              <a:rPr lang="en-US" sz="1200" dirty="0" smtClean="0">
-                <a:latin typeface="Courier New" pitchFamily="49" charset="0"/>
-                <a:cs typeface="Courier New" pitchFamily="49" charset="0"/>
-              </a:rPr>
-              <a:t>(</a:t>
+              <a:t>	metodoRecursivo(</a:t>
             </a:r>
             <a:r>
               <a:rPr lang="en-US" sz="1200" i="1" dirty="0" smtClean="0">
                 <a:latin typeface="Courier New" pitchFamily="49" charset="0"/>
                 <a:cs typeface="Courier New" pitchFamily="49" charset="0"/>
               </a:rPr>
-              <a:t>parametros</a:t>
-            </a:r>
-            <a:r>
-              <a:rPr lang="en-US" sz="1200" i="1" dirty="0" smtClean="0">
-                <a:latin typeface="Courier New" pitchFamily="49" charset="0"/>
-                <a:cs typeface="Courier New" pitchFamily="49" charset="0"/>
-              </a:rPr>
-              <a:t> </a:t>
-            </a:r>
-            <a:r>
-              <a:rPr lang="en-US" sz="1200" i="1" dirty="0" smtClean="0">
-                <a:latin typeface="Courier New" pitchFamily="49" charset="0"/>
-                <a:cs typeface="Courier New" pitchFamily="49" charset="0"/>
-              </a:rPr>
-              <a:t>modificados</a:t>
-            </a:r>
-            <a:r>
-              <a:rPr lang="en-US" sz="1200" i="1" dirty="0" smtClean="0">
-                <a:latin typeface="Courier New" pitchFamily="49" charset="0"/>
-                <a:cs typeface="Courier New" pitchFamily="49" charset="0"/>
-              </a:rPr>
-              <a:t>);</a:t>
+              <a:t>parametros modificados);</a:t>
             </a:r>
           </a:p>
           <a:p>
@@ -5145,63 +4746,7 @@
                 <a:latin typeface="Courier New" pitchFamily="49" charset="0"/>
                 <a:cs typeface="Courier New" pitchFamily="49" charset="0"/>
               </a:rPr>
-              <a:t>	//</a:t>
-            </a:r>
-            <a:r>
-              <a:rPr lang="en-US" sz="1200" dirty="0" smtClean="0">
-                <a:latin typeface="Courier New" pitchFamily="49" charset="0"/>
-                <a:cs typeface="Courier New" pitchFamily="49" charset="0"/>
-              </a:rPr>
-              <a:t>posiblemente</a:t>
-            </a:r>
-            <a:r>
-              <a:rPr lang="en-US" sz="1200" dirty="0" smtClean="0">
-                <a:latin typeface="Courier New" pitchFamily="49" charset="0"/>
-                <a:cs typeface="Courier New" pitchFamily="49" charset="0"/>
-              </a:rPr>
-              <a:t> </a:t>
-            </a:r>
-            <a:r>
-              <a:rPr lang="en-US" sz="1200" dirty="0" smtClean="0">
-                <a:latin typeface="Courier New" pitchFamily="49" charset="0"/>
-                <a:cs typeface="Courier New" pitchFamily="49" charset="0"/>
-              </a:rPr>
-              <a:t>hacer</a:t>
-            </a:r>
-            <a:r>
-              <a:rPr lang="en-US" sz="1200" dirty="0" smtClean="0">
-                <a:latin typeface="Courier New" pitchFamily="49" charset="0"/>
-                <a:cs typeface="Courier New" pitchFamily="49" charset="0"/>
-              </a:rPr>
-              <a:t> </a:t>
-            </a:r>
-            <a:r>
-              <a:rPr lang="en-US" sz="1200" dirty="0" smtClean="0">
-                <a:latin typeface="Courier New" pitchFamily="49" charset="0"/>
-                <a:cs typeface="Courier New" pitchFamily="49" charset="0"/>
-              </a:rPr>
-              <a:t>algo</a:t>
-            </a:r>
-            <a:r>
-              <a:rPr lang="en-US" sz="1200" dirty="0" smtClean="0">
-                <a:latin typeface="Courier New" pitchFamily="49" charset="0"/>
-                <a:cs typeface="Courier New" pitchFamily="49" charset="0"/>
-              </a:rPr>
-              <a:t> </a:t>
-            </a:r>
-            <a:r>
-              <a:rPr lang="en-US" sz="1200" dirty="0" smtClean="0">
-                <a:latin typeface="Courier New" pitchFamily="49" charset="0"/>
-                <a:cs typeface="Courier New" pitchFamily="49" charset="0"/>
-              </a:rPr>
-              <a:t>aca</a:t>
-            </a:r>
-            <a:r>
-              <a:rPr lang="en-US" sz="1200" dirty="0" smtClean="0">
-                <a:latin typeface="Courier New" pitchFamily="49" charset="0"/>
-                <a:cs typeface="Courier New" pitchFamily="49" charset="0"/>
-              </a:rPr>
-              <a:t>.</a:t>
+              <a:t>	//posiblemente hacer algo aca.</a:t>
             </a:r>
           </a:p>
           <a:p>
@@ -5259,68 +4804,16 @@
           <a:p>
             <a:r>
               <a:rPr lang="en-US" dirty="0" smtClean="0"/>
-              <a:t>• </a:t>
-            </a:r>
+              <a:t>• Pueden haber multiples casos bases (condiciones de parada).</a:t>
+            </a:r>
+          </a:p>
+          <a:p>
+            <a:endParaRPr lang="en-US" dirty="0"/>
+          </a:p>
+          <a:p>
             <a:r>
               <a:rPr lang="en-US" dirty="0" smtClean="0"/>
-              <a:t>Pueden</a:t>
-            </a:r>
-            <a:r>
-              <a:rPr lang="en-US" dirty="0" smtClean="0"/>
-              <a:t> </a:t>
-            </a:r>
-            <a:r>
-              <a:rPr lang="en-US" dirty="0" smtClean="0"/>
-              <a:t>haber</a:t>
-            </a:r>
-            <a:r>
-              <a:rPr lang="en-US" dirty="0" smtClean="0"/>
-              <a:t> multiples </a:t>
-            </a:r>
-            <a:r>
-              <a:rPr lang="en-US" dirty="0" smtClean="0"/>
-              <a:t>casos</a:t>
-            </a:r>
-            <a:r>
-              <a:rPr lang="en-US" dirty="0" smtClean="0"/>
-              <a:t> bases (</a:t>
-            </a:r>
-            <a:r>
-              <a:rPr lang="en-US" dirty="0" smtClean="0"/>
-              <a:t>condiciones</a:t>
-            </a:r>
-            <a:r>
-              <a:rPr lang="en-US" dirty="0" smtClean="0"/>
-              <a:t> de </a:t>
-            </a:r>
-            <a:r>
-              <a:rPr lang="en-US" dirty="0" smtClean="0"/>
-              <a:t>parada</a:t>
-            </a:r>
-            <a:r>
-              <a:rPr lang="en-US" dirty="0" smtClean="0"/>
-              <a:t>).</a:t>
-            </a:r>
-          </a:p>
-          <a:p>
-            <a:endParaRPr lang="en-US" dirty="0"/>
-          </a:p>
-          <a:p>
-            <a:r>
-              <a:rPr lang="en-US" dirty="0" smtClean="0"/>
-              <a:t>• </a:t>
-            </a:r>
-            <a:r>
-              <a:rPr lang="en-US" dirty="0" smtClean="0"/>
-              <a:t>Cuando</a:t>
-            </a:r>
-            <a:r>
-              <a:rPr lang="en-US" dirty="0" smtClean="0"/>
-              <a:t> </a:t>
-            </a:r>
-            <a:r>
-              <a:rPr lang="en-US" dirty="0" smtClean="0"/>
-              <a:t>usamos</a:t>
+              <a:t>• Cuando usamos</a:t>
             </a:r>
             <a:r>
               <a:rPr lang="en-US" dirty="0"/>
@@ -5328,55 +4821,7 @@
             </a:r>
             <a:r>
               <a:rPr lang="en-US" dirty="0" smtClean="0"/>
-              <a:t>el caso </a:t>
-            </a:r>
-            <a:r>
-              <a:rPr lang="en-US" dirty="0" smtClean="0"/>
-              <a:t>recursivo</a:t>
-            </a:r>
-            <a:r>
-              <a:rPr lang="en-US" dirty="0" smtClean="0"/>
-              <a:t>, </a:t>
-            </a:r>
-            <a:r>
-              <a:rPr lang="en-US" dirty="0" smtClean="0"/>
-              <a:t>generalmente</a:t>
-            </a:r>
-            <a:r>
-              <a:rPr lang="en-US" dirty="0" smtClean="0"/>
-              <a:t> </a:t>
-            </a:r>
-            <a:r>
-              <a:rPr lang="en-US" dirty="0" smtClean="0"/>
-              <a:t>modificamos</a:t>
-            </a:r>
-            <a:r>
-              <a:rPr lang="en-US" dirty="0" smtClean="0"/>
-              <a:t> los </a:t>
-            </a:r>
-            <a:r>
-              <a:rPr lang="en-US" dirty="0" smtClean="0"/>
-              <a:t>parametros</a:t>
-            </a:r>
-            <a:r>
-              <a:rPr lang="en-US" dirty="0" smtClean="0"/>
-              <a:t> para que </a:t>
-            </a:r>
-            <a:r>
-              <a:rPr lang="en-US" dirty="0" smtClean="0"/>
-              <a:t>nos</a:t>
-            </a:r>
-            <a:r>
-              <a:rPr lang="en-US" dirty="0" smtClean="0"/>
-              <a:t> </a:t>
-            </a:r>
-            <a:r>
-              <a:rPr lang="en-US" dirty="0" smtClean="0"/>
-              <a:t>acerquen</a:t>
-            </a:r>
-            <a:r>
-              <a:rPr lang="en-US" dirty="0" smtClean="0"/>
-              <a:t> al caso base.</a:t>
+              <a:t>el caso recursivo, generalmente modificamos los parametros para que nos acerquen al caso base.</a:t>
             </a:r>
             <a:endParaRPr lang="es-AR" dirty="0"/>
           </a:p>
@@ -5436,15 +4881,7 @@
           <a:p>
             <a:r>
               <a:rPr lang="en-US" dirty="0" smtClean="0"/>
-              <a:t>Pensando</a:t>
-            </a:r>
-            <a:r>
-              <a:rPr lang="en-US" dirty="0" smtClean="0"/>
-              <a:t> </a:t>
-            </a:r>
-            <a:r>
-              <a:rPr lang="en-US" dirty="0" smtClean="0"/>
-              <a:t>Recursivamente</a:t>
+              <a:t>Pensando Recursivamente</a:t>
             </a:r>
             <a:endParaRPr lang="es-AR" dirty="0"/>
           </a:p>
@@ -5467,98 +4904,14 @@
           <a:p>
             <a:r>
               <a:rPr lang="en-US" b="1" dirty="0" smtClean="0"/>
-              <a:t>Cuando</a:t>
-            </a:r>
-            <a:r>
-              <a:rPr lang="en-US" b="1" dirty="0" smtClean="0"/>
-              <a:t> </a:t>
-            </a:r>
-            <a:r>
-              <a:rPr lang="en-US" b="1" dirty="0" smtClean="0"/>
-              <a:t>resolvemos</a:t>
-            </a:r>
-            <a:r>
-              <a:rPr lang="en-US" b="1" dirty="0" smtClean="0"/>
-              <a:t> </a:t>
-            </a:r>
-            <a:r>
-              <a:rPr lang="en-US" b="1" dirty="0" smtClean="0"/>
-              <a:t>problemas</a:t>
-            </a:r>
-            <a:r>
-              <a:rPr lang="en-US" b="1" dirty="0" smtClean="0"/>
-              <a:t> </a:t>
-            </a:r>
-            <a:r>
-              <a:rPr lang="en-US" b="1" dirty="0" smtClean="0"/>
-              <a:t>usando</a:t>
-            </a:r>
-            <a:r>
-              <a:rPr lang="en-US" b="1" dirty="0" smtClean="0"/>
-              <a:t> recursion, </a:t>
-            </a:r>
-            <a:r>
-              <a:rPr lang="en-US" b="1" dirty="0" smtClean="0"/>
-              <a:t>preguntense</a:t>
-            </a:r>
-            <a:r>
-              <a:rPr lang="en-US" b="1" dirty="0" smtClean="0"/>
-              <a:t> </a:t>
-            </a:r>
-            <a:r>
-              <a:rPr lang="en-US" b="1" dirty="0" smtClean="0"/>
-              <a:t>esto</a:t>
-            </a:r>
-            <a:r>
-              <a:rPr lang="en-US" b="1" dirty="0" smtClean="0"/>
-              <a:t>:</a:t>
+              <a:t>Cuando resolvemos problemas usando recursion, preguntense esto:</a:t>
             </a:r>
           </a:p>
           <a:p>
             <a:pPr lvl="1"/>
             <a:r>
               <a:rPr lang="en-US" dirty="0" smtClean="0"/>
-              <a:t>Como </a:t>
-            </a:r>
-            <a:r>
-              <a:rPr lang="en-US" dirty="0" smtClean="0"/>
-              <a:t>puedo</a:t>
-            </a:r>
-            <a:r>
-              <a:rPr lang="en-US" dirty="0" smtClean="0"/>
-              <a:t> “romper” </a:t>
-            </a:r>
-            <a:r>
-              <a:rPr lang="en-US" dirty="0" smtClean="0"/>
-              <a:t>este</a:t>
-            </a:r>
-            <a:r>
-              <a:rPr lang="en-US" dirty="0" smtClean="0"/>
-              <a:t> </a:t>
-            </a:r>
-            <a:r>
-              <a:rPr lang="en-US" dirty="0" smtClean="0"/>
-              <a:t>problema</a:t>
-            </a:r>
-            <a:r>
-              <a:rPr lang="en-US" dirty="0" smtClean="0"/>
-              <a:t> en sub </a:t>
-            </a:r>
-            <a:r>
-              <a:rPr lang="en-US" dirty="0" smtClean="0"/>
-              <a:t>problemas</a:t>
-            </a:r>
-            <a:r>
-              <a:rPr lang="en-US" dirty="0" smtClean="0"/>
-              <a:t> mas </a:t>
-            </a:r>
-            <a:r>
-              <a:rPr lang="en-US" dirty="0" smtClean="0"/>
-              <a:t>pequeños</a:t>
-            </a:r>
-            <a:r>
-              <a:rPr lang="en-US" dirty="0" smtClean="0"/>
-              <a:t>?</a:t>
+              <a:t>Como puedo “romper” este problema en sub problemas mas pequeños?</a:t>
             </a:r>
           </a:p>
           <a:p>
@@ -5569,19 +4922,7 @@
             <a:pPr lvl="1"/>
             <a:r>
               <a:rPr lang="en-US" dirty="0" smtClean="0"/>
-              <a:t>Cuales</a:t>
-            </a:r>
-            <a:r>
-              <a:rPr lang="en-US" dirty="0" smtClean="0"/>
-              <a:t> son los </a:t>
-            </a:r>
-            <a:r>
-              <a:rPr lang="en-US" dirty="0" smtClean="0"/>
-              <a:t>casos</a:t>
-            </a:r>
-            <a:r>
-              <a:rPr lang="en-US" dirty="0" smtClean="0"/>
-              <a:t> base?</a:t>
+              <a:t>Cuales son los casos base?</a:t>
             </a:r>
           </a:p>
           <a:p>
@@ -5592,43 +4933,7 @@
             <a:pPr lvl="1"/>
             <a:r>
               <a:rPr lang="en-US" dirty="0" smtClean="0"/>
-              <a:t>Tengo</a:t>
-            </a:r>
-            <a:r>
-              <a:rPr lang="en-US" dirty="0" smtClean="0"/>
-              <a:t> que </a:t>
-            </a:r>
-            <a:r>
-              <a:rPr lang="en-US" dirty="0" smtClean="0"/>
-              <a:t>combinar</a:t>
-            </a:r>
-            <a:r>
-              <a:rPr lang="en-US" dirty="0" smtClean="0"/>
-              <a:t> </a:t>
-            </a:r>
-            <a:r>
-              <a:rPr lang="en-US" dirty="0" smtClean="0"/>
-              <a:t>soluciones</a:t>
-            </a:r>
-            <a:r>
-              <a:rPr lang="en-US" dirty="0" smtClean="0"/>
-              <a:t> con </a:t>
-            </a:r>
-            <a:r>
-              <a:rPr lang="en-US" dirty="0" smtClean="0"/>
-              <a:t>las</a:t>
-            </a:r>
-            <a:r>
-              <a:rPr lang="en-US" dirty="0" smtClean="0"/>
-              <a:t> sub </a:t>
-            </a:r>
-            <a:r>
-              <a:rPr lang="en-US" dirty="0" smtClean="0"/>
-              <a:t>soluciones</a:t>
-            </a:r>
-            <a:r>
-              <a:rPr lang="en-US" dirty="0" smtClean="0"/>
-              <a:t>?</a:t>
+              <a:t>Tengo que combinar soluciones con las sub soluciones?</a:t>
             </a:r>
             <a:endParaRPr lang="es-AR" dirty="0"/>
           </a:p>
@@ -5688,11 +4993,7 @@
           <a:p>
             <a:r>
               <a:rPr lang="en-US" dirty="0" smtClean="0"/>
-              <a:t>Backtracking </a:t>
-            </a:r>
-            <a:r>
-              <a:rPr lang="en-US" dirty="0" smtClean="0"/>
-              <a:t>Recursivo</a:t>
+              <a:t>Backtracking Recursivo</a:t>
             </a:r>
             <a:endParaRPr lang="es-AR" dirty="0"/>
           </a:p>
@@ -5715,71 +5016,7 @@
           <a:p>
             <a:r>
               <a:rPr lang="en-US" dirty="0" smtClean="0"/>
-              <a:t>El backtracking (</a:t>
-            </a:r>
-            <a:r>
-              <a:rPr lang="en-US" dirty="0" smtClean="0"/>
-              <a:t>vuelta</a:t>
-            </a:r>
-            <a:r>
-              <a:rPr lang="en-US" dirty="0" smtClean="0"/>
-              <a:t> </a:t>
-            </a:r>
-            <a:r>
-              <a:rPr lang="en-US" dirty="0" smtClean="0"/>
-              <a:t>atras</a:t>
-            </a:r>
-            <a:r>
-              <a:rPr lang="en-US" dirty="0" smtClean="0"/>
-              <a:t>) </a:t>
-            </a:r>
-            <a:r>
-              <a:rPr lang="en-US" dirty="0" smtClean="0"/>
-              <a:t>consiste</a:t>
-            </a:r>
-            <a:r>
-              <a:rPr lang="en-US" dirty="0" smtClean="0"/>
-              <a:t> en </a:t>
-            </a:r>
-            <a:r>
-              <a:rPr lang="en-US" dirty="0" smtClean="0"/>
-              <a:t>combinar</a:t>
-            </a:r>
-            <a:r>
-              <a:rPr lang="en-US" dirty="0" smtClean="0"/>
-              <a:t> el </a:t>
-            </a:r>
-            <a:r>
-              <a:rPr lang="en-US" dirty="0" smtClean="0"/>
-              <a:t>metodo</a:t>
-            </a:r>
-            <a:r>
-              <a:rPr lang="en-US" dirty="0" smtClean="0"/>
-              <a:t> </a:t>
-            </a:r>
-            <a:r>
-              <a:rPr lang="en-US" dirty="0" smtClean="0"/>
-              <a:t>recursivo</a:t>
-            </a:r>
-            <a:r>
-              <a:rPr lang="en-US" dirty="0" smtClean="0"/>
-              <a:t> con una </a:t>
-            </a:r>
-            <a:r>
-              <a:rPr lang="en-US" dirty="0" smtClean="0"/>
-              <a:t>estructura</a:t>
-            </a:r>
-            <a:r>
-              <a:rPr lang="en-US" dirty="0" smtClean="0"/>
-              <a:t> de “</a:t>
-            </a:r>
-            <a:r>
-              <a:rPr lang="en-US" dirty="0" smtClean="0"/>
-              <a:t>Arbol</a:t>
-            </a:r>
-            <a:r>
-              <a:rPr lang="en-US" dirty="0" smtClean="0"/>
-              <a:t>”.</a:t>
+              <a:t>El backtracking (vuelta atras) consiste en combinar el metodo recursivo con una estructura de “Arbol”.</a:t>
             </a:r>
           </a:p>
           <a:p>
@@ -5851,175 +5088,15 @@
           <a:p>
             <a:r>
               <a:rPr lang="en-US" sz="2400" dirty="0" smtClean="0"/>
-              <a:t>Encontremos</a:t>
+              <a:t>Encontremos al menos una manera posible de posicionar n amazonas en un tablero de n x n, de manera tal que ninguna amazona ponga en jaque a otra </a:t>
+            </a:r>
+            <a:r>
+              <a:rPr lang="en-US" sz="2400" b="1" dirty="0" smtClean="0"/>
+              <a:t>(constante de la solucion</a:t>
             </a:r>
             <a:r>
               <a:rPr lang="en-US" sz="2400" dirty="0" smtClean="0"/>
-              <a:t> al </a:t>
-            </a:r>
-            <a:r>
-              <a:rPr lang="en-US" sz="2400" dirty="0" smtClean="0"/>
-              <a:t>menos</a:t>
-            </a:r>
-            <a:r>
-              <a:rPr lang="en-US" sz="2400" dirty="0" smtClean="0"/>
-              <a:t> una </a:t>
-            </a:r>
-            <a:r>
-              <a:rPr lang="en-US" sz="2400" dirty="0" smtClean="0"/>
-              <a:t>manera</a:t>
-            </a:r>
-            <a:r>
-              <a:rPr lang="en-US" sz="2400" dirty="0" smtClean="0"/>
-              <a:t> </a:t>
-            </a:r>
-            <a:r>
-              <a:rPr lang="en-US" sz="2400" dirty="0" smtClean="0"/>
-              <a:t>posible</a:t>
-            </a:r>
-            <a:r>
-              <a:rPr lang="en-US" sz="2400" dirty="0" smtClean="0"/>
-              <a:t> de </a:t>
-            </a:r>
-            <a:r>
-              <a:rPr lang="en-US" sz="2400" dirty="0" smtClean="0"/>
-              <a:t>posicionar</a:t>
-            </a:r>
-            <a:r>
-              <a:rPr lang="en-US" sz="2400" dirty="0" smtClean="0"/>
-              <a:t> n </a:t>
-            </a:r>
-            <a:r>
-              <a:rPr lang="en-US" sz="2400" dirty="0" smtClean="0"/>
-              <a:t>amazonas</a:t>
-            </a:r>
-            <a:r>
-              <a:rPr lang="en-US" sz="2400" dirty="0" smtClean="0"/>
-              <a:t> en un </a:t>
-            </a:r>
-            <a:r>
-              <a:rPr lang="en-US" sz="2400" dirty="0" smtClean="0"/>
-              <a:t>tablero</a:t>
-            </a:r>
-            <a:r>
-              <a:rPr lang="en-US" sz="2400" dirty="0" smtClean="0"/>
-              <a:t> de n x n, de </a:t>
-            </a:r>
-            <a:r>
-              <a:rPr lang="en-US" sz="2400" dirty="0" smtClean="0"/>
-              <a:t>manera</a:t>
-            </a:r>
-            <a:r>
-              <a:rPr lang="en-US" sz="2400" dirty="0" smtClean="0"/>
-              <a:t> </a:t>
-            </a:r>
-            <a:r>
-              <a:rPr lang="en-US" sz="2400" dirty="0" smtClean="0"/>
-              <a:t>tal</a:t>
-            </a:r>
-            <a:r>
-              <a:rPr lang="en-US" sz="2400" dirty="0" smtClean="0"/>
-              <a:t> que </a:t>
-            </a:r>
-            <a:r>
-              <a:rPr lang="en-US" sz="2400" dirty="0" smtClean="0"/>
-              <a:t>ninguna</a:t>
-            </a:r>
-            <a:r>
-              <a:rPr lang="en-US" sz="2400" dirty="0" smtClean="0"/>
-              <a:t> </a:t>
-            </a:r>
-            <a:r>
-              <a:rPr lang="en-US" sz="2400" dirty="0" smtClean="0"/>
-              <a:t>amazona</a:t>
-            </a:r>
-            <a:r>
-              <a:rPr lang="en-US" sz="2400" dirty="0" smtClean="0"/>
-              <a:t> </a:t>
-            </a:r>
-            <a:r>
-              <a:rPr lang="en-US" sz="2400" dirty="0" smtClean="0"/>
-              <a:t>ponga</a:t>
-            </a:r>
-            <a:r>
-              <a:rPr lang="en-US" sz="2400" dirty="0" smtClean="0"/>
-              <a:t> en </a:t>
-            </a:r>
-            <a:r>
-              <a:rPr lang="en-US" sz="2400" dirty="0" smtClean="0"/>
-              <a:t>jaque</a:t>
-            </a:r>
-            <a:r>
-              <a:rPr lang="en-US" sz="2400" dirty="0" smtClean="0"/>
-              <a:t> a </a:t>
-            </a:r>
-            <a:r>
-              <a:rPr lang="en-US" sz="2400" dirty="0" smtClean="0"/>
-              <a:t>otra</a:t>
-            </a:r>
-            <a:r>
-              <a:rPr lang="en-US" sz="2400" dirty="0" smtClean="0"/>
-              <a:t> </a:t>
-            </a:r>
-            <a:r>
-              <a:rPr lang="en-US" sz="2400" b="1" dirty="0" smtClean="0"/>
-              <a:t>(</a:t>
-            </a:r>
-            <a:r>
-              <a:rPr lang="en-US" sz="2400" b="1" dirty="0" smtClean="0"/>
-              <a:t>constante</a:t>
-            </a:r>
-            <a:r>
-              <a:rPr lang="en-US" sz="2400" b="1" dirty="0" smtClean="0"/>
-              <a:t> de la </a:t>
-            </a:r>
-            <a:r>
-              <a:rPr lang="en-US" sz="2400" b="1" dirty="0" smtClean="0"/>
-              <a:t>solucion</a:t>
-            </a:r>
-            <a:r>
-              <a:rPr lang="en-US" sz="2400" dirty="0" smtClean="0"/>
-              <a:t>). </a:t>
-            </a:r>
-            <a:r>
-              <a:rPr lang="en-US" sz="2400" dirty="0" smtClean="0"/>
-              <a:t>Estas</a:t>
-            </a:r>
-            <a:r>
-              <a:rPr lang="en-US" sz="2400" dirty="0" smtClean="0"/>
-              <a:t> se </a:t>
-            </a:r>
-            <a:r>
-              <a:rPr lang="en-US" sz="2400" dirty="0" smtClean="0"/>
-              <a:t>mueven</a:t>
-            </a:r>
-            <a:r>
-              <a:rPr lang="en-US" sz="2400" dirty="0" smtClean="0"/>
-              <a:t> </a:t>
-            </a:r>
-            <a:r>
-              <a:rPr lang="en-US" sz="2400" dirty="0" smtClean="0"/>
-              <a:t>como</a:t>
-            </a:r>
-            <a:r>
-              <a:rPr lang="en-US" sz="2400" dirty="0" smtClean="0"/>
-              <a:t> </a:t>
-            </a:r>
-            <a:r>
-              <a:rPr lang="en-US" sz="2400" dirty="0" smtClean="0"/>
-              <a:t>reinas</a:t>
-            </a:r>
-            <a:r>
-              <a:rPr lang="en-US" sz="2400" dirty="0" smtClean="0"/>
-              <a:t> y </a:t>
-            </a:r>
-            <a:r>
-              <a:rPr lang="en-US" sz="2400" dirty="0" smtClean="0"/>
-              <a:t>caballos</a:t>
-            </a:r>
-            <a:r>
-              <a:rPr lang="en-US" sz="2400" dirty="0" smtClean="0"/>
-              <a:t>.</a:t>
+              <a:t>). Estas se mueven como reinas y caballos.</a:t>
             </a:r>
           </a:p>
           <a:p>
@@ -6040,27 +5117,7 @@
           <a:p>
             <a:r>
               <a:rPr lang="en-US" sz="2400" dirty="0" smtClean="0"/>
-              <a:t>Esto</a:t>
-            </a:r>
-            <a:r>
-              <a:rPr lang="en-US" sz="2400" dirty="0" smtClean="0"/>
-              <a:t> </a:t>
-            </a:r>
-            <a:r>
-              <a:rPr lang="en-US" sz="2400" dirty="0" smtClean="0"/>
-              <a:t>es</a:t>
-            </a:r>
-            <a:r>
-              <a:rPr lang="en-US" sz="2400" dirty="0" smtClean="0"/>
-              <a:t> un </a:t>
-            </a:r>
-            <a:r>
-              <a:rPr lang="en-US" sz="2400" dirty="0" smtClean="0"/>
-              <a:t>ejemplo</a:t>
-            </a:r>
-            <a:r>
-              <a:rPr lang="en-US" sz="2400" dirty="0" smtClean="0"/>
-              <a:t> de un</a:t>
+              <a:t>Esto es un ejemplo de un</a:t>
             </a:r>
           </a:p>
           <a:p>
@@ -6069,19 +5126,7 @@
             </a:pPr>
             <a:r>
               <a:rPr lang="en-US" sz="2400" dirty="0" smtClean="0"/>
-              <a:t>problema</a:t>
-            </a:r>
-            <a:r>
-              <a:rPr lang="en-US" sz="2400" dirty="0" smtClean="0"/>
-              <a:t> que se </a:t>
-            </a:r>
-            <a:r>
-              <a:rPr lang="en-US" sz="2400" dirty="0" smtClean="0"/>
-              <a:t>puede</a:t>
-            </a:r>
-            <a:r>
-              <a:rPr lang="en-US" sz="2400" dirty="0" smtClean="0"/>
-              <a:t> resolver</a:t>
+              <a:t>problema que se puede resolver</a:t>
             </a:r>
           </a:p>
           <a:p>
@@ -6094,19 +5139,7 @@
             </a:r>
             <a:r>
               <a:rPr lang="en-US" sz="2400" dirty="0" smtClean="0"/>
-              <a:t>tilizando</a:t>
-            </a:r>
-            <a:r>
-              <a:rPr lang="en-US" sz="2400" dirty="0" smtClean="0"/>
-              <a:t> la </a:t>
-            </a:r>
-            <a:r>
-              <a:rPr lang="en-US" sz="2400" dirty="0" smtClean="0"/>
-              <a:t>tecnica</a:t>
-            </a:r>
-            <a:r>
-              <a:rPr lang="en-US" sz="2400" dirty="0" smtClean="0"/>
-              <a:t> del</a:t>
+              <a:t>tilizando la tecnica del</a:t>
             </a:r>
           </a:p>
           <a:p>
@@ -6115,15 +5148,7 @@
             </a:pPr>
             <a:r>
               <a:rPr lang="en-US" sz="2400" i="1" dirty="0" smtClean="0"/>
-              <a:t>Backtracking </a:t>
-            </a:r>
-            <a:r>
-              <a:rPr lang="en-US" sz="2400" i="1" dirty="0" smtClean="0"/>
-              <a:t>Recursivo</a:t>
-            </a:r>
-            <a:r>
-              <a:rPr lang="en-US" sz="2400" i="1" dirty="0" smtClean="0"/>
-              <a:t>.</a:t>
+              <a:t>Backtracking Recursivo.</a:t>
             </a:r>
             <a:endParaRPr lang="en-US" sz="2000" i="1" dirty="0"/>
           </a:p>
@@ -7288,19 +6313,7 @@
           <a:p>
             <a:r>
               <a:rPr lang="en-US" dirty="0" smtClean="0"/>
-              <a:t>Estrategia</a:t>
-            </a:r>
-            <a:r>
-              <a:rPr lang="en-US" dirty="0" smtClean="0"/>
-              <a:t> </a:t>
-            </a:r>
-            <a:r>
-              <a:rPr lang="en-US" dirty="0" smtClean="0"/>
-              <a:t>Recursiva</a:t>
-            </a:r>
-            <a:r>
-              <a:rPr lang="en-US" dirty="0" smtClean="0"/>
-              <a:t> para n-Amazonas</a:t>
+              <a:t>Estrategia Recursiva para n-Amazonas</a:t>
             </a:r>
             <a:endParaRPr lang="es-AR" dirty="0"/>
           </a:p>
@@ -7325,185 +6338,25 @@
           <a:p>
             <a:r>
               <a:rPr lang="en-US" dirty="0" smtClean="0"/>
-              <a:t>Considerar una fila por </a:t>
-            </a:r>
+              <a:t>Considerar una fila por vez. Dentro de la fila, considerar una columna por vez, buscando por una columna “segura” para colocar una amazona.</a:t>
+            </a:r>
+          </a:p>
+          <a:p>
+            <a:endParaRPr lang="en-US" dirty="0" smtClean="0"/>
+          </a:p>
+          <a:p>
             <a:r>
               <a:rPr lang="en-US" dirty="0" smtClean="0"/>
-              <a:t>vez</a:t>
-            </a:r>
+              <a:t>Si encontramos un lugar, colocamos la amazona y utilizamos un metodo recursivo para colocar una nueva amazona en la siguiente fila</a:t>
+            </a:r>
+          </a:p>
+          <a:p>
+            <a:endParaRPr lang="en-US" dirty="0" smtClean="0"/>
+          </a:p>
+          <a:p>
             <a:r>
               <a:rPr lang="en-US" dirty="0" smtClean="0"/>
-              <a:t>. </a:t>
-            </a:r>
-            <a:r>
-              <a:rPr lang="en-US" dirty="0" smtClean="0"/>
-              <a:t>Dentro</a:t>
-            </a:r>
-            <a:r>
-              <a:rPr lang="en-US" dirty="0" smtClean="0"/>
-              <a:t> de la fila, considerar una columna por </a:t>
-            </a:r>
-            <a:r>
-              <a:rPr lang="en-US" dirty="0" smtClean="0"/>
-              <a:t>vez</a:t>
-            </a:r>
-            <a:r>
-              <a:rPr lang="en-US" dirty="0" smtClean="0"/>
-              <a:t>, </a:t>
-            </a:r>
-            <a:r>
-              <a:rPr lang="en-US" dirty="0" smtClean="0"/>
-              <a:t>buscando</a:t>
-            </a:r>
-            <a:r>
-              <a:rPr lang="en-US" dirty="0" smtClean="0"/>
-              <a:t> por una columna “segura” para </a:t>
-            </a:r>
-            <a:r>
-              <a:rPr lang="en-US" dirty="0" smtClean="0"/>
-              <a:t>colocar</a:t>
-            </a:r>
-            <a:r>
-              <a:rPr lang="en-US" dirty="0" smtClean="0"/>
-              <a:t> una </a:t>
-            </a:r>
-            <a:r>
-              <a:rPr lang="en-US" dirty="0" smtClean="0"/>
-              <a:t>amazona</a:t>
-            </a:r>
-            <a:r>
-              <a:rPr lang="en-US" dirty="0" smtClean="0"/>
-              <a:t>.</a:t>
-            </a:r>
-          </a:p>
-          <a:p>
-            <a:endParaRPr lang="en-US" dirty="0" smtClean="0"/>
-          </a:p>
-          <a:p>
-            <a:r>
-              <a:rPr lang="en-US" dirty="0" smtClean="0"/>
-              <a:t>Si </a:t>
-            </a:r>
-            <a:r>
-              <a:rPr lang="en-US" dirty="0" smtClean="0"/>
-              <a:t>encontramos</a:t>
-            </a:r>
-            <a:r>
-              <a:rPr lang="en-US" dirty="0" smtClean="0"/>
-              <a:t> un </a:t>
-            </a:r>
-            <a:r>
-              <a:rPr lang="en-US" dirty="0" smtClean="0"/>
-              <a:t>lugar</a:t>
-            </a:r>
-            <a:r>
-              <a:rPr lang="en-US" dirty="0" smtClean="0"/>
-              <a:t>, </a:t>
-            </a:r>
-            <a:r>
-              <a:rPr lang="en-US" dirty="0" smtClean="0"/>
-              <a:t>colocamos</a:t>
-            </a:r>
-            <a:r>
-              <a:rPr lang="en-US" dirty="0" smtClean="0"/>
-              <a:t> la </a:t>
-            </a:r>
-            <a:r>
-              <a:rPr lang="en-US" dirty="0" smtClean="0"/>
-              <a:t>amazona</a:t>
-            </a:r>
-            <a:r>
-              <a:rPr lang="en-US" dirty="0" smtClean="0"/>
-              <a:t> y </a:t>
-            </a:r>
-            <a:r>
-              <a:rPr lang="en-US" dirty="0" smtClean="0"/>
-              <a:t>utilizamos</a:t>
-            </a:r>
-            <a:r>
-              <a:rPr lang="en-US" dirty="0" smtClean="0"/>
-              <a:t> un </a:t>
-            </a:r>
-            <a:r>
-              <a:rPr lang="en-US" dirty="0" smtClean="0"/>
-              <a:t>metodo</a:t>
-            </a:r>
-            <a:r>
-              <a:rPr lang="en-US" dirty="0" smtClean="0"/>
-              <a:t> </a:t>
-            </a:r>
-            <a:r>
-              <a:rPr lang="en-US" dirty="0" smtClean="0"/>
-              <a:t>recursivo</a:t>
-            </a:r>
-            <a:r>
-              <a:rPr lang="en-US" dirty="0" smtClean="0"/>
-              <a:t> para </a:t>
-            </a:r>
-            <a:r>
-              <a:rPr lang="en-US" dirty="0" smtClean="0"/>
-              <a:t>colocar</a:t>
-            </a:r>
-            <a:r>
-              <a:rPr lang="en-US" dirty="0" smtClean="0"/>
-              <a:t> una </a:t>
-            </a:r>
-            <a:r>
-              <a:rPr lang="en-US" dirty="0" smtClean="0"/>
-              <a:t>nueva</a:t>
-            </a:r>
-            <a:r>
-              <a:rPr lang="en-US" dirty="0" smtClean="0"/>
-              <a:t> </a:t>
-            </a:r>
-            <a:r>
-              <a:rPr lang="en-US" dirty="0" smtClean="0"/>
-              <a:t>amazona</a:t>
-            </a:r>
-            <a:r>
-              <a:rPr lang="en-US" dirty="0" smtClean="0"/>
-              <a:t> en la </a:t>
-            </a:r>
-            <a:r>
-              <a:rPr lang="en-US" dirty="0" smtClean="0"/>
-              <a:t>siguiente</a:t>
-            </a:r>
-            <a:r>
-              <a:rPr lang="en-US" dirty="0" smtClean="0"/>
-              <a:t> fila</a:t>
-            </a:r>
-          </a:p>
-          <a:p>
-            <a:endParaRPr lang="en-US" dirty="0" smtClean="0"/>
-          </a:p>
-          <a:p>
-            <a:r>
-              <a:rPr lang="en-US" dirty="0" smtClean="0"/>
-              <a:t>Si no podemos </a:t>
-            </a:r>
-            <a:r>
-              <a:rPr lang="en-US" dirty="0" smtClean="0"/>
-              <a:t>encontrar</a:t>
-            </a:r>
-            <a:r>
-              <a:rPr lang="en-US" dirty="0" smtClean="0"/>
-              <a:t> un </a:t>
-            </a:r>
-            <a:r>
-              <a:rPr lang="en-US" dirty="0" smtClean="0"/>
-              <a:t>lugar</a:t>
-            </a:r>
-            <a:r>
-              <a:rPr lang="en-US" dirty="0" smtClean="0"/>
-              <a:t>, </a:t>
-            </a:r>
-            <a:r>
-              <a:rPr lang="en-US" dirty="0" smtClean="0"/>
-              <a:t>utilizamos</a:t>
-            </a:r>
-            <a:r>
-              <a:rPr lang="en-US" dirty="0" smtClean="0"/>
-              <a:t> el </a:t>
+              <a:t>Si no podemos encontrar un lugar, utilizamos el </a:t>
             </a:r>
             <a:r>
               <a:rPr lang="en-US" i="1" dirty="0" smtClean="0"/>
@@ -7511,63 +6364,7 @@
             </a:r>
             <a:r>
               <a:rPr lang="en-US" dirty="0" smtClean="0"/>
-              <a:t> </a:t>
-            </a:r>
-            <a:r>
-              <a:rPr lang="en-US" dirty="0" smtClean="0"/>
-              <a:t>volviendo</a:t>
-            </a:r>
-            <a:r>
-              <a:rPr lang="en-US" dirty="0" smtClean="0"/>
-              <a:t> del </a:t>
-            </a:r>
-            <a:r>
-              <a:rPr lang="en-US" dirty="0" smtClean="0"/>
-              <a:t>metodo</a:t>
-            </a:r>
-            <a:r>
-              <a:rPr lang="en-US" dirty="0" smtClean="0"/>
-              <a:t> </a:t>
-            </a:r>
-            <a:r>
-              <a:rPr lang="en-US" dirty="0" smtClean="0"/>
-              <a:t>recursivo</a:t>
-            </a:r>
-            <a:r>
-              <a:rPr lang="en-US" dirty="0" smtClean="0"/>
-              <a:t>, e </a:t>
-            </a:r>
-            <a:r>
-              <a:rPr lang="en-US" dirty="0" smtClean="0"/>
-              <a:t>intentamos</a:t>
-            </a:r>
-            <a:r>
-              <a:rPr lang="en-US" dirty="0" smtClean="0"/>
-              <a:t> </a:t>
-            </a:r>
-            <a:r>
-              <a:rPr lang="en-US" dirty="0" smtClean="0"/>
-              <a:t>encontrar</a:t>
-            </a:r>
-            <a:r>
-              <a:rPr lang="en-US" dirty="0" smtClean="0"/>
-              <a:t> una </a:t>
-            </a:r>
-            <a:r>
-              <a:rPr lang="en-US" dirty="0" smtClean="0"/>
-              <a:t>nueva</a:t>
-            </a:r>
-            <a:r>
-              <a:rPr lang="en-US" dirty="0" smtClean="0"/>
-              <a:t> columna segura en la </a:t>
-            </a:r>
-            <a:r>
-              <a:rPr lang="en-US" dirty="0" smtClean="0"/>
-              <a:t>fila </a:t>
-            </a:r>
-            <a:r>
-              <a:rPr lang="en-US" dirty="0" smtClean="0"/>
-              <a:t>anterior.</a:t>
+              <a:t> volviendo del metodo recursivo, e intentamos encontrar una nueva columna segura en la fila anterior.</a:t>
             </a:r>
             <a:endParaRPr lang="es-AR" dirty="0"/>
           </a:p>
@@ -11442,72 +10239,16 @@
           <a:p>
             <a:r>
               <a:rPr lang="en-US" dirty="0" smtClean="0"/>
-              <a:t>• </a:t>
-            </a:r>
+              <a:t>• Ya no tenemos mas columnas para probar en la fila 2.</a:t>
+            </a:r>
+          </a:p>
+          <a:p>
+            <a:endParaRPr lang="en-US" dirty="0"/>
+          </a:p>
+          <a:p>
             <a:r>
               <a:rPr lang="en-US" dirty="0" smtClean="0"/>
-              <a:t>Ya</a:t>
-            </a:r>
-            <a:r>
-              <a:rPr lang="en-US" dirty="0" smtClean="0"/>
-              <a:t> no </a:t>
-            </a:r>
-            <a:r>
-              <a:rPr lang="en-US" dirty="0" smtClean="0"/>
-              <a:t>tenemos</a:t>
-            </a:r>
-            <a:r>
-              <a:rPr lang="en-US" dirty="0" smtClean="0"/>
-              <a:t> mas </a:t>
-            </a:r>
-            <a:r>
-              <a:rPr lang="en-US" dirty="0" smtClean="0"/>
-              <a:t>columnas</a:t>
-            </a:r>
-            <a:r>
-              <a:rPr lang="en-US" dirty="0" smtClean="0"/>
-              <a:t> para </a:t>
-            </a:r>
-            <a:r>
-              <a:rPr lang="en-US" dirty="0" smtClean="0"/>
-              <a:t>probar</a:t>
-            </a:r>
-            <a:r>
-              <a:rPr lang="en-US" dirty="0" smtClean="0"/>
-              <a:t> en la fila 2.</a:t>
-            </a:r>
-          </a:p>
-          <a:p>
-            <a:endParaRPr lang="en-US" dirty="0"/>
-          </a:p>
-          <a:p>
-            <a:r>
-              <a:rPr lang="en-US" dirty="0" smtClean="0"/>
-              <a:t>• </a:t>
-            </a:r>
-            <a:r>
-              <a:rPr lang="en-US" dirty="0" smtClean="0"/>
-              <a:t>Tenemos</a:t>
-            </a:r>
-            <a:r>
-              <a:rPr lang="en-US" dirty="0" smtClean="0"/>
-              <a:t> que </a:t>
-            </a:r>
-            <a:r>
-              <a:rPr lang="en-US" dirty="0" smtClean="0"/>
-              <a:t>volver</a:t>
-            </a:r>
-            <a:r>
-              <a:rPr lang="en-US" dirty="0" smtClean="0"/>
-              <a:t> </a:t>
-            </a:r>
-            <a:r>
-              <a:rPr lang="en-US" dirty="0" smtClean="0"/>
-              <a:t>atras</a:t>
-            </a:r>
-            <a:r>
-              <a:rPr lang="en-US" dirty="0" smtClean="0"/>
-              <a:t> (</a:t>
+              <a:t>• Tenemos que volver atras (</a:t>
             </a:r>
             <a:r>
               <a:rPr lang="en-US" i="1" dirty="0" smtClean="0"/>
@@ -11515,59 +10256,14 @@
             </a:r>
             <a:r>
               <a:rPr lang="en-US" dirty="0" smtClean="0"/>
-              <a:t>) a la columna 1 </a:t>
-            </a:r>
+              <a:t>) a la columna 1 volviendo de la llamada recursiva.</a:t>
+            </a:r>
+          </a:p>
+          <a:p>
             <a:r>
               <a:rPr lang="en-US" dirty="0" smtClean="0"/>
-              <a:t>volviendo</a:t>
-            </a:r>
-            <a:r>
-              <a:rPr lang="en-US" dirty="0" smtClean="0"/>
-              <a:t> de la </a:t>
-            </a:r>
-            <a:r>
-              <a:rPr lang="en-US" dirty="0" smtClean="0"/>
-              <a:t>llamada</a:t>
-            </a:r>
-            <a:r>
-              <a:rPr lang="en-US" dirty="0" smtClean="0"/>
-              <a:t> </a:t>
-            </a:r>
-            <a:r>
-              <a:rPr lang="en-US" dirty="0" smtClean="0"/>
-              <a:t>recursiva</a:t>
-            </a:r>
-            <a:r>
-              <a:rPr lang="en-US" dirty="0" smtClean="0"/>
-              <a:t>.</a:t>
-            </a:r>
-          </a:p>
-          <a:p>
-            <a:r>
-              <a:rPr lang="en-US" dirty="0" smtClean="0"/>
-              <a:t>      - </a:t>
-            </a:r>
-            <a:r>
-              <a:rPr lang="en-US" dirty="0" smtClean="0"/>
-              <a:t>Volvemos</a:t>
-            </a:r>
-            <a:r>
-              <a:rPr lang="en-US" dirty="0" smtClean="0"/>
-              <a:t> a </a:t>
-            </a:r>
-            <a:r>
-              <a:rPr lang="en-US" dirty="0" smtClean="0"/>
-              <a:t>donde</a:t>
-            </a:r>
-            <a:r>
-              <a:rPr lang="en-US" dirty="0" smtClean="0"/>
-              <a:t> </a:t>
-            </a:r>
-            <a:r>
-              <a:rPr lang="en-US" dirty="0" smtClean="0"/>
-              <a:t>estabamos</a:t>
-            </a:r>
-            <a:endParaRPr lang="en-US" dirty="0" smtClean="0"/>
+              <a:t>      - Volvemos a donde estabamos</a:t>
+            </a:r>
           </a:p>
         </p:txBody>
       </p:sp>
@@ -11872,63 +10568,7 @@
             </a:pPr>
             <a:r>
               <a:rPr lang="en-US" dirty="0" smtClean="0"/>
-              <a:t>Como </a:t>
-            </a:r>
-            <a:r>
-              <a:rPr lang="en-US" dirty="0" smtClean="0"/>
-              <a:t>ya</a:t>
-            </a:r>
-            <a:r>
-              <a:rPr lang="en-US" dirty="0" smtClean="0"/>
-              <a:t> </a:t>
-            </a:r>
-            <a:r>
-              <a:rPr lang="en-US" dirty="0" smtClean="0"/>
-              <a:t>intentamos</a:t>
-            </a:r>
-            <a:r>
-              <a:rPr lang="en-US" dirty="0" smtClean="0"/>
-              <a:t> la columna 0-3, </a:t>
-            </a:r>
-            <a:r>
-              <a:rPr lang="en-US" dirty="0" smtClean="0"/>
-              <a:t>nos</a:t>
-            </a:r>
-            <a:r>
-              <a:rPr lang="en-US" dirty="0" smtClean="0"/>
-              <a:t> </a:t>
-            </a:r>
-            <a:r>
-              <a:rPr lang="en-US" dirty="0" smtClean="0"/>
-              <a:t>quedamos</a:t>
-            </a:r>
-            <a:r>
-              <a:rPr lang="en-US" dirty="0" smtClean="0"/>
-              <a:t> sin </a:t>
-            </a:r>
-            <a:r>
-              <a:rPr lang="en-US" dirty="0" smtClean="0"/>
-              <a:t>columnas</a:t>
-            </a:r>
-            <a:r>
-              <a:rPr lang="en-US" dirty="0" smtClean="0"/>
-              <a:t> para </a:t>
-            </a:r>
-            <a:r>
-              <a:rPr lang="en-US" dirty="0" smtClean="0"/>
-              <a:t>seguir</a:t>
-            </a:r>
-            <a:r>
-              <a:rPr lang="en-US" dirty="0" smtClean="0"/>
-              <a:t> </a:t>
-            </a:r>
-            <a:r>
-              <a:rPr lang="en-US" dirty="0" smtClean="0"/>
-              <a:t>intentando</a:t>
-            </a:r>
-            <a:r>
-              <a:rPr lang="en-US" dirty="0" smtClean="0"/>
-              <a:t>.</a:t>
+              <a:t>Como ya intentamos la columna 0-3, nos quedamos sin columnas para seguir intentando.</a:t>
             </a:r>
           </a:p>
           <a:p>
@@ -11945,43 +10585,7 @@
             </a:pPr>
             <a:r>
               <a:rPr lang="en-US" dirty="0" smtClean="0"/>
-              <a:t>Volvemos</a:t>
-            </a:r>
-            <a:r>
-              <a:rPr lang="en-US" dirty="0" smtClean="0"/>
-              <a:t> a </a:t>
-            </a:r>
-            <a:r>
-              <a:rPr lang="en-US" dirty="0" smtClean="0"/>
-              <a:t>volver</a:t>
-            </a:r>
-            <a:r>
-              <a:rPr lang="en-US" dirty="0" smtClean="0"/>
-              <a:t> para </a:t>
-            </a:r>
-            <a:r>
-              <a:rPr lang="en-US" dirty="0" smtClean="0"/>
-              <a:t>atras</a:t>
-            </a:r>
-            <a:r>
-              <a:rPr lang="en-US" dirty="0" smtClean="0"/>
-              <a:t> e </a:t>
-            </a:r>
-            <a:r>
-              <a:rPr lang="en-US" dirty="0" smtClean="0"/>
-              <a:t>intentamos</a:t>
-            </a:r>
-            <a:r>
-              <a:rPr lang="en-US" dirty="0" smtClean="0"/>
-              <a:t> con una </a:t>
-            </a:r>
-            <a:r>
-              <a:rPr lang="en-US" dirty="0" smtClean="0"/>
-              <a:t>nueva</a:t>
-            </a:r>
-            <a:r>
-              <a:rPr lang="en-US" dirty="0" smtClean="0"/>
-              <a:t> columna en la fila anterior.</a:t>
+              <a:t>Volvemos a volver para atras e intentamos con una nueva columna en la fila anterior.</a:t>
             </a:r>
             <a:endParaRPr lang="es-AR" dirty="0"/>
           </a:p>
@@ -14270,15 +12874,7 @@
           <a:p>
             <a:r>
               <a:rPr lang="en-US" dirty="0" smtClean="0"/>
-              <a:t>Creacion</a:t>
-            </a:r>
-            <a:r>
-              <a:rPr lang="en-US" dirty="0" smtClean="0"/>
-              <a:t> de la </a:t>
-            </a:r>
-            <a:r>
-              <a:rPr lang="en-US" dirty="0" smtClean="0"/>
-              <a:t>Matriz</a:t>
+              <a:t>Creacion de la Matriz</a:t>
             </a:r>
             <a:endParaRPr lang="es-AR" dirty="0"/>
           </a:p>
@@ -14306,23 +12902,7 @@
             </a:pPr>
             <a:r>
               <a:rPr lang="en-US" dirty="0" smtClean="0"/>
-              <a:t>		</a:t>
-            </a:r>
-            <a:r>
-              <a:rPr lang="en-US" dirty="0" smtClean="0"/>
-              <a:t>int</a:t>
-            </a:r>
-            <a:r>
-              <a:rPr lang="en-US" dirty="0" smtClean="0"/>
-              <a:t> </a:t>
-            </a:r>
-            <a:r>
-              <a:rPr lang="en-US" dirty="0" smtClean="0"/>
-              <a:t>arrTablero</a:t>
-            </a:r>
-            <a:r>
-              <a:rPr lang="en-US" dirty="0" smtClean="0"/>
-              <a:t>[50][50];</a:t>
+              <a:t>		int arrTablero[50][50];</a:t>
             </a:r>
           </a:p>
           <a:p>
@@ -14347,15 +12927,7 @@
             </a:r>
             <a:r>
               <a:rPr lang="en-US" dirty="0" smtClean="0"/>
-              <a:t>		Dimension maxima </a:t>
-            </a:r>
-            <a:r>
-              <a:rPr lang="en-US" dirty="0" smtClean="0"/>
-              <a:t>posible</a:t>
-            </a:r>
-            <a:r>
-              <a:rPr lang="en-US" dirty="0" smtClean="0"/>
-              <a:t>.</a:t>
+              <a:t>		Dimension maxima posible.</a:t>
             </a:r>
           </a:p>
           <a:p>
@@ -14491,21 +13063,64 @@
                 <a:latin typeface="Courier New" pitchFamily="49" charset="0"/>
                 <a:cs typeface="Courier New" pitchFamily="49" charset="0"/>
               </a:rPr>
-              <a:t>for(</a:t>
-            </a:r>
+              <a:t>for(int i = 0; i &lt; 50; i ++)</a:t>
+            </a:r>
+          </a:p>
+          <a:p>
+            <a:pPr lvl="2"/>
             <a:r>
               <a:rPr lang="en-US" sz="1200" dirty="0" smtClean="0">
                 <a:latin typeface="Courier New" pitchFamily="49" charset="0"/>
                 <a:cs typeface="Courier New" pitchFamily="49" charset="0"/>
               </a:rPr>
-              <a:t>int</a:t>
-            </a:r>
+              <a:t>{</a:t>
+            </a:r>
+          </a:p>
+          <a:p>
+            <a:pPr lvl="3"/>
             <a:r>
               <a:rPr lang="en-US" sz="1200" dirty="0" smtClean="0">
                 <a:latin typeface="Courier New" pitchFamily="49" charset="0"/>
                 <a:cs typeface="Courier New" pitchFamily="49" charset="0"/>
               </a:rPr>
-              <a:t> i = 0; i &lt; 50; i ++)</a:t>
+              <a:t>for(int j = 0; j &lt; 50; j ++)</a:t>
+            </a:r>
+          </a:p>
+          <a:p>
+            <a:pPr lvl="3"/>
+            <a:r>
+              <a:rPr lang="en-US" sz="1200" dirty="0" smtClean="0">
+                <a:latin typeface="Courier New" pitchFamily="49" charset="0"/>
+                <a:cs typeface="Courier New" pitchFamily="49" charset="0"/>
+              </a:rPr>
+              <a:t>{</a:t>
+            </a:r>
+          </a:p>
+          <a:p>
+            <a:pPr lvl="3"/>
+            <a:r>
+              <a:rPr lang="en-US" sz="1200" dirty="0">
+                <a:latin typeface="Courier New" pitchFamily="49" charset="0"/>
+                <a:cs typeface="Courier New" pitchFamily="49" charset="0"/>
+              </a:rPr>
+              <a:t>	</a:t>
+            </a:r>
+            <a:r>
+              <a:rPr lang="en-US" sz="1200" dirty="0" smtClean="0">
+                <a:latin typeface="Courier New" pitchFamily="49" charset="0"/>
+                <a:cs typeface="Courier New" pitchFamily="49" charset="0"/>
+              </a:rPr>
+              <a:t>arrTablero[i][j] = -1;</a:t>
+            </a:r>
+          </a:p>
+          <a:p>
+            <a:pPr lvl="3"/>
+            <a:r>
+              <a:rPr lang="en-US" sz="1200" dirty="0" smtClean="0">
+                <a:latin typeface="Courier New" pitchFamily="49" charset="0"/>
+                <a:cs typeface="Courier New" pitchFamily="49" charset="0"/>
+              </a:rPr>
+              <a:t>}</a:t>
             </a:r>
           </a:p>
           <a:p>
@@ -14515,6 +13130,26 @@
                 <a:latin typeface="Courier New" pitchFamily="49" charset="0"/>
                 <a:cs typeface="Courier New" pitchFamily="49" charset="0"/>
               </a:rPr>
+              <a:t>}	</a:t>
+            </a:r>
+          </a:p>
+          <a:p>
+            <a:pPr lvl="2"/>
+            <a:r>
+              <a:rPr lang="en-US" sz="1200" dirty="0" smtClean="0">
+                <a:latin typeface="Courier New" pitchFamily="49" charset="0"/>
+                <a:cs typeface="Courier New" pitchFamily="49" charset="0"/>
+              </a:rPr>
+              <a:t>for(int i = 0; i &lt; dimension; i ++)</a:t>
+            </a:r>
+          </a:p>
+          <a:p>
+            <a:pPr lvl="2"/>
+            <a:r>
+              <a:rPr lang="en-US" sz="1200" dirty="0" smtClean="0">
+                <a:latin typeface="Courier New" pitchFamily="49" charset="0"/>
+                <a:cs typeface="Courier New" pitchFamily="49" charset="0"/>
+              </a:rPr>
               <a:t>{</a:t>
             </a:r>
           </a:p>
@@ -14525,167 +13160,27 @@
                 <a:latin typeface="Courier New" pitchFamily="49" charset="0"/>
                 <a:cs typeface="Courier New" pitchFamily="49" charset="0"/>
               </a:rPr>
-              <a:t>for(</a:t>
-            </a:r>
+              <a:t>for(int j = 0; j &lt; dimension; j ++)</a:t>
+            </a:r>
+          </a:p>
+          <a:p>
+            <a:pPr lvl="3"/>
             <a:r>
               <a:rPr lang="en-US" sz="1200" dirty="0" smtClean="0">
                 <a:latin typeface="Courier New" pitchFamily="49" charset="0"/>
                 <a:cs typeface="Courier New" pitchFamily="49" charset="0"/>
               </a:rPr>
-              <a:t>int</a:t>
-            </a:r>
+              <a:t>{</a:t>
+            </a:r>
+          </a:p>
+          <a:p>
+            <a:pPr lvl="3"/>
             <a:r>
               <a:rPr lang="en-US" sz="1200" dirty="0" smtClean="0">
                 <a:latin typeface="Courier New" pitchFamily="49" charset="0"/>
                 <a:cs typeface="Courier New" pitchFamily="49" charset="0"/>
               </a:rPr>
-              <a:t> j = 0; j &lt; 50; j ++)</a:t>
-            </a:r>
-          </a:p>
-          <a:p>
-            <a:pPr lvl="3"/>
-            <a:r>
-              <a:rPr lang="en-US" sz="1200" dirty="0" smtClean="0">
-                <a:latin typeface="Courier New" pitchFamily="49" charset="0"/>
-                <a:cs typeface="Courier New" pitchFamily="49" charset="0"/>
-              </a:rPr>
-              <a:t>{</a:t>
-            </a:r>
-          </a:p>
-          <a:p>
-            <a:pPr lvl="3"/>
-            <a:r>
-              <a:rPr lang="en-US" sz="1200" dirty="0">
-                <a:latin typeface="Courier New" pitchFamily="49" charset="0"/>
-                <a:cs typeface="Courier New" pitchFamily="49" charset="0"/>
-              </a:rPr>
-              <a:t>	</a:t>
-            </a:r>
-            <a:r>
-              <a:rPr lang="en-US" sz="1200" dirty="0" smtClean="0">
-                <a:latin typeface="Courier New" pitchFamily="49" charset="0"/>
-                <a:cs typeface="Courier New" pitchFamily="49" charset="0"/>
-              </a:rPr>
-              <a:t>arrTablero</a:t>
-            </a:r>
-            <a:r>
-              <a:rPr lang="en-US" sz="1200" dirty="0" smtClean="0">
-                <a:latin typeface="Courier New" pitchFamily="49" charset="0"/>
-                <a:cs typeface="Courier New" pitchFamily="49" charset="0"/>
-              </a:rPr>
-              <a:t>[i][j] = -1;</a:t>
-            </a:r>
-          </a:p>
-          <a:p>
-            <a:pPr lvl="3"/>
-            <a:r>
-              <a:rPr lang="en-US" sz="1200" dirty="0" smtClean="0">
-                <a:latin typeface="Courier New" pitchFamily="49" charset="0"/>
-                <a:cs typeface="Courier New" pitchFamily="49" charset="0"/>
-              </a:rPr>
-              <a:t>}</a:t>
-            </a:r>
-          </a:p>
-          <a:p>
-            <a:pPr lvl="2"/>
-            <a:r>
-              <a:rPr lang="en-US" sz="1200" dirty="0" smtClean="0">
-                <a:latin typeface="Courier New" pitchFamily="49" charset="0"/>
-                <a:cs typeface="Courier New" pitchFamily="49" charset="0"/>
-              </a:rPr>
-              <a:t>}	</a:t>
-            </a:r>
-          </a:p>
-          <a:p>
-            <a:pPr lvl="2"/>
-            <a:r>
-              <a:rPr lang="en-US" sz="1200" dirty="0" smtClean="0">
-                <a:latin typeface="Courier New" pitchFamily="49" charset="0"/>
-                <a:cs typeface="Courier New" pitchFamily="49" charset="0"/>
-              </a:rPr>
-              <a:t>for(</a:t>
-            </a:r>
-            <a:r>
-              <a:rPr lang="en-US" sz="1200" dirty="0" smtClean="0">
-                <a:latin typeface="Courier New" pitchFamily="49" charset="0"/>
-                <a:cs typeface="Courier New" pitchFamily="49" charset="0"/>
-              </a:rPr>
-              <a:t>int</a:t>
-            </a:r>
-            <a:r>
-              <a:rPr lang="en-US" sz="1200" dirty="0" smtClean="0">
-                <a:latin typeface="Courier New" pitchFamily="49" charset="0"/>
-                <a:cs typeface="Courier New" pitchFamily="49" charset="0"/>
-              </a:rPr>
-              <a:t> i = 0; i &lt; dimension; i ++)</a:t>
-            </a:r>
-          </a:p>
-          <a:p>
-            <a:pPr lvl="2"/>
-            <a:r>
-              <a:rPr lang="en-US" sz="1200" dirty="0" smtClean="0">
-                <a:latin typeface="Courier New" pitchFamily="49" charset="0"/>
-                <a:cs typeface="Courier New" pitchFamily="49" charset="0"/>
-              </a:rPr>
-              <a:t>{</a:t>
-            </a:r>
-          </a:p>
-          <a:p>
-            <a:pPr lvl="3"/>
-            <a:r>
-              <a:rPr lang="en-US" sz="1200" dirty="0" smtClean="0">
-                <a:latin typeface="Courier New" pitchFamily="49" charset="0"/>
-                <a:cs typeface="Courier New" pitchFamily="49" charset="0"/>
-              </a:rPr>
-              <a:t>for(</a:t>
-            </a:r>
-            <a:r>
-              <a:rPr lang="en-US" sz="1200" dirty="0" smtClean="0">
-                <a:latin typeface="Courier New" pitchFamily="49" charset="0"/>
-                <a:cs typeface="Courier New" pitchFamily="49" charset="0"/>
-              </a:rPr>
-              <a:t>int</a:t>
-            </a:r>
-            <a:r>
-              <a:rPr lang="en-US" sz="1200" dirty="0" smtClean="0">
-                <a:latin typeface="Courier New" pitchFamily="49" charset="0"/>
-                <a:cs typeface="Courier New" pitchFamily="49" charset="0"/>
-              </a:rPr>
-              <a:t> j = 0; j &lt; dimension; j ++)</a:t>
-            </a:r>
-          </a:p>
-          <a:p>
-            <a:pPr lvl="3"/>
-            <a:r>
-              <a:rPr lang="en-US" sz="1200" dirty="0" smtClean="0">
-                <a:latin typeface="Courier New" pitchFamily="49" charset="0"/>
-                <a:cs typeface="Courier New" pitchFamily="49" charset="0"/>
-              </a:rPr>
-              <a:t>{</a:t>
-            </a:r>
-          </a:p>
-          <a:p>
-            <a:pPr lvl="3"/>
-            <a:r>
-              <a:rPr lang="en-US" sz="1200" dirty="0" smtClean="0">
-                <a:latin typeface="Courier New" pitchFamily="49" charset="0"/>
-                <a:cs typeface="Courier New" pitchFamily="49" charset="0"/>
-              </a:rPr>
-              <a:t>	</a:t>
-            </a:r>
-            <a:r>
-              <a:rPr lang="en-US" sz="1200" dirty="0" smtClean="0">
-                <a:latin typeface="Courier New" pitchFamily="49" charset="0"/>
-                <a:cs typeface="Courier New" pitchFamily="49" charset="0"/>
-              </a:rPr>
-              <a:t>arrTablero</a:t>
-            </a:r>
-            <a:r>
-              <a:rPr lang="en-US" sz="1200" dirty="0" smtClean="0">
-                <a:latin typeface="Courier New" pitchFamily="49" charset="0"/>
-                <a:cs typeface="Courier New" pitchFamily="49" charset="0"/>
-              </a:rPr>
-              <a:t>[i][j] = 0;</a:t>
+              <a:t>	arrTablero[i][j] = 0;</a:t>
             </a:r>
           </a:p>
           <a:p>
@@ -14734,15 +13229,7 @@
           <a:p>
             <a:r>
               <a:rPr lang="en-US" sz="1400" dirty="0" smtClean="0"/>
-              <a:t>Inicializacion</a:t>
-            </a:r>
-            <a:r>
-              <a:rPr lang="en-US" sz="1400" dirty="0" smtClean="0"/>
-              <a:t> de la </a:t>
-            </a:r>
-            <a:r>
-              <a:rPr lang="en-US" sz="1400" dirty="0" smtClean="0"/>
-              <a:t>Matriz</a:t>
+              <a:t>Inicializacion de la Matriz</a:t>
             </a:r>
             <a:endParaRPr lang="es-AR" sz="1400" dirty="0"/>
           </a:p>
@@ -19708,11 +18195,7 @@
             <a:pPr algn="ctr"/>
             <a:r>
               <a:rPr lang="en-US" sz="1100" i="1" dirty="0" smtClean="0"/>
-              <a:t>Columna 2: misma </a:t>
-            </a:r>
-            <a:r>
-              <a:rPr lang="en-US" sz="1100" i="1" dirty="0" smtClean="0"/>
-              <a:t>columnas</a:t>
+              <a:t>Columna 2: misma columnas</a:t>
             </a:r>
             <a:endParaRPr lang="es-AR" sz="1100" i="1" dirty="0"/>
           </a:p>
@@ -19902,59 +18385,7 @@
           <a:p>
             <a:r>
               <a:rPr lang="en-US" dirty="0" smtClean="0"/>
-              <a:t>Llegamos</a:t>
-            </a:r>
-            <a:r>
-              <a:rPr lang="en-US" dirty="0" smtClean="0"/>
-              <a:t> a un </a:t>
-            </a:r>
-            <a:r>
-              <a:rPr lang="en-US" dirty="0" smtClean="0"/>
-              <a:t>punto</a:t>
-            </a:r>
-            <a:r>
-              <a:rPr lang="en-US" dirty="0" smtClean="0"/>
-              <a:t> </a:t>
-            </a:r>
-            <a:r>
-              <a:rPr lang="en-US" dirty="0" smtClean="0"/>
-              <a:t>donde</a:t>
-            </a:r>
-            <a:r>
-              <a:rPr lang="en-US" dirty="0" smtClean="0"/>
-              <a:t> </a:t>
-            </a:r>
-            <a:r>
-              <a:rPr lang="en-US" dirty="0" smtClean="0"/>
-              <a:t>ya</a:t>
-            </a:r>
-            <a:r>
-              <a:rPr lang="en-US" dirty="0" smtClean="0"/>
-              <a:t> no se </a:t>
-            </a:r>
-            <a:r>
-              <a:rPr lang="en-US" dirty="0" smtClean="0"/>
-              <a:t>puede</a:t>
-            </a:r>
-            <a:r>
-              <a:rPr lang="en-US" dirty="0" smtClean="0"/>
-              <a:t> </a:t>
-            </a:r>
-            <a:r>
-              <a:rPr lang="en-US" dirty="0" smtClean="0"/>
-              <a:t>hacer</a:t>
-            </a:r>
-            <a:r>
-              <a:rPr lang="en-US" dirty="0" smtClean="0"/>
-              <a:t> </a:t>
-            </a:r>
-            <a:r>
-              <a:rPr lang="en-US" dirty="0" smtClean="0"/>
-              <a:t>bactrack</a:t>
-            </a:r>
-            <a:r>
-              <a:rPr lang="en-US" dirty="0" smtClean="0"/>
-              <a:t>.</a:t>
+              <a:t>Llegamos a un punto donde ya no se puede hacer bactrack.</a:t>
             </a:r>
             <a:endParaRPr lang="es-AR" dirty="0"/>
           </a:p>
@@ -20087,67 +18518,7 @@
           <a:p>
             <a:r>
               <a:rPr lang="en-US" dirty="0" smtClean="0"/>
-              <a:t>El backtracking </a:t>
-            </a:r>
-            <a:r>
-              <a:rPr lang="en-US" dirty="0" smtClean="0"/>
-              <a:t>recursivo</a:t>
-            </a:r>
-            <a:r>
-              <a:rPr lang="en-US" dirty="0" smtClean="0"/>
-              <a:t> </a:t>
-            </a:r>
-            <a:r>
-              <a:rPr lang="en-US" dirty="0" smtClean="0"/>
-              <a:t>tambien</a:t>
-            </a:r>
-            <a:r>
-              <a:rPr lang="en-US" dirty="0" smtClean="0"/>
-              <a:t> </a:t>
-            </a:r>
-            <a:r>
-              <a:rPr lang="en-US" dirty="0" smtClean="0"/>
-              <a:t>puede</a:t>
-            </a:r>
-            <a:r>
-              <a:rPr lang="en-US" dirty="0" smtClean="0"/>
-              <a:t> </a:t>
-            </a:r>
-            <a:r>
-              <a:rPr lang="en-US" dirty="0" smtClean="0"/>
-              <a:t>ser</a:t>
-            </a:r>
-            <a:r>
-              <a:rPr lang="en-US" dirty="0" smtClean="0"/>
-              <a:t> </a:t>
-            </a:r>
-            <a:r>
-              <a:rPr lang="en-US" dirty="0" smtClean="0"/>
-              <a:t>visto</a:t>
-            </a:r>
-            <a:r>
-              <a:rPr lang="en-US" dirty="0" smtClean="0"/>
-              <a:t> </a:t>
-            </a:r>
-            <a:r>
-              <a:rPr lang="en-US" dirty="0" smtClean="0"/>
-              <a:t>como</a:t>
-            </a:r>
-            <a:r>
-              <a:rPr lang="en-US" dirty="0" smtClean="0"/>
-              <a:t> un </a:t>
-            </a:r>
-            <a:r>
-              <a:rPr lang="en-US" dirty="0" smtClean="0"/>
-              <a:t>recorrido</a:t>
-            </a:r>
-            <a:r>
-              <a:rPr lang="en-US" dirty="0" smtClean="0"/>
-              <a:t> de </a:t>
-            </a:r>
-            <a:r>
-              <a:rPr lang="en-US" dirty="0" smtClean="0"/>
-              <a:t>arbol</a:t>
+              <a:t>El backtracking recursivo tambien puede ser visto como un recorrido de arbol</a:t>
             </a:r>
             <a:r>
               <a:rPr lang="en-US" dirty="0"/>
@@ -23381,71 +21752,11 @@
             <a:pPr algn="ctr"/>
             <a:r>
               <a:rPr lang="en-US" dirty="0" smtClean="0"/>
-              <a:t>Donde</a:t>
-            </a:r>
-            <a:r>
-              <a:rPr lang="en-US" dirty="0" smtClean="0"/>
-              <a:t> los </a:t>
-            </a:r>
-            <a:r>
-              <a:rPr lang="en-US" dirty="0" smtClean="0"/>
-              <a:t>circulos</a:t>
-            </a:r>
-            <a:r>
-              <a:rPr lang="en-US" dirty="0" smtClean="0"/>
-              <a:t> </a:t>
-            </a:r>
-            <a:r>
-              <a:rPr lang="en-US" dirty="0" smtClean="0"/>
-              <a:t>naranjas</a:t>
-            </a:r>
-            <a:r>
-              <a:rPr lang="en-US" dirty="0" smtClean="0"/>
-              <a:t> son los </a:t>
-            </a:r>
-            <a:r>
-              <a:rPr lang="en-US" dirty="0" smtClean="0"/>
-              <a:t>pasos</a:t>
-            </a:r>
-            <a:r>
-              <a:rPr lang="en-US" dirty="0" smtClean="0"/>
-              <a:t> </a:t>
-            </a:r>
-            <a:r>
-              <a:rPr lang="en-US" dirty="0" smtClean="0"/>
-              <a:t>donde</a:t>
-            </a:r>
-            <a:r>
-              <a:rPr lang="en-US" dirty="0" smtClean="0"/>
-              <a:t> </a:t>
-            </a:r>
-            <a:r>
-              <a:rPr lang="en-US" dirty="0" smtClean="0"/>
-              <a:t>hubo</a:t>
-            </a:r>
-            <a:r>
-              <a:rPr lang="en-US" dirty="0" smtClean="0"/>
-              <a:t> recursion</a:t>
+              <a:t>Donde los circulos naranjas son los pasos donde hubo recursion</a:t>
             </a:r>
             <a:r>
               <a:rPr lang="es-AR" dirty="0" smtClean="0"/>
-              <a:t> y los </a:t>
-            </a:r>
-            <a:r>
-              <a:rPr lang="es-AR" dirty="0" smtClean="0"/>
-              <a:t>circulos</a:t>
-            </a:r>
-            <a:r>
-              <a:rPr lang="es-AR" dirty="0" smtClean="0"/>
-              <a:t> rojos son los pasos donde directamente se saltearon al no cumplir con las condiciones constantes de la </a:t>
-            </a:r>
-            <a:r>
-              <a:rPr lang="es-AR" dirty="0" smtClean="0"/>
-              <a:t>solucion</a:t>
-            </a:r>
-            <a:r>
-              <a:rPr lang="es-AR" dirty="0" smtClean="0"/>
-              <a:t>.</a:t>
+              <a:t> y los circulos rojos son los pasos donde directamente se saltearon al no cumplir con las condiciones constantes de la solucion.</a:t>
             </a:r>
             <a:endParaRPr lang="en-US" dirty="0" smtClean="0"/>
           </a:p>
@@ -23509,103 +21820,7 @@
             <a:pPr algn="ctr"/>
             <a:r>
               <a:rPr lang="en-US" dirty="0" smtClean="0"/>
-              <a:t>De </a:t>
-            </a:r>
-            <a:r>
-              <a:rPr lang="en-US" dirty="0" smtClean="0"/>
-              <a:t>esta</a:t>
-            </a:r>
-            <a:r>
-              <a:rPr lang="en-US" dirty="0" smtClean="0"/>
-              <a:t> </a:t>
-            </a:r>
-            <a:r>
-              <a:rPr lang="en-US" dirty="0" smtClean="0"/>
-              <a:t>manera</a:t>
-            </a:r>
-            <a:r>
-              <a:rPr lang="en-US" dirty="0" smtClean="0"/>
-              <a:t>, </a:t>
-            </a:r>
-            <a:r>
-              <a:rPr lang="en-US" dirty="0" smtClean="0"/>
-              <a:t>cuando</a:t>
-            </a:r>
-            <a:r>
-              <a:rPr lang="en-US" dirty="0" smtClean="0"/>
-              <a:t> un </a:t>
-            </a:r>
-            <a:r>
-              <a:rPr lang="en-US" dirty="0" smtClean="0"/>
-              <a:t>espacio</a:t>
-            </a:r>
-            <a:r>
-              <a:rPr lang="en-US" dirty="0" smtClean="0"/>
-              <a:t> del </a:t>
-            </a:r>
-            <a:r>
-              <a:rPr lang="en-US" dirty="0" smtClean="0"/>
-              <a:t>tablero</a:t>
-            </a:r>
-            <a:r>
-              <a:rPr lang="en-US" dirty="0" smtClean="0"/>
-              <a:t> no </a:t>
-            </a:r>
-            <a:r>
-              <a:rPr lang="en-US" dirty="0" smtClean="0"/>
-              <a:t>cumple</a:t>
-            </a:r>
-            <a:r>
-              <a:rPr lang="en-US" dirty="0" smtClean="0"/>
-              <a:t> con </a:t>
-            </a:r>
-            <a:r>
-              <a:rPr lang="en-US" dirty="0" smtClean="0"/>
-              <a:t>las</a:t>
-            </a:r>
-            <a:r>
-              <a:rPr lang="en-US" dirty="0" smtClean="0"/>
-              <a:t> </a:t>
-            </a:r>
-            <a:r>
-              <a:rPr lang="en-US" dirty="0" smtClean="0"/>
-              <a:t>condiciones</a:t>
-            </a:r>
-            <a:r>
-              <a:rPr lang="en-US" dirty="0" smtClean="0"/>
-              <a:t> </a:t>
-            </a:r>
-            <a:r>
-              <a:rPr lang="en-US" dirty="0" smtClean="0"/>
-              <a:t>necesarias</a:t>
-            </a:r>
-            <a:r>
-              <a:rPr lang="en-US" dirty="0" smtClean="0"/>
-              <a:t> para </a:t>
-            </a:r>
-            <a:r>
-              <a:rPr lang="en-US" dirty="0" smtClean="0"/>
-              <a:t>ser</a:t>
-            </a:r>
-            <a:r>
-              <a:rPr lang="en-US" dirty="0" smtClean="0"/>
-              <a:t> </a:t>
-            </a:r>
-            <a:r>
-              <a:rPr lang="en-US" dirty="0" smtClean="0"/>
-              <a:t>solucion</a:t>
-            </a:r>
-            <a:r>
-              <a:rPr lang="en-US" dirty="0" smtClean="0"/>
-              <a:t>, se </a:t>
-            </a:r>
-            <a:r>
-              <a:rPr lang="en-US" dirty="0" smtClean="0"/>
-              <a:t>eliminan</a:t>
-            </a:r>
-            <a:r>
-              <a:rPr lang="en-US" dirty="0" smtClean="0"/>
-              <a:t> </a:t>
+              <a:t>De esta manera, cuando un espacio del tablero no cumple con las condiciones necesarias para ser solucion, se eliminan </a:t>
             </a:r>
             <a:r>
               <a:rPr lang="en-US" b="1" dirty="0" smtClean="0"/>
@@ -23613,103 +21828,7 @@
             </a:r>
             <a:r>
               <a:rPr lang="en-US" dirty="0" smtClean="0"/>
-              <a:t> </a:t>
-            </a:r>
-            <a:r>
-              <a:rPr lang="en-US" dirty="0" smtClean="0"/>
-              <a:t>las</a:t>
-            </a:r>
-            <a:r>
-              <a:rPr lang="en-US" dirty="0" smtClean="0"/>
-              <a:t> </a:t>
-            </a:r>
-            <a:r>
-              <a:rPr lang="en-US" dirty="0" smtClean="0"/>
-              <a:t>ramas</a:t>
-            </a:r>
-            <a:r>
-              <a:rPr lang="en-US" dirty="0" smtClean="0"/>
-              <a:t> que se </a:t>
-            </a:r>
-            <a:r>
-              <a:rPr lang="en-US" dirty="0" smtClean="0"/>
-              <a:t>desprenden</a:t>
-            </a:r>
-            <a:r>
-              <a:rPr lang="en-US" dirty="0" smtClean="0"/>
-              <a:t> de </a:t>
-            </a:r>
-            <a:r>
-              <a:rPr lang="en-US" dirty="0" smtClean="0"/>
-              <a:t>este</a:t>
-            </a:r>
-            <a:r>
-              <a:rPr lang="en-US" dirty="0" smtClean="0"/>
-              <a:t> </a:t>
-            </a:r>
-            <a:r>
-              <a:rPr lang="en-US" dirty="0" smtClean="0"/>
-              <a:t>espacio</a:t>
-            </a:r>
-            <a:r>
-              <a:rPr lang="en-US" dirty="0" smtClean="0"/>
-              <a:t> en </a:t>
-            </a:r>
-            <a:r>
-              <a:rPr lang="en-US" dirty="0" smtClean="0"/>
-              <a:t>cuestion</a:t>
-            </a:r>
-            <a:r>
-              <a:rPr lang="en-US" dirty="0" smtClean="0"/>
-              <a:t>, </a:t>
-            </a:r>
-            <a:r>
-              <a:rPr lang="en-US" dirty="0" smtClean="0"/>
-              <a:t>resultando</a:t>
-            </a:r>
-            <a:r>
-              <a:rPr lang="en-US" dirty="0" smtClean="0"/>
-              <a:t> </a:t>
-            </a:r>
-            <a:r>
-              <a:rPr lang="en-US" dirty="0" smtClean="0"/>
-              <a:t>asi</a:t>
-            </a:r>
-            <a:r>
-              <a:rPr lang="en-US" dirty="0" smtClean="0"/>
-              <a:t> en </a:t>
-            </a:r>
-            <a:r>
-              <a:rPr lang="en-US" dirty="0" smtClean="0"/>
-              <a:t>muchisimas</a:t>
-            </a:r>
-            <a:r>
-              <a:rPr lang="en-US" dirty="0" smtClean="0"/>
-              <a:t> </a:t>
-            </a:r>
-            <a:r>
-              <a:rPr lang="en-US" dirty="0" smtClean="0"/>
-              <a:t>menos</a:t>
-            </a:r>
-            <a:r>
-              <a:rPr lang="en-US" dirty="0" smtClean="0"/>
-              <a:t> </a:t>
-            </a:r>
-            <a:r>
-              <a:rPr lang="en-US" dirty="0" smtClean="0"/>
-              <a:t>iteraciones</a:t>
-            </a:r>
-            <a:r>
-              <a:rPr lang="en-US" dirty="0" smtClean="0"/>
-              <a:t> y </a:t>
-            </a:r>
-            <a:r>
-              <a:rPr lang="en-US" dirty="0" smtClean="0"/>
-              <a:t>recursiones</a:t>
-            </a:r>
-            <a:r>
-              <a:rPr lang="en-US" dirty="0" smtClean="0"/>
-              <a:t>.</a:t>
+              <a:t> las ramas que se desprenden de este espacio en cuestion, resultando asi en muchisimas menos iteraciones y recursiones.</a:t>
             </a:r>
             <a:endParaRPr lang="es-AR" dirty="0"/>
           </a:p>
@@ -23771,15 +21890,7 @@
           <a:p>
             <a:r>
               <a:rPr lang="en-US" dirty="0" smtClean="0"/>
-              <a:t>Generalizacion</a:t>
-            </a:r>
-            <a:r>
-              <a:rPr lang="en-US" dirty="0" smtClean="0"/>
-              <a:t> para el Backtracking </a:t>
-            </a:r>
-            <a:r>
-              <a:rPr lang="en-US" dirty="0" smtClean="0"/>
-              <a:t>Recursivo</a:t>
+              <a:t>Generalizacion para el Backtracking Recursivo</a:t>
             </a:r>
             <a:endParaRPr lang="es-AR" dirty="0"/>
           </a:p>
@@ -23825,622 +21936,348 @@
                 <a:latin typeface="Courier New" pitchFamily="49" charset="0"/>
                 <a:cs typeface="Courier New" pitchFamily="49" charset="0"/>
               </a:rPr>
-              <a:t>void </a:t>
+              <a:t>void encontrarSolucion(n</a:t>
+            </a:r>
+            <a:r>
+              <a:rPr lang="en-US" sz="1200" i="1" dirty="0" smtClean="0">
+                <a:latin typeface="Courier New" pitchFamily="49" charset="0"/>
+                <a:cs typeface="Courier New" pitchFamily="49" charset="0"/>
+              </a:rPr>
+              <a:t>, otros parametros</a:t>
             </a:r>
             <a:r>
               <a:rPr lang="en-US" sz="1200" dirty="0" smtClean="0">
                 <a:latin typeface="Courier New" pitchFamily="49" charset="0"/>
                 <a:cs typeface="Courier New" pitchFamily="49" charset="0"/>
               </a:rPr>
-              <a:t>encontrarSolucion</a:t>
-            </a:r>
+              <a:t>)</a:t>
+            </a:r>
+          </a:p>
+          <a:p>
             <a:r>
               <a:rPr lang="en-US" sz="1200" dirty="0" smtClean="0">
                 <a:latin typeface="Courier New" pitchFamily="49" charset="0"/>
                 <a:cs typeface="Courier New" pitchFamily="49" charset="0"/>
               </a:rPr>
-              <a:t>(n</a:t>
+              <a:t>{</a:t>
+            </a:r>
+          </a:p>
+          <a:p>
+            <a:r>
+              <a:rPr lang="en-US" sz="1200" dirty="0">
+                <a:latin typeface="Courier New" pitchFamily="49" charset="0"/>
+                <a:cs typeface="Courier New" pitchFamily="49" charset="0"/>
+              </a:rPr>
+              <a:t>	</a:t>
+            </a:r>
+            <a:r>
+              <a:rPr lang="en-US" sz="1200" dirty="0" smtClean="0">
+                <a:latin typeface="Courier New" pitchFamily="49" charset="0"/>
+                <a:cs typeface="Courier New" pitchFamily="49" charset="0"/>
+              </a:rPr>
+              <a:t>if(</a:t>
             </a:r>
             <a:r>
               <a:rPr lang="en-US" sz="1200" i="1" dirty="0" smtClean="0">
                 <a:latin typeface="Courier New" pitchFamily="49" charset="0"/>
                 <a:cs typeface="Courier New" pitchFamily="49" charset="0"/>
               </a:rPr>
-              <a:t>, </a:t>
+              <a:t>solucion encontrada</a:t>
+            </a:r>
+            <a:r>
+              <a:rPr lang="en-US" sz="1200" dirty="0" smtClean="0">
+                <a:latin typeface="Courier New" pitchFamily="49" charset="0"/>
+                <a:cs typeface="Courier New" pitchFamily="49" charset="0"/>
+              </a:rPr>
+              <a:t>)</a:t>
+            </a:r>
+          </a:p>
+          <a:p>
+            <a:r>
+              <a:rPr lang="en-US" sz="1200" dirty="0" smtClean="0">
+                <a:latin typeface="Courier New" pitchFamily="49" charset="0"/>
+                <a:cs typeface="Courier New" pitchFamily="49" charset="0"/>
+              </a:rPr>
+              <a:t>	{</a:t>
+            </a:r>
+          </a:p>
+          <a:p>
+            <a:r>
+              <a:rPr lang="en-US" sz="1200" dirty="0">
+                <a:latin typeface="Courier New" pitchFamily="49" charset="0"/>
+                <a:cs typeface="Courier New" pitchFamily="49" charset="0"/>
+              </a:rPr>
+              <a:t>	</a:t>
+            </a:r>
+            <a:r>
+              <a:rPr lang="en-US" sz="1200" dirty="0" smtClean="0">
+                <a:latin typeface="Courier New" pitchFamily="49" charset="0"/>
+                <a:cs typeface="Courier New" pitchFamily="49" charset="0"/>
+              </a:rPr>
+              <a:t>	if(cantSoluciones &gt;= cantBuscada)</a:t>
+            </a:r>
+          </a:p>
+          <a:p>
+            <a:r>
+              <a:rPr lang="en-US" sz="1200" dirty="0">
+                <a:latin typeface="Courier New" pitchFamily="49" charset="0"/>
+                <a:cs typeface="Courier New" pitchFamily="49" charset="0"/>
+              </a:rPr>
+              <a:t>	</a:t>
+            </a:r>
+            <a:r>
+              <a:rPr lang="en-US" sz="1200" dirty="0" smtClean="0">
+                <a:latin typeface="Courier New" pitchFamily="49" charset="0"/>
+                <a:cs typeface="Courier New" pitchFamily="49" charset="0"/>
+              </a:rPr>
+              <a:t>	{</a:t>
+            </a:r>
+          </a:p>
+          <a:p>
+            <a:r>
+              <a:rPr lang="en-US" sz="1200" dirty="0">
+                <a:latin typeface="Courier New" pitchFamily="49" charset="0"/>
+                <a:cs typeface="Courier New" pitchFamily="49" charset="0"/>
+              </a:rPr>
+              <a:t>	</a:t>
+            </a:r>
+            <a:r>
+              <a:rPr lang="en-US" sz="1200" dirty="0" smtClean="0">
+                <a:latin typeface="Courier New" pitchFamily="49" charset="0"/>
+                <a:cs typeface="Courier New" pitchFamily="49" charset="0"/>
+              </a:rPr>
+              <a:t>		//hacer algo</a:t>
+            </a:r>
+          </a:p>
+          <a:p>
+            <a:r>
+              <a:rPr lang="en-US" sz="1200" dirty="0">
+                <a:latin typeface="Courier New" pitchFamily="49" charset="0"/>
+                <a:cs typeface="Courier New" pitchFamily="49" charset="0"/>
+              </a:rPr>
+              <a:t>	</a:t>
+            </a:r>
+            <a:r>
+              <a:rPr lang="en-US" sz="1200" dirty="0" smtClean="0">
+                <a:latin typeface="Courier New" pitchFamily="49" charset="0"/>
+                <a:cs typeface="Courier New" pitchFamily="49" charset="0"/>
+              </a:rPr>
+              <a:t>	}</a:t>
+            </a:r>
+          </a:p>
+          <a:p>
+            <a:r>
+              <a:rPr lang="en-US" sz="1200" dirty="0">
+                <a:latin typeface="Courier New" pitchFamily="49" charset="0"/>
+                <a:cs typeface="Courier New" pitchFamily="49" charset="0"/>
+              </a:rPr>
+              <a:t>	</a:t>
+            </a:r>
+            <a:r>
+              <a:rPr lang="en-US" sz="1200" dirty="0" smtClean="0">
+                <a:latin typeface="Courier New" pitchFamily="49" charset="0"/>
+                <a:cs typeface="Courier New" pitchFamily="49" charset="0"/>
+              </a:rPr>
+              <a:t>	else</a:t>
+            </a:r>
+          </a:p>
+          <a:p>
+            <a:r>
+              <a:rPr lang="en-US" sz="1200" dirty="0">
+                <a:latin typeface="Courier New" pitchFamily="49" charset="0"/>
+                <a:cs typeface="Courier New" pitchFamily="49" charset="0"/>
+              </a:rPr>
+              <a:t>	</a:t>
+            </a:r>
+            <a:r>
+              <a:rPr lang="en-US" sz="1200" dirty="0" smtClean="0">
+                <a:latin typeface="Courier New" pitchFamily="49" charset="0"/>
+                <a:cs typeface="Courier New" pitchFamily="49" charset="0"/>
+              </a:rPr>
+              <a:t>	{</a:t>
+            </a:r>
+          </a:p>
+          <a:p>
+            <a:r>
+              <a:rPr lang="en-US" sz="1200" dirty="0">
+                <a:latin typeface="Courier New" pitchFamily="49" charset="0"/>
+                <a:cs typeface="Courier New" pitchFamily="49" charset="0"/>
+              </a:rPr>
+              <a:t>	</a:t>
+            </a:r>
+            <a:r>
+              <a:rPr lang="en-US" sz="1200" dirty="0" smtClean="0">
+                <a:latin typeface="Courier New" pitchFamily="49" charset="0"/>
+                <a:cs typeface="Courier New" pitchFamily="49" charset="0"/>
+              </a:rPr>
+              <a:t>		//hacer otro algo</a:t>
+            </a:r>
+          </a:p>
+          <a:p>
+            <a:r>
+              <a:rPr lang="en-US" sz="1200" dirty="0" smtClean="0">
+                <a:latin typeface="Courier New" pitchFamily="49" charset="0"/>
+                <a:cs typeface="Courier New" pitchFamily="49" charset="0"/>
+              </a:rPr>
+              <a:t>		}</a:t>
+            </a:r>
+          </a:p>
+          <a:p>
+            <a:r>
+              <a:rPr lang="en-US" sz="1200" dirty="0">
+                <a:latin typeface="Courier New" pitchFamily="49" charset="0"/>
+                <a:cs typeface="Courier New" pitchFamily="49" charset="0"/>
+              </a:rPr>
+              <a:t>	</a:t>
+            </a:r>
+            <a:r>
+              <a:rPr lang="en-US" sz="1200" dirty="0" smtClean="0">
+                <a:latin typeface="Courier New" pitchFamily="49" charset="0"/>
+                <a:cs typeface="Courier New" pitchFamily="49" charset="0"/>
+              </a:rPr>
+              <a:t>}</a:t>
+            </a:r>
+          </a:p>
+          <a:p>
+            <a:r>
+              <a:rPr lang="en-US" sz="1200" dirty="0">
+                <a:latin typeface="Courier New" pitchFamily="49" charset="0"/>
+                <a:cs typeface="Courier New" pitchFamily="49" charset="0"/>
+              </a:rPr>
+              <a:t>	</a:t>
+            </a:r>
+          </a:p>
+          <a:p>
+            <a:r>
+              <a:rPr lang="en-US" sz="1200" dirty="0" smtClean="0">
+                <a:latin typeface="Courier New" pitchFamily="49" charset="0"/>
+                <a:cs typeface="Courier New" pitchFamily="49" charset="0"/>
+              </a:rPr>
+              <a:t>	for(val = </a:t>
             </a:r>
             <a:r>
               <a:rPr lang="en-US" sz="1200" i="1" dirty="0" smtClean="0">
                 <a:latin typeface="Courier New" pitchFamily="49" charset="0"/>
                 <a:cs typeface="Courier New" pitchFamily="49" charset="0"/>
               </a:rPr>
-              <a:t>otros</a:t>
+              <a:t>primero al ultimo</a:t>
+            </a:r>
+            <a:r>
+              <a:rPr lang="en-US" sz="1200" dirty="0" smtClean="0">
+                <a:latin typeface="Courier New" pitchFamily="49" charset="0"/>
+                <a:cs typeface="Courier New" pitchFamily="49" charset="0"/>
+              </a:rPr>
+              <a:t>)</a:t>
+            </a:r>
+          </a:p>
+          <a:p>
+            <a:r>
+              <a:rPr lang="en-US" sz="1200" dirty="0">
+                <a:latin typeface="Courier New" pitchFamily="49" charset="0"/>
+                <a:cs typeface="Courier New" pitchFamily="49" charset="0"/>
+              </a:rPr>
+              <a:t>	</a:t>
+            </a:r>
+            <a:r>
+              <a:rPr lang="en-US" sz="1200" dirty="0" smtClean="0">
+                <a:latin typeface="Courier New" pitchFamily="49" charset="0"/>
+                <a:cs typeface="Courier New" pitchFamily="49" charset="0"/>
+              </a:rPr>
+              <a:t>{</a:t>
+            </a:r>
+          </a:p>
+          <a:p>
+            <a:r>
+              <a:rPr lang="en-US" sz="1200" dirty="0">
+                <a:latin typeface="Courier New" pitchFamily="49" charset="0"/>
+                <a:cs typeface="Courier New" pitchFamily="49" charset="0"/>
+              </a:rPr>
+              <a:t>	</a:t>
+            </a:r>
+            <a:r>
+              <a:rPr lang="en-US" sz="1200" dirty="0" smtClean="0">
+                <a:latin typeface="Courier New" pitchFamily="49" charset="0"/>
+                <a:cs typeface="Courier New" pitchFamily="49" charset="0"/>
+              </a:rPr>
+              <a:t>	if(esValido(val, n))</a:t>
+            </a:r>
+          </a:p>
+          <a:p>
+            <a:r>
+              <a:rPr lang="en-US" sz="1200" dirty="0">
+                <a:latin typeface="Courier New" pitchFamily="49" charset="0"/>
+                <a:cs typeface="Courier New" pitchFamily="49" charset="0"/>
+              </a:rPr>
+              <a:t>	</a:t>
+            </a:r>
+            <a:r>
+              <a:rPr lang="en-US" sz="1200" dirty="0" smtClean="0">
+                <a:latin typeface="Courier New" pitchFamily="49" charset="0"/>
+                <a:cs typeface="Courier New" pitchFamily="49" charset="0"/>
+              </a:rPr>
+              <a:t>	{</a:t>
+            </a:r>
+          </a:p>
+          <a:p>
+            <a:r>
+              <a:rPr lang="en-US" sz="1200" dirty="0">
+                <a:latin typeface="Courier New" pitchFamily="49" charset="0"/>
+                <a:cs typeface="Courier New" pitchFamily="49" charset="0"/>
+              </a:rPr>
+              <a:t>	</a:t>
+            </a:r>
+            <a:r>
+              <a:rPr lang="en-US" sz="1200" dirty="0" smtClean="0">
+                <a:latin typeface="Courier New" pitchFamily="49" charset="0"/>
+                <a:cs typeface="Courier New" pitchFamily="49" charset="0"/>
+              </a:rPr>
+              <a:t>		aplicarValor(val, n);</a:t>
+            </a:r>
+          </a:p>
+          <a:p>
+            <a:r>
+              <a:rPr lang="en-US" sz="1200" dirty="0">
+                <a:latin typeface="Courier New" pitchFamily="49" charset="0"/>
+                <a:cs typeface="Courier New" pitchFamily="49" charset="0"/>
+              </a:rPr>
+              <a:t>	</a:t>
+            </a:r>
+            <a:r>
+              <a:rPr lang="en-US" sz="1200" dirty="0" smtClean="0">
+                <a:latin typeface="Courier New" pitchFamily="49" charset="0"/>
+                <a:cs typeface="Courier New" pitchFamily="49" charset="0"/>
+              </a:rPr>
+              <a:t>		encontrarSolucion(n + 1, </a:t>
             </a:r>
             <a:r>
               <a:rPr lang="en-US" sz="1200" i="1" dirty="0" smtClean="0">
                 <a:latin typeface="Courier New" pitchFamily="49" charset="0"/>
                 <a:cs typeface="Courier New" pitchFamily="49" charset="0"/>
               </a:rPr>
-              <a:t> </a:t>
-            </a:r>
-            <a:r>
-              <a:rPr lang="en-US" sz="1200" i="1" dirty="0" smtClean="0">
-                <a:latin typeface="Courier New" pitchFamily="49" charset="0"/>
-                <a:cs typeface="Courier New" pitchFamily="49" charset="0"/>
-              </a:rPr>
-              <a:t>parametros</a:t>
+              <a:t>otros parametros</a:t>
             </a:r>
             <a:r>
               <a:rPr lang="en-US" sz="1200" dirty="0" smtClean="0">
                 <a:latin typeface="Courier New" pitchFamily="49" charset="0"/>
                 <a:cs typeface="Courier New" pitchFamily="49" charset="0"/>
               </a:rPr>
-              <a:t>)</a:t>
-            </a:r>
-          </a:p>
-          <a:p>
+              <a:t>);</a:t>
+            </a:r>
+          </a:p>
+          <a:p>
+            <a:r>
+              <a:rPr lang="en-US" sz="1200" dirty="0">
+                <a:latin typeface="Courier New" pitchFamily="49" charset="0"/>
+                <a:cs typeface="Courier New" pitchFamily="49" charset="0"/>
+              </a:rPr>
+              <a:t>	</a:t>
+            </a:r>
             <a:r>
               <a:rPr lang="en-US" sz="1200" dirty="0" smtClean="0">
                 <a:latin typeface="Courier New" pitchFamily="49" charset="0"/>
                 <a:cs typeface="Courier New" pitchFamily="49" charset="0"/>
               </a:rPr>
-              <a:t>{</a:t>
-            </a:r>
-          </a:p>
-          <a:p>
-            <a:r>
-              <a:rPr lang="en-US" sz="1200" dirty="0">
-                <a:latin typeface="Courier New" pitchFamily="49" charset="0"/>
-                <a:cs typeface="Courier New" pitchFamily="49" charset="0"/>
-              </a:rPr>
-              <a:t>	</a:t>
-            </a:r>
-            <a:r>
-              <a:rPr lang="en-US" sz="1200" dirty="0" smtClean="0">
-                <a:latin typeface="Courier New" pitchFamily="49" charset="0"/>
-                <a:cs typeface="Courier New" pitchFamily="49" charset="0"/>
-              </a:rPr>
-              <a:t>if(</a:t>
-            </a:r>
-            <a:r>
-              <a:rPr lang="en-US" sz="1200" i="1" dirty="0" smtClean="0">
-                <a:latin typeface="Courier New" pitchFamily="49" charset="0"/>
-                <a:cs typeface="Courier New" pitchFamily="49" charset="0"/>
-              </a:rPr>
-              <a:t>solucion</a:t>
-            </a:r>
-            <a:r>
-              <a:rPr lang="en-US" sz="1200" i="1" dirty="0" smtClean="0">
-                <a:latin typeface="Courier New" pitchFamily="49" charset="0"/>
-                <a:cs typeface="Courier New" pitchFamily="49" charset="0"/>
-              </a:rPr>
-              <a:t> </a:t>
-            </a:r>
-            <a:r>
-              <a:rPr lang="en-US" sz="1200" i="1" dirty="0" smtClean="0">
-                <a:latin typeface="Courier New" pitchFamily="49" charset="0"/>
-                <a:cs typeface="Courier New" pitchFamily="49" charset="0"/>
-              </a:rPr>
-              <a:t>encontrada</a:t>
-            </a:r>
-            <a:r>
-              <a:rPr lang="en-US" sz="1200" dirty="0" smtClean="0">
-                <a:latin typeface="Courier New" pitchFamily="49" charset="0"/>
-                <a:cs typeface="Courier New" pitchFamily="49" charset="0"/>
-              </a:rPr>
-              <a:t>)</a:t>
-            </a:r>
-          </a:p>
-          <a:p>
-            <a:r>
-              <a:rPr lang="en-US" sz="1200" dirty="0" smtClean="0">
-                <a:latin typeface="Courier New" pitchFamily="49" charset="0"/>
-                <a:cs typeface="Courier New" pitchFamily="49" charset="0"/>
-              </a:rPr>
-              <a:t>	{</a:t>
-            </a:r>
-          </a:p>
-          <a:p>
-            <a:r>
-              <a:rPr lang="en-US" sz="1200" dirty="0">
-                <a:latin typeface="Courier New" pitchFamily="49" charset="0"/>
-                <a:cs typeface="Courier New" pitchFamily="49" charset="0"/>
-              </a:rPr>
-              <a:t>	</a:t>
-            </a:r>
-            <a:r>
-              <a:rPr lang="en-US" sz="1200" dirty="0" smtClean="0">
-                <a:latin typeface="Courier New" pitchFamily="49" charset="0"/>
-                <a:cs typeface="Courier New" pitchFamily="49" charset="0"/>
-              </a:rPr>
-              <a:t>	if(</a:t>
-            </a:r>
-            <a:r>
-              <a:rPr lang="en-US" sz="1200" dirty="0" smtClean="0">
-                <a:latin typeface="Courier New" pitchFamily="49" charset="0"/>
-                <a:cs typeface="Courier New" pitchFamily="49" charset="0"/>
-              </a:rPr>
-              <a:t>cantSoluciones</a:t>
-            </a:r>
-            <a:r>
-              <a:rPr lang="en-US" sz="1200" dirty="0" smtClean="0">
-                <a:latin typeface="Courier New" pitchFamily="49" charset="0"/>
-                <a:cs typeface="Courier New" pitchFamily="49" charset="0"/>
-              </a:rPr>
-              <a:t> &gt;= </a:t>
-            </a:r>
-            <a:r>
-              <a:rPr lang="en-US" sz="1200" dirty="0" smtClean="0">
-                <a:latin typeface="Courier New" pitchFamily="49" charset="0"/>
-                <a:cs typeface="Courier New" pitchFamily="49" charset="0"/>
-              </a:rPr>
-              <a:t>cantBuscada</a:t>
-            </a:r>
-            <a:r>
-              <a:rPr lang="en-US" sz="1200" dirty="0" smtClean="0">
-                <a:latin typeface="Courier New" pitchFamily="49" charset="0"/>
-                <a:cs typeface="Courier New" pitchFamily="49" charset="0"/>
-              </a:rPr>
-              <a:t>)</a:t>
-            </a:r>
-          </a:p>
-          <a:p>
-            <a:r>
-              <a:rPr lang="en-US" sz="1200" dirty="0">
-                <a:latin typeface="Courier New" pitchFamily="49" charset="0"/>
-                <a:cs typeface="Courier New" pitchFamily="49" charset="0"/>
-              </a:rPr>
-              <a:t>	</a:t>
-            </a:r>
-            <a:r>
-              <a:rPr lang="en-US" sz="1200" dirty="0" smtClean="0">
-                <a:latin typeface="Courier New" pitchFamily="49" charset="0"/>
-                <a:cs typeface="Courier New" pitchFamily="49" charset="0"/>
-              </a:rPr>
-              <a:t>	{</a:t>
-            </a:r>
-          </a:p>
-          <a:p>
-            <a:r>
-              <a:rPr lang="en-US" sz="1200" dirty="0">
-                <a:latin typeface="Courier New" pitchFamily="49" charset="0"/>
-                <a:cs typeface="Courier New" pitchFamily="49" charset="0"/>
-              </a:rPr>
-              <a:t>	</a:t>
-            </a:r>
-            <a:r>
-              <a:rPr lang="en-US" sz="1200" dirty="0" smtClean="0">
-                <a:latin typeface="Courier New" pitchFamily="49" charset="0"/>
-                <a:cs typeface="Courier New" pitchFamily="49" charset="0"/>
-              </a:rPr>
-              <a:t>		//</a:t>
-            </a:r>
-            <a:r>
-              <a:rPr lang="en-US" sz="1200" dirty="0" smtClean="0">
-                <a:latin typeface="Courier New" pitchFamily="49" charset="0"/>
-                <a:cs typeface="Courier New" pitchFamily="49" charset="0"/>
-              </a:rPr>
-              <a:t>hacer</a:t>
-            </a:r>
-            <a:r>
-              <a:rPr lang="en-US" sz="1200" dirty="0" smtClean="0">
-                <a:latin typeface="Courier New" pitchFamily="49" charset="0"/>
-                <a:cs typeface="Courier New" pitchFamily="49" charset="0"/>
-              </a:rPr>
-              <a:t> </a:t>
-            </a:r>
-            <a:r>
-              <a:rPr lang="en-US" sz="1200" dirty="0" smtClean="0">
-                <a:latin typeface="Courier New" pitchFamily="49" charset="0"/>
-                <a:cs typeface="Courier New" pitchFamily="49" charset="0"/>
-              </a:rPr>
-              <a:t>algo</a:t>
-            </a:r>
-            <a:endParaRPr lang="en-US" sz="1200" dirty="0" smtClean="0">
-              <a:latin typeface="Courier New" pitchFamily="49" charset="0"/>
-              <a:cs typeface="Courier New" pitchFamily="49" charset="0"/>
-            </a:endParaRPr>
-          </a:p>
-          <a:p>
-            <a:r>
-              <a:rPr lang="en-US" sz="1200" dirty="0">
-                <a:latin typeface="Courier New" pitchFamily="49" charset="0"/>
-                <a:cs typeface="Courier New" pitchFamily="49" charset="0"/>
-              </a:rPr>
-              <a:t>	</a:t>
-            </a:r>
-            <a:r>
-              <a:rPr lang="en-US" sz="1200" dirty="0" smtClean="0">
-                <a:latin typeface="Courier New" pitchFamily="49" charset="0"/>
-                <a:cs typeface="Courier New" pitchFamily="49" charset="0"/>
-              </a:rPr>
-              <a:t>	}</a:t>
-            </a:r>
-          </a:p>
-          <a:p>
-            <a:r>
-              <a:rPr lang="en-US" sz="1200" dirty="0">
-                <a:latin typeface="Courier New" pitchFamily="49" charset="0"/>
-                <a:cs typeface="Courier New" pitchFamily="49" charset="0"/>
-              </a:rPr>
-              <a:t>	</a:t>
-            </a:r>
-            <a:r>
-              <a:rPr lang="en-US" sz="1200" dirty="0" smtClean="0">
-                <a:latin typeface="Courier New" pitchFamily="49" charset="0"/>
-                <a:cs typeface="Courier New" pitchFamily="49" charset="0"/>
-              </a:rPr>
-              <a:t>	else</a:t>
-            </a:r>
-          </a:p>
-          <a:p>
-            <a:r>
-              <a:rPr lang="en-US" sz="1200" dirty="0">
-                <a:latin typeface="Courier New" pitchFamily="49" charset="0"/>
-                <a:cs typeface="Courier New" pitchFamily="49" charset="0"/>
-              </a:rPr>
-              <a:t>	</a:t>
-            </a:r>
-            <a:r>
-              <a:rPr lang="en-US" sz="1200" dirty="0" smtClean="0">
-                <a:latin typeface="Courier New" pitchFamily="49" charset="0"/>
-                <a:cs typeface="Courier New" pitchFamily="49" charset="0"/>
-              </a:rPr>
-              <a:t>	{</a:t>
-            </a:r>
-          </a:p>
-          <a:p>
-            <a:r>
-              <a:rPr lang="en-US" sz="1200" dirty="0">
-                <a:latin typeface="Courier New" pitchFamily="49" charset="0"/>
-                <a:cs typeface="Courier New" pitchFamily="49" charset="0"/>
-              </a:rPr>
-              <a:t>	</a:t>
-            </a:r>
-            <a:r>
-              <a:rPr lang="en-US" sz="1200" dirty="0" smtClean="0">
-                <a:latin typeface="Courier New" pitchFamily="49" charset="0"/>
-                <a:cs typeface="Courier New" pitchFamily="49" charset="0"/>
-              </a:rPr>
-              <a:t>		//</a:t>
-            </a:r>
-            <a:r>
-              <a:rPr lang="en-US" sz="1200" dirty="0" smtClean="0">
-                <a:latin typeface="Courier New" pitchFamily="49" charset="0"/>
-                <a:cs typeface="Courier New" pitchFamily="49" charset="0"/>
-              </a:rPr>
-              <a:t>hacer</a:t>
-            </a:r>
-            <a:r>
-              <a:rPr lang="en-US" sz="1200" dirty="0" smtClean="0">
-                <a:latin typeface="Courier New" pitchFamily="49" charset="0"/>
-                <a:cs typeface="Courier New" pitchFamily="49" charset="0"/>
-              </a:rPr>
-              <a:t> </a:t>
-            </a:r>
-            <a:r>
-              <a:rPr lang="en-US" sz="1200" dirty="0" smtClean="0">
-                <a:latin typeface="Courier New" pitchFamily="49" charset="0"/>
-                <a:cs typeface="Courier New" pitchFamily="49" charset="0"/>
-              </a:rPr>
-              <a:t>otro</a:t>
-            </a:r>
-            <a:r>
-              <a:rPr lang="en-US" sz="1200" dirty="0" smtClean="0">
-                <a:latin typeface="Courier New" pitchFamily="49" charset="0"/>
-                <a:cs typeface="Courier New" pitchFamily="49" charset="0"/>
-              </a:rPr>
-              <a:t> </a:t>
-            </a:r>
-            <a:r>
-              <a:rPr lang="en-US" sz="1200" dirty="0" smtClean="0">
-                <a:latin typeface="Courier New" pitchFamily="49" charset="0"/>
-                <a:cs typeface="Courier New" pitchFamily="49" charset="0"/>
-              </a:rPr>
-              <a:t>algo</a:t>
-            </a:r>
-            <a:endParaRPr lang="en-US" sz="1200" dirty="0" smtClean="0">
-              <a:latin typeface="Courier New" pitchFamily="49" charset="0"/>
-              <a:cs typeface="Courier New" pitchFamily="49" charset="0"/>
-            </a:endParaRPr>
-          </a:p>
-          <a:p>
-            <a:r>
-              <a:rPr lang="en-US" sz="1200" dirty="0" smtClean="0">
-                <a:latin typeface="Courier New" pitchFamily="49" charset="0"/>
-                <a:cs typeface="Courier New" pitchFamily="49" charset="0"/>
-              </a:rPr>
-              <a:t>		}</a:t>
-            </a:r>
-          </a:p>
-          <a:p>
-            <a:r>
-              <a:rPr lang="en-US" sz="1200" dirty="0">
-                <a:latin typeface="Courier New" pitchFamily="49" charset="0"/>
-                <a:cs typeface="Courier New" pitchFamily="49" charset="0"/>
-              </a:rPr>
-              <a:t>	</a:t>
-            </a:r>
-            <a:r>
-              <a:rPr lang="en-US" sz="1200" dirty="0" smtClean="0">
-                <a:latin typeface="Courier New" pitchFamily="49" charset="0"/>
-                <a:cs typeface="Courier New" pitchFamily="49" charset="0"/>
-              </a:rPr>
-              <a:t>}</a:t>
-            </a:r>
-          </a:p>
-          <a:p>
-            <a:r>
-              <a:rPr lang="en-US" sz="1200" dirty="0">
-                <a:latin typeface="Courier New" pitchFamily="49" charset="0"/>
-                <a:cs typeface="Courier New" pitchFamily="49" charset="0"/>
-              </a:rPr>
-              <a:t>	</a:t>
-            </a:r>
-          </a:p>
-          <a:p>
-            <a:r>
-              <a:rPr lang="en-US" sz="1200" dirty="0" smtClean="0">
-                <a:latin typeface="Courier New" pitchFamily="49" charset="0"/>
-                <a:cs typeface="Courier New" pitchFamily="49" charset="0"/>
-              </a:rPr>
-              <a:t>	for(</a:t>
-            </a:r>
-            <a:r>
-              <a:rPr lang="en-US" sz="1200" dirty="0" smtClean="0">
-                <a:latin typeface="Courier New" pitchFamily="49" charset="0"/>
-                <a:cs typeface="Courier New" pitchFamily="49" charset="0"/>
-              </a:rPr>
-              <a:t>val</a:t>
-            </a:r>
-            <a:r>
-              <a:rPr lang="en-US" sz="1200" dirty="0" smtClean="0">
-                <a:latin typeface="Courier New" pitchFamily="49" charset="0"/>
-                <a:cs typeface="Courier New" pitchFamily="49" charset="0"/>
-              </a:rPr>
-              <a:t> = </a:t>
-            </a:r>
-            <a:r>
-              <a:rPr lang="en-US" sz="1200" i="1" dirty="0" smtClean="0">
-                <a:latin typeface="Courier New" pitchFamily="49" charset="0"/>
-                <a:cs typeface="Courier New" pitchFamily="49" charset="0"/>
-              </a:rPr>
-              <a:t>primero</a:t>
-            </a:r>
-            <a:r>
-              <a:rPr lang="en-US" sz="1200" i="1" dirty="0" smtClean="0">
-                <a:latin typeface="Courier New" pitchFamily="49" charset="0"/>
-                <a:cs typeface="Courier New" pitchFamily="49" charset="0"/>
-              </a:rPr>
-              <a:t> al ultimo</a:t>
-            </a:r>
-            <a:r>
-              <a:rPr lang="en-US" sz="1200" dirty="0" smtClean="0">
-                <a:latin typeface="Courier New" pitchFamily="49" charset="0"/>
-                <a:cs typeface="Courier New" pitchFamily="49" charset="0"/>
-              </a:rPr>
-              <a:t>)</a:t>
-            </a:r>
-          </a:p>
-          <a:p>
-            <a:r>
-              <a:rPr lang="en-US" sz="1200" dirty="0">
-                <a:latin typeface="Courier New" pitchFamily="49" charset="0"/>
-                <a:cs typeface="Courier New" pitchFamily="49" charset="0"/>
-              </a:rPr>
-              <a:t>	</a:t>
-            </a:r>
-            <a:r>
-              <a:rPr lang="en-US" sz="1200" dirty="0" smtClean="0">
-                <a:latin typeface="Courier New" pitchFamily="49" charset="0"/>
-                <a:cs typeface="Courier New" pitchFamily="49" charset="0"/>
-              </a:rPr>
-              <a:t>{</a:t>
-            </a:r>
-          </a:p>
-          <a:p>
-            <a:r>
-              <a:rPr lang="en-US" sz="1200" dirty="0">
-                <a:latin typeface="Courier New" pitchFamily="49" charset="0"/>
-                <a:cs typeface="Courier New" pitchFamily="49" charset="0"/>
-              </a:rPr>
-              <a:t>	</a:t>
-            </a:r>
-            <a:r>
-              <a:rPr lang="en-US" sz="1200" dirty="0" smtClean="0">
-                <a:latin typeface="Courier New" pitchFamily="49" charset="0"/>
-                <a:cs typeface="Courier New" pitchFamily="49" charset="0"/>
-              </a:rPr>
-              <a:t>	if(</a:t>
-            </a:r>
-            <a:r>
-              <a:rPr lang="en-US" sz="1200" dirty="0" smtClean="0">
-                <a:latin typeface="Courier New" pitchFamily="49" charset="0"/>
-                <a:cs typeface="Courier New" pitchFamily="49" charset="0"/>
-              </a:rPr>
-              <a:t>esValido</a:t>
-            </a:r>
-            <a:r>
-              <a:rPr lang="en-US" sz="1200" dirty="0" smtClean="0">
-                <a:latin typeface="Courier New" pitchFamily="49" charset="0"/>
-                <a:cs typeface="Courier New" pitchFamily="49" charset="0"/>
-              </a:rPr>
-              <a:t>(</a:t>
-            </a:r>
-            <a:r>
-              <a:rPr lang="en-US" sz="1200" dirty="0" smtClean="0">
-                <a:latin typeface="Courier New" pitchFamily="49" charset="0"/>
-                <a:cs typeface="Courier New" pitchFamily="49" charset="0"/>
-              </a:rPr>
-              <a:t>val</a:t>
-            </a:r>
-            <a:r>
-              <a:rPr lang="en-US" sz="1200" dirty="0" smtClean="0">
-                <a:latin typeface="Courier New" pitchFamily="49" charset="0"/>
-                <a:cs typeface="Courier New" pitchFamily="49" charset="0"/>
-              </a:rPr>
-              <a:t>, n))</a:t>
-            </a:r>
-          </a:p>
-          <a:p>
-            <a:r>
-              <a:rPr lang="en-US" sz="1200" dirty="0">
-                <a:latin typeface="Courier New" pitchFamily="49" charset="0"/>
-                <a:cs typeface="Courier New" pitchFamily="49" charset="0"/>
-              </a:rPr>
-              <a:t>	</a:t>
-            </a:r>
-            <a:r>
-              <a:rPr lang="en-US" sz="1200" dirty="0" smtClean="0">
-                <a:latin typeface="Courier New" pitchFamily="49" charset="0"/>
-                <a:cs typeface="Courier New" pitchFamily="49" charset="0"/>
-              </a:rPr>
-              <a:t>	{</a:t>
-            </a:r>
-          </a:p>
-          <a:p>
-            <a:r>
-              <a:rPr lang="en-US" sz="1200" dirty="0">
-                <a:latin typeface="Courier New" pitchFamily="49" charset="0"/>
-                <a:cs typeface="Courier New" pitchFamily="49" charset="0"/>
-              </a:rPr>
-              <a:t>	</a:t>
-            </a:r>
-            <a:r>
-              <a:rPr lang="en-US" sz="1200" dirty="0" smtClean="0">
-                <a:latin typeface="Courier New" pitchFamily="49" charset="0"/>
-                <a:cs typeface="Courier New" pitchFamily="49" charset="0"/>
-              </a:rPr>
-              <a:t>		</a:t>
-            </a:r>
-            <a:r>
-              <a:rPr lang="en-US" sz="1200" dirty="0" smtClean="0">
-                <a:latin typeface="Courier New" pitchFamily="49" charset="0"/>
-                <a:cs typeface="Courier New" pitchFamily="49" charset="0"/>
-              </a:rPr>
-              <a:t>aplicarValor</a:t>
-            </a:r>
-            <a:r>
-              <a:rPr lang="en-US" sz="1200" dirty="0" smtClean="0">
-                <a:latin typeface="Courier New" pitchFamily="49" charset="0"/>
-                <a:cs typeface="Courier New" pitchFamily="49" charset="0"/>
-              </a:rPr>
-              <a:t>(</a:t>
-            </a:r>
-            <a:r>
-              <a:rPr lang="en-US" sz="1200" dirty="0" smtClean="0">
-                <a:latin typeface="Courier New" pitchFamily="49" charset="0"/>
-                <a:cs typeface="Courier New" pitchFamily="49" charset="0"/>
-              </a:rPr>
-              <a:t>val</a:t>
-            </a:r>
-            <a:r>
-              <a:rPr lang="en-US" sz="1200" dirty="0" smtClean="0">
-                <a:latin typeface="Courier New" pitchFamily="49" charset="0"/>
-                <a:cs typeface="Courier New" pitchFamily="49" charset="0"/>
-              </a:rPr>
-              <a:t>, n);</a:t>
-            </a:r>
-          </a:p>
-          <a:p>
-            <a:r>
-              <a:rPr lang="en-US" sz="1200" dirty="0">
-                <a:latin typeface="Courier New" pitchFamily="49" charset="0"/>
-                <a:cs typeface="Courier New" pitchFamily="49" charset="0"/>
-              </a:rPr>
-              <a:t>	</a:t>
-            </a:r>
-            <a:r>
-              <a:rPr lang="en-US" sz="1200" dirty="0" smtClean="0">
-                <a:latin typeface="Courier New" pitchFamily="49" charset="0"/>
-                <a:cs typeface="Courier New" pitchFamily="49" charset="0"/>
-              </a:rPr>
-              <a:t>		</a:t>
-            </a:r>
-            <a:r>
-              <a:rPr lang="en-US" sz="1200" dirty="0" smtClean="0">
-                <a:latin typeface="Courier New" pitchFamily="49" charset="0"/>
-                <a:cs typeface="Courier New" pitchFamily="49" charset="0"/>
-              </a:rPr>
-              <a:t>encontrarSolucion</a:t>
-            </a:r>
-            <a:r>
-              <a:rPr lang="en-US" sz="1200" dirty="0" smtClean="0">
-                <a:latin typeface="Courier New" pitchFamily="49" charset="0"/>
-                <a:cs typeface="Courier New" pitchFamily="49" charset="0"/>
-              </a:rPr>
-              <a:t>(n + 1, </a:t>
-            </a:r>
-            <a:r>
-              <a:rPr lang="en-US" sz="1200" i="1" dirty="0" smtClean="0">
-                <a:latin typeface="Courier New" pitchFamily="49" charset="0"/>
-                <a:cs typeface="Courier New" pitchFamily="49" charset="0"/>
-              </a:rPr>
-              <a:t>otros</a:t>
-            </a:r>
-            <a:r>
-              <a:rPr lang="en-US" sz="1200" i="1" dirty="0" smtClean="0">
-                <a:latin typeface="Courier New" pitchFamily="49" charset="0"/>
-                <a:cs typeface="Courier New" pitchFamily="49" charset="0"/>
-              </a:rPr>
-              <a:t> </a:t>
-            </a:r>
-            <a:r>
-              <a:rPr lang="en-US" sz="1200" i="1" dirty="0" smtClean="0">
-                <a:latin typeface="Courier New" pitchFamily="49" charset="0"/>
-                <a:cs typeface="Courier New" pitchFamily="49" charset="0"/>
-              </a:rPr>
-              <a:t>parametros</a:t>
-            </a:r>
-            <a:r>
-              <a:rPr lang="en-US" sz="1200" dirty="0" smtClean="0">
-                <a:latin typeface="Courier New" pitchFamily="49" charset="0"/>
-                <a:cs typeface="Courier New" pitchFamily="49" charset="0"/>
-              </a:rPr>
-              <a:t>);</a:t>
-            </a:r>
-          </a:p>
-          <a:p>
-            <a:r>
-              <a:rPr lang="en-US" sz="1200" dirty="0">
-                <a:latin typeface="Courier New" pitchFamily="49" charset="0"/>
-                <a:cs typeface="Courier New" pitchFamily="49" charset="0"/>
-              </a:rPr>
-              <a:t>	</a:t>
-            </a:r>
-            <a:r>
-              <a:rPr lang="en-US" sz="1200" dirty="0" smtClean="0">
-                <a:latin typeface="Courier New" pitchFamily="49" charset="0"/>
-                <a:cs typeface="Courier New" pitchFamily="49" charset="0"/>
-              </a:rPr>
-              <a:t>		</a:t>
-            </a:r>
-            <a:r>
-              <a:rPr lang="en-US" sz="1200" dirty="0" smtClean="0">
-                <a:latin typeface="Courier New" pitchFamily="49" charset="0"/>
-                <a:cs typeface="Courier New" pitchFamily="49" charset="0"/>
-              </a:rPr>
-              <a:t>removerValor</a:t>
-            </a:r>
-            <a:r>
-              <a:rPr lang="en-US" sz="1200" dirty="0" smtClean="0">
-                <a:latin typeface="Courier New" pitchFamily="49" charset="0"/>
-                <a:cs typeface="Courier New" pitchFamily="49" charset="0"/>
-              </a:rPr>
-              <a:t>(</a:t>
-            </a:r>
-            <a:r>
-              <a:rPr lang="en-US" sz="1200" dirty="0" smtClean="0">
-                <a:latin typeface="Courier New" pitchFamily="49" charset="0"/>
-                <a:cs typeface="Courier New" pitchFamily="49" charset="0"/>
-              </a:rPr>
-              <a:t>val</a:t>
-            </a:r>
-            <a:r>
-              <a:rPr lang="en-US" sz="1200" dirty="0" smtClean="0">
-                <a:latin typeface="Courier New" pitchFamily="49" charset="0"/>
-                <a:cs typeface="Courier New" pitchFamily="49" charset="0"/>
-              </a:rPr>
-              <a:t>, n);</a:t>
+              <a:t>		removerValor(val, n);</a:t>
             </a:r>
           </a:p>
           <a:p>
@@ -24575,23 +22412,7 @@
           <a:p>
             <a:r>
               <a:rPr lang="en-US" dirty="0" smtClean="0"/>
-              <a:t>Aplicada</a:t>
-            </a:r>
-            <a:r>
-              <a:rPr lang="en-US" dirty="0" smtClean="0"/>
-              <a:t> la </a:t>
-            </a:r>
-            <a:r>
-              <a:rPr lang="en-US" dirty="0" smtClean="0"/>
-              <a:t>generalizacion</a:t>
-            </a:r>
-            <a:r>
-              <a:rPr lang="en-US" dirty="0" smtClean="0"/>
-              <a:t> para n-</a:t>
-            </a:r>
-            <a:r>
-              <a:rPr lang="en-US" dirty="0" smtClean="0"/>
-              <a:t>amazonas</a:t>
+              <a:t>Aplicada la generalizacion para n-amazonas</a:t>
             </a:r>
             <a:endParaRPr lang="es-AR" dirty="0"/>
           </a:p>
@@ -24637,43 +22458,225 @@
                 <a:latin typeface="Courier New" pitchFamily="49" charset="0"/>
                 <a:cs typeface="Courier New" pitchFamily="49" charset="0"/>
               </a:rPr>
-              <a:t>void </a:t>
-            </a:r>
+              <a:t>void EncontrarColumnaSegura(int Fila)</a:t>
+            </a:r>
+          </a:p>
+          <a:p>
             <a:r>
               <a:rPr lang="en-US" sz="1200" dirty="0" smtClean="0">
                 <a:latin typeface="Courier New" pitchFamily="49" charset="0"/>
                 <a:cs typeface="Courier New" pitchFamily="49" charset="0"/>
               </a:rPr>
-              <a:t>EncontrarColumnaSegura</a:t>
+              <a:t>{</a:t>
+            </a:r>
+          </a:p>
+          <a:p>
+            <a:r>
+              <a:rPr lang="en-US" sz="1200" dirty="0">
+                <a:latin typeface="Courier New" pitchFamily="49" charset="0"/>
+                <a:cs typeface="Courier New" pitchFamily="49" charset="0"/>
+              </a:rPr>
+              <a:t>	</a:t>
             </a:r>
             <a:r>
               <a:rPr lang="en-US" sz="1200" dirty="0" smtClean="0">
                 <a:latin typeface="Courier New" pitchFamily="49" charset="0"/>
                 <a:cs typeface="Courier New" pitchFamily="49" charset="0"/>
               </a:rPr>
-              <a:t>(</a:t>
+              <a:t>if(</a:t>
+            </a:r>
+            <a:r>
+              <a:rPr lang="en-US" sz="1200" i="1" dirty="0" smtClean="0">
+                <a:latin typeface="Courier New" pitchFamily="49" charset="0"/>
+                <a:cs typeface="Courier New" pitchFamily="49" charset="0"/>
+              </a:rPr>
+              <a:t>fila == dimension</a:t>
             </a:r>
             <a:r>
               <a:rPr lang="en-US" sz="1200" dirty="0" smtClean="0">
                 <a:latin typeface="Courier New" pitchFamily="49" charset="0"/>
                 <a:cs typeface="Courier New" pitchFamily="49" charset="0"/>
               </a:rPr>
-              <a:t>int</a:t>
-            </a:r>
+              <a:t>)</a:t>
+            </a:r>
+          </a:p>
+          <a:p>
             <a:r>
               <a:rPr lang="en-US" sz="1200" dirty="0" smtClean="0">
                 <a:latin typeface="Courier New" pitchFamily="49" charset="0"/>
                 <a:cs typeface="Courier New" pitchFamily="49" charset="0"/>
               </a:rPr>
-              <a:t> Fila)</a:t>
-            </a:r>
-          </a:p>
-          <a:p>
+              <a:t>	{</a:t>
+            </a:r>
+          </a:p>
+          <a:p>
+            <a:r>
+              <a:rPr lang="en-US" sz="1200" dirty="0">
+                <a:latin typeface="Courier New" pitchFamily="49" charset="0"/>
+                <a:cs typeface="Courier New" pitchFamily="49" charset="0"/>
+              </a:rPr>
+              <a:t>	</a:t>
+            </a:r>
             <a:r>
               <a:rPr lang="en-US" sz="1200" dirty="0" smtClean="0">
                 <a:latin typeface="Courier New" pitchFamily="49" charset="0"/>
                 <a:cs typeface="Courier New" pitchFamily="49" charset="0"/>
               </a:rPr>
+              <a:t>	if(currAmazonas &gt;= dimension)</a:t>
+            </a:r>
+          </a:p>
+          <a:p>
+            <a:r>
+              <a:rPr lang="en-US" sz="1200" dirty="0">
+                <a:latin typeface="Courier New" pitchFamily="49" charset="0"/>
+                <a:cs typeface="Courier New" pitchFamily="49" charset="0"/>
+              </a:rPr>
+              <a:t>	</a:t>
+            </a:r>
+            <a:r>
+              <a:rPr lang="en-US" sz="1200" dirty="0" smtClean="0">
+                <a:latin typeface="Courier New" pitchFamily="49" charset="0"/>
+                <a:cs typeface="Courier New" pitchFamily="49" charset="0"/>
+              </a:rPr>
+              <a:t>	{</a:t>
+            </a:r>
+          </a:p>
+          <a:p>
+            <a:r>
+              <a:rPr lang="en-US" sz="1200" dirty="0">
+                <a:latin typeface="Courier New" pitchFamily="49" charset="0"/>
+                <a:cs typeface="Courier New" pitchFamily="49" charset="0"/>
+              </a:rPr>
+              <a:t>	</a:t>
+            </a:r>
+            <a:r>
+              <a:rPr lang="en-US" sz="1200" dirty="0" smtClean="0">
+                <a:latin typeface="Courier New" pitchFamily="49" charset="0"/>
+                <a:cs typeface="Courier New" pitchFamily="49" charset="0"/>
+              </a:rPr>
+              <a:t>		//mostrar la solucion, pedir una nueva dimension</a:t>
+            </a:r>
+          </a:p>
+          <a:p>
+            <a:r>
+              <a:rPr lang="en-US" sz="1200" dirty="0">
+                <a:latin typeface="Courier New" pitchFamily="49" charset="0"/>
+                <a:cs typeface="Courier New" pitchFamily="49" charset="0"/>
+              </a:rPr>
+              <a:t>	</a:t>
+            </a:r>
+            <a:r>
+              <a:rPr lang="en-US" sz="1200" dirty="0" smtClean="0">
+                <a:latin typeface="Courier New" pitchFamily="49" charset="0"/>
+                <a:cs typeface="Courier New" pitchFamily="49" charset="0"/>
+              </a:rPr>
+              <a:t>	}</a:t>
+            </a:r>
+          </a:p>
+          <a:p>
+            <a:r>
+              <a:rPr lang="en-US" sz="1200" dirty="0">
+                <a:latin typeface="Courier New" pitchFamily="49" charset="0"/>
+                <a:cs typeface="Courier New" pitchFamily="49" charset="0"/>
+              </a:rPr>
+              <a:t>	</a:t>
+            </a:r>
+            <a:r>
+              <a:rPr lang="en-US" sz="1200" dirty="0" smtClean="0">
+                <a:latin typeface="Courier New" pitchFamily="49" charset="0"/>
+                <a:cs typeface="Courier New" pitchFamily="49" charset="0"/>
+              </a:rPr>
+              <a:t>	else</a:t>
+            </a:r>
+          </a:p>
+          <a:p>
+            <a:r>
+              <a:rPr lang="en-US" sz="1200" dirty="0">
+                <a:latin typeface="Courier New" pitchFamily="49" charset="0"/>
+                <a:cs typeface="Courier New" pitchFamily="49" charset="0"/>
+              </a:rPr>
+              <a:t>	</a:t>
+            </a:r>
+            <a:r>
+              <a:rPr lang="en-US" sz="1200" dirty="0" smtClean="0">
+                <a:latin typeface="Courier New" pitchFamily="49" charset="0"/>
+                <a:cs typeface="Courier New" pitchFamily="49" charset="0"/>
+              </a:rPr>
+              <a:t>	{</a:t>
+            </a:r>
+          </a:p>
+          <a:p>
+            <a:r>
+              <a:rPr lang="en-US" sz="1200" dirty="0">
+                <a:latin typeface="Courier New" pitchFamily="49" charset="0"/>
+                <a:cs typeface="Courier New" pitchFamily="49" charset="0"/>
+              </a:rPr>
+              <a:t>	</a:t>
+            </a:r>
+            <a:r>
+              <a:rPr lang="en-US" sz="1200" dirty="0" smtClean="0">
+                <a:latin typeface="Courier New" pitchFamily="49" charset="0"/>
+                <a:cs typeface="Courier New" pitchFamily="49" charset="0"/>
+              </a:rPr>
+              <a:t>		//determinar que no hay solucion</a:t>
+            </a:r>
+          </a:p>
+          <a:p>
+            <a:r>
+              <a:rPr lang="en-US" sz="1200" dirty="0" smtClean="0">
+                <a:latin typeface="Courier New" pitchFamily="49" charset="0"/>
+                <a:cs typeface="Courier New" pitchFamily="49" charset="0"/>
+              </a:rPr>
+              <a:t>		}</a:t>
+            </a:r>
+          </a:p>
+          <a:p>
+            <a:r>
+              <a:rPr lang="en-US" sz="1200" dirty="0">
+                <a:latin typeface="Courier New" pitchFamily="49" charset="0"/>
+                <a:cs typeface="Courier New" pitchFamily="49" charset="0"/>
+              </a:rPr>
+              <a:t>	</a:t>
+            </a:r>
+            <a:r>
+              <a:rPr lang="en-US" sz="1200" dirty="0" smtClean="0">
+                <a:latin typeface="Courier New" pitchFamily="49" charset="0"/>
+                <a:cs typeface="Courier New" pitchFamily="49" charset="0"/>
+              </a:rPr>
+              <a:t>}</a:t>
+            </a:r>
+          </a:p>
+          <a:p>
+            <a:r>
+              <a:rPr lang="en-US" sz="1200" dirty="0">
+                <a:latin typeface="Courier New" pitchFamily="49" charset="0"/>
+                <a:cs typeface="Courier New" pitchFamily="49" charset="0"/>
+              </a:rPr>
+              <a:t>	</a:t>
+            </a:r>
+          </a:p>
+          <a:p>
+            <a:r>
+              <a:rPr lang="en-US" sz="1200" dirty="0" smtClean="0">
+                <a:latin typeface="Courier New" pitchFamily="49" charset="0"/>
+                <a:cs typeface="Courier New" pitchFamily="49" charset="0"/>
+              </a:rPr>
+              <a:t>	for(int j = 0; j &lt; dimension; j ++)</a:t>
+            </a:r>
+          </a:p>
+          <a:p>
+            <a:r>
+              <a:rPr lang="en-US" sz="1200" dirty="0">
+                <a:latin typeface="Courier New" pitchFamily="49" charset="0"/>
+                <a:cs typeface="Courier New" pitchFamily="49" charset="0"/>
+              </a:rPr>
+              <a:t>	</a:t>
+            </a:r>
+            <a:r>
+              <a:rPr lang="en-US" sz="1200" dirty="0" smtClean="0">
+                <a:latin typeface="Courier New" pitchFamily="49" charset="0"/>
+                <a:cs typeface="Courier New" pitchFamily="49" charset="0"/>
+              </a:rPr>
               <a:t>{</a:t>
             </a:r>
           </a:p>
@@ -24690,37 +22693,39 @@
                 <a:latin typeface="Courier New" pitchFamily="49" charset="0"/>
                 <a:cs typeface="Courier New" pitchFamily="49" charset="0"/>
               </a:rPr>
-              <a:t>if(</a:t>
-            </a:r>
-            <a:r>
-              <a:rPr lang="en-US" sz="1200" i="1" dirty="0" smtClean="0">
-                <a:latin typeface="Courier New" pitchFamily="49" charset="0"/>
-                <a:cs typeface="Courier New" pitchFamily="49" charset="0"/>
-              </a:rPr>
-              <a:t>fila</a:t>
-            </a:r>
-            <a:r>
-              <a:rPr lang="en-US" sz="1200" i="1" dirty="0" smtClean="0">
-                <a:latin typeface="Courier New" pitchFamily="49" charset="0"/>
-                <a:cs typeface="Courier New" pitchFamily="49" charset="0"/>
-              </a:rPr>
-              <a:t> == dimension</a:t>
+              <a:t>	if(arrTablero[fila][j] == 0)</a:t>
+            </a:r>
+          </a:p>
+          <a:p>
+            <a:r>
+              <a:rPr lang="en-US" sz="1200" dirty="0">
+                <a:latin typeface="Courier New" pitchFamily="49" charset="0"/>
+                <a:cs typeface="Courier New" pitchFamily="49" charset="0"/>
+              </a:rPr>
+              <a:t>	</a:t>
             </a:r>
             <a:r>
               <a:rPr lang="en-US" sz="1200" dirty="0" smtClean="0">
                 <a:latin typeface="Courier New" pitchFamily="49" charset="0"/>
                 <a:cs typeface="Courier New" pitchFamily="49" charset="0"/>
               </a:rPr>
-              <a:t>)</a:t>
-            </a:r>
-          </a:p>
-          <a:p>
+              <a:t>	{</a:t>
+            </a:r>
+          </a:p>
+          <a:p>
+            <a:r>
+              <a:rPr lang="en-US" sz="1200" dirty="0">
+                <a:latin typeface="Courier New" pitchFamily="49" charset="0"/>
+                <a:cs typeface="Courier New" pitchFamily="49" charset="0"/>
+              </a:rPr>
+              <a:t>	</a:t>
+            </a:r>
             <a:r>
               <a:rPr lang="en-US" sz="1200" dirty="0" smtClean="0">
                 <a:latin typeface="Courier New" pitchFamily="49" charset="0"/>
                 <a:cs typeface="Courier New" pitchFamily="49" charset="0"/>
               </a:rPr>
-              <a:t>	{</a:t>
+              <a:t>		funcAgregarPieza(fila, j);</a:t>
             </a:r>
           </a:p>
           <a:p>
@@ -24736,463 +22741,23 @@
                 <a:latin typeface="Courier New" pitchFamily="49" charset="0"/>
                 <a:cs typeface="Courier New" pitchFamily="49" charset="0"/>
               </a:rPr>
-              <a:t>	if(</a:t>
+              <a:t>		EncontrarColumna(fila + 1);</a:t>
+            </a:r>
+          </a:p>
+          <a:p>
+            <a:r>
+              <a:rPr lang="en-US" sz="1200" dirty="0">
+                <a:latin typeface="Courier New" pitchFamily="49" charset="0"/>
+                <a:cs typeface="Courier New" pitchFamily="49" charset="0"/>
+              </a:rPr>
+              <a:t>	</a:t>
             </a:r>
             <a:r>
               <a:rPr lang="en-US" sz="1200" dirty="0" smtClean="0">
                 <a:latin typeface="Courier New" pitchFamily="49" charset="0"/>
                 <a:cs typeface="Courier New" pitchFamily="49" charset="0"/>
               </a:rPr>
-              <a:t>currAmazonas</a:t>
-            </a:r>
-            <a:r>
-              <a:rPr lang="en-US" sz="1200" dirty="0" smtClean="0">
-                <a:latin typeface="Courier New" pitchFamily="49" charset="0"/>
-                <a:cs typeface="Courier New" pitchFamily="49" charset="0"/>
-              </a:rPr>
-              <a:t> &gt;= dimension)</a:t>
-            </a:r>
-          </a:p>
-          <a:p>
-            <a:r>
-              <a:rPr lang="en-US" sz="1200" dirty="0">
-                <a:latin typeface="Courier New" pitchFamily="49" charset="0"/>
-                <a:cs typeface="Courier New" pitchFamily="49" charset="0"/>
-              </a:rPr>
-              <a:t>	</a:t>
-            </a:r>
-            <a:r>
-              <a:rPr lang="en-US" sz="1200" dirty="0" smtClean="0">
-                <a:latin typeface="Courier New" pitchFamily="49" charset="0"/>
-                <a:cs typeface="Courier New" pitchFamily="49" charset="0"/>
-              </a:rPr>
-              <a:t>	{</a:t>
-            </a:r>
-          </a:p>
-          <a:p>
-            <a:r>
-              <a:rPr lang="en-US" sz="1200" dirty="0">
-                <a:latin typeface="Courier New" pitchFamily="49" charset="0"/>
-                <a:cs typeface="Courier New" pitchFamily="49" charset="0"/>
-              </a:rPr>
-              <a:t>	</a:t>
-            </a:r>
-            <a:r>
-              <a:rPr lang="en-US" sz="1200" dirty="0" smtClean="0">
-                <a:latin typeface="Courier New" pitchFamily="49" charset="0"/>
-                <a:cs typeface="Courier New" pitchFamily="49" charset="0"/>
-              </a:rPr>
-              <a:t>		//</a:t>
-            </a:r>
-            <a:r>
-              <a:rPr lang="en-US" sz="1200" dirty="0" smtClean="0">
-                <a:latin typeface="Courier New" pitchFamily="49" charset="0"/>
-                <a:cs typeface="Courier New" pitchFamily="49" charset="0"/>
-              </a:rPr>
-              <a:t>mostrar</a:t>
-            </a:r>
-            <a:r>
-              <a:rPr lang="en-US" sz="1200" dirty="0" smtClean="0">
-                <a:latin typeface="Courier New" pitchFamily="49" charset="0"/>
-                <a:cs typeface="Courier New" pitchFamily="49" charset="0"/>
-              </a:rPr>
-              <a:t> la </a:t>
-            </a:r>
-            <a:r>
-              <a:rPr lang="en-US" sz="1200" dirty="0" smtClean="0">
-                <a:latin typeface="Courier New" pitchFamily="49" charset="0"/>
-                <a:cs typeface="Courier New" pitchFamily="49" charset="0"/>
-              </a:rPr>
-              <a:t>solucion</a:t>
-            </a:r>
-            <a:r>
-              <a:rPr lang="en-US" sz="1200" dirty="0" smtClean="0">
-                <a:latin typeface="Courier New" pitchFamily="49" charset="0"/>
-                <a:cs typeface="Courier New" pitchFamily="49" charset="0"/>
-              </a:rPr>
-              <a:t>, </a:t>
-            </a:r>
-            <a:r>
-              <a:rPr lang="en-US" sz="1200" dirty="0" smtClean="0">
-                <a:latin typeface="Courier New" pitchFamily="49" charset="0"/>
-                <a:cs typeface="Courier New" pitchFamily="49" charset="0"/>
-              </a:rPr>
-              <a:t>pedir</a:t>
-            </a:r>
-            <a:r>
-              <a:rPr lang="en-US" sz="1200" dirty="0" smtClean="0">
-                <a:latin typeface="Courier New" pitchFamily="49" charset="0"/>
-                <a:cs typeface="Courier New" pitchFamily="49" charset="0"/>
-              </a:rPr>
-              <a:t> una </a:t>
-            </a:r>
-            <a:r>
-              <a:rPr lang="en-US" sz="1200" dirty="0" smtClean="0">
-                <a:latin typeface="Courier New" pitchFamily="49" charset="0"/>
-                <a:cs typeface="Courier New" pitchFamily="49" charset="0"/>
-              </a:rPr>
-              <a:t>nueva</a:t>
-            </a:r>
-            <a:r>
-              <a:rPr lang="en-US" sz="1200" dirty="0" smtClean="0">
-                <a:latin typeface="Courier New" pitchFamily="49" charset="0"/>
-                <a:cs typeface="Courier New" pitchFamily="49" charset="0"/>
-              </a:rPr>
-              <a:t> dimension</a:t>
-            </a:r>
-          </a:p>
-          <a:p>
-            <a:r>
-              <a:rPr lang="en-US" sz="1200" dirty="0">
-                <a:latin typeface="Courier New" pitchFamily="49" charset="0"/>
-                <a:cs typeface="Courier New" pitchFamily="49" charset="0"/>
-              </a:rPr>
-              <a:t>	</a:t>
-            </a:r>
-            <a:r>
-              <a:rPr lang="en-US" sz="1200" dirty="0" smtClean="0">
-                <a:latin typeface="Courier New" pitchFamily="49" charset="0"/>
-                <a:cs typeface="Courier New" pitchFamily="49" charset="0"/>
-              </a:rPr>
-              <a:t>	}</a:t>
-            </a:r>
-          </a:p>
-          <a:p>
-            <a:r>
-              <a:rPr lang="en-US" sz="1200" dirty="0">
-                <a:latin typeface="Courier New" pitchFamily="49" charset="0"/>
-                <a:cs typeface="Courier New" pitchFamily="49" charset="0"/>
-              </a:rPr>
-              <a:t>	</a:t>
-            </a:r>
-            <a:r>
-              <a:rPr lang="en-US" sz="1200" dirty="0" smtClean="0">
-                <a:latin typeface="Courier New" pitchFamily="49" charset="0"/>
-                <a:cs typeface="Courier New" pitchFamily="49" charset="0"/>
-              </a:rPr>
-              <a:t>	else</a:t>
-            </a:r>
-          </a:p>
-          <a:p>
-            <a:r>
-              <a:rPr lang="en-US" sz="1200" dirty="0">
-                <a:latin typeface="Courier New" pitchFamily="49" charset="0"/>
-                <a:cs typeface="Courier New" pitchFamily="49" charset="0"/>
-              </a:rPr>
-              <a:t>	</a:t>
-            </a:r>
-            <a:r>
-              <a:rPr lang="en-US" sz="1200" dirty="0" smtClean="0">
-                <a:latin typeface="Courier New" pitchFamily="49" charset="0"/>
-                <a:cs typeface="Courier New" pitchFamily="49" charset="0"/>
-              </a:rPr>
-              <a:t>	{</a:t>
-            </a:r>
-          </a:p>
-          <a:p>
-            <a:r>
-              <a:rPr lang="en-US" sz="1200" dirty="0">
-                <a:latin typeface="Courier New" pitchFamily="49" charset="0"/>
-                <a:cs typeface="Courier New" pitchFamily="49" charset="0"/>
-              </a:rPr>
-              <a:t>	</a:t>
-            </a:r>
-            <a:r>
-              <a:rPr lang="en-US" sz="1200" dirty="0" smtClean="0">
-                <a:latin typeface="Courier New" pitchFamily="49" charset="0"/>
-                <a:cs typeface="Courier New" pitchFamily="49" charset="0"/>
-              </a:rPr>
-              <a:t>		//</a:t>
-            </a:r>
-            <a:r>
-              <a:rPr lang="en-US" sz="1200" dirty="0" smtClean="0">
-                <a:latin typeface="Courier New" pitchFamily="49" charset="0"/>
-                <a:cs typeface="Courier New" pitchFamily="49" charset="0"/>
-              </a:rPr>
-              <a:t>determinar</a:t>
-            </a:r>
-            <a:r>
-              <a:rPr lang="en-US" sz="1200" dirty="0" smtClean="0">
-                <a:latin typeface="Courier New" pitchFamily="49" charset="0"/>
-                <a:cs typeface="Courier New" pitchFamily="49" charset="0"/>
-              </a:rPr>
-              <a:t> que no hay </a:t>
-            </a:r>
-            <a:r>
-              <a:rPr lang="en-US" sz="1200" dirty="0" smtClean="0">
-                <a:latin typeface="Courier New" pitchFamily="49" charset="0"/>
-                <a:cs typeface="Courier New" pitchFamily="49" charset="0"/>
-              </a:rPr>
-              <a:t>solucion</a:t>
-            </a:r>
-            <a:endParaRPr lang="en-US" sz="1200" dirty="0" smtClean="0">
-              <a:latin typeface="Courier New" pitchFamily="49" charset="0"/>
-              <a:cs typeface="Courier New" pitchFamily="49" charset="0"/>
-            </a:endParaRPr>
-          </a:p>
-          <a:p>
-            <a:r>
-              <a:rPr lang="en-US" sz="1200" dirty="0" smtClean="0">
-                <a:latin typeface="Courier New" pitchFamily="49" charset="0"/>
-                <a:cs typeface="Courier New" pitchFamily="49" charset="0"/>
-              </a:rPr>
-              <a:t>		}</a:t>
-            </a:r>
-          </a:p>
-          <a:p>
-            <a:r>
-              <a:rPr lang="en-US" sz="1200" dirty="0">
-                <a:latin typeface="Courier New" pitchFamily="49" charset="0"/>
-                <a:cs typeface="Courier New" pitchFamily="49" charset="0"/>
-              </a:rPr>
-              <a:t>	</a:t>
-            </a:r>
-            <a:r>
-              <a:rPr lang="en-US" sz="1200" dirty="0" smtClean="0">
-                <a:latin typeface="Courier New" pitchFamily="49" charset="0"/>
-                <a:cs typeface="Courier New" pitchFamily="49" charset="0"/>
-              </a:rPr>
-              <a:t>}</a:t>
-            </a:r>
-          </a:p>
-          <a:p>
-            <a:r>
-              <a:rPr lang="en-US" sz="1200" dirty="0">
-                <a:latin typeface="Courier New" pitchFamily="49" charset="0"/>
-                <a:cs typeface="Courier New" pitchFamily="49" charset="0"/>
-              </a:rPr>
-              <a:t>	</a:t>
-            </a:r>
-          </a:p>
-          <a:p>
-            <a:r>
-              <a:rPr lang="en-US" sz="1200" dirty="0" smtClean="0">
-                <a:latin typeface="Courier New" pitchFamily="49" charset="0"/>
-                <a:cs typeface="Courier New" pitchFamily="49" charset="0"/>
-              </a:rPr>
-              <a:t>	for(</a:t>
-            </a:r>
-            <a:r>
-              <a:rPr lang="en-US" sz="1200" dirty="0" smtClean="0">
-                <a:latin typeface="Courier New" pitchFamily="49" charset="0"/>
-                <a:cs typeface="Courier New" pitchFamily="49" charset="0"/>
-              </a:rPr>
-              <a:t>int</a:t>
-            </a:r>
-            <a:r>
-              <a:rPr lang="en-US" sz="1200" dirty="0" smtClean="0">
-                <a:latin typeface="Courier New" pitchFamily="49" charset="0"/>
-                <a:cs typeface="Courier New" pitchFamily="49" charset="0"/>
-              </a:rPr>
-              <a:t> j = 0; j &lt; dimension; j ++)</a:t>
-            </a:r>
-          </a:p>
-          <a:p>
-            <a:r>
-              <a:rPr lang="en-US" sz="1200" dirty="0">
-                <a:latin typeface="Courier New" pitchFamily="49" charset="0"/>
-                <a:cs typeface="Courier New" pitchFamily="49" charset="0"/>
-              </a:rPr>
-              <a:t>	</a:t>
-            </a:r>
-            <a:r>
-              <a:rPr lang="en-US" sz="1200" dirty="0" smtClean="0">
-                <a:latin typeface="Courier New" pitchFamily="49" charset="0"/>
-                <a:cs typeface="Courier New" pitchFamily="49" charset="0"/>
-              </a:rPr>
-              <a:t>{</a:t>
-            </a:r>
-          </a:p>
-          <a:p>
-            <a:r>
-              <a:rPr lang="en-US" sz="1200" dirty="0">
-                <a:latin typeface="Courier New" pitchFamily="49" charset="0"/>
-                <a:cs typeface="Courier New" pitchFamily="49" charset="0"/>
-              </a:rPr>
-              <a:t>	</a:t>
-            </a:r>
-            <a:r>
-              <a:rPr lang="en-US" sz="1200" dirty="0" smtClean="0">
-                <a:latin typeface="Courier New" pitchFamily="49" charset="0"/>
-                <a:cs typeface="Courier New" pitchFamily="49" charset="0"/>
-              </a:rPr>
-              <a:t>	if(</a:t>
-            </a:r>
-            <a:r>
-              <a:rPr lang="en-US" sz="1200" dirty="0" smtClean="0">
-                <a:latin typeface="Courier New" pitchFamily="49" charset="0"/>
-                <a:cs typeface="Courier New" pitchFamily="49" charset="0"/>
-              </a:rPr>
-              <a:t>arrTablero</a:t>
-            </a:r>
-            <a:r>
-              <a:rPr lang="en-US" sz="1200" dirty="0" smtClean="0">
-                <a:latin typeface="Courier New" pitchFamily="49" charset="0"/>
-                <a:cs typeface="Courier New" pitchFamily="49" charset="0"/>
-              </a:rPr>
-              <a:t>[</a:t>
-            </a:r>
-            <a:r>
-              <a:rPr lang="en-US" sz="1200" dirty="0" smtClean="0">
-                <a:latin typeface="Courier New" pitchFamily="49" charset="0"/>
-                <a:cs typeface="Courier New" pitchFamily="49" charset="0"/>
-              </a:rPr>
-              <a:t>fila</a:t>
-            </a:r>
-            <a:r>
-              <a:rPr lang="en-US" sz="1200" dirty="0" smtClean="0">
-                <a:latin typeface="Courier New" pitchFamily="49" charset="0"/>
-                <a:cs typeface="Courier New" pitchFamily="49" charset="0"/>
-              </a:rPr>
-              <a:t>][j] == 0)</a:t>
-            </a:r>
-          </a:p>
-          <a:p>
-            <a:r>
-              <a:rPr lang="en-US" sz="1200" dirty="0">
-                <a:latin typeface="Courier New" pitchFamily="49" charset="0"/>
-                <a:cs typeface="Courier New" pitchFamily="49" charset="0"/>
-              </a:rPr>
-              <a:t>	</a:t>
-            </a:r>
-            <a:r>
-              <a:rPr lang="en-US" sz="1200" dirty="0" smtClean="0">
-                <a:latin typeface="Courier New" pitchFamily="49" charset="0"/>
-                <a:cs typeface="Courier New" pitchFamily="49" charset="0"/>
-              </a:rPr>
-              <a:t>	{</a:t>
-            </a:r>
-          </a:p>
-          <a:p>
-            <a:r>
-              <a:rPr lang="en-US" sz="1200" dirty="0">
-                <a:latin typeface="Courier New" pitchFamily="49" charset="0"/>
-                <a:cs typeface="Courier New" pitchFamily="49" charset="0"/>
-              </a:rPr>
-              <a:t>	</a:t>
-            </a:r>
-            <a:r>
-              <a:rPr lang="en-US" sz="1200" dirty="0" smtClean="0">
-                <a:latin typeface="Courier New" pitchFamily="49" charset="0"/>
-                <a:cs typeface="Courier New" pitchFamily="49" charset="0"/>
-              </a:rPr>
-              <a:t>		</a:t>
-            </a:r>
-            <a:r>
-              <a:rPr lang="en-US" sz="1200" dirty="0" smtClean="0">
-                <a:latin typeface="Courier New" pitchFamily="49" charset="0"/>
-                <a:cs typeface="Courier New" pitchFamily="49" charset="0"/>
-              </a:rPr>
-              <a:t>funcAgregarPieza</a:t>
-            </a:r>
-            <a:r>
-              <a:rPr lang="en-US" sz="1200" dirty="0" smtClean="0">
-                <a:latin typeface="Courier New" pitchFamily="49" charset="0"/>
-                <a:cs typeface="Courier New" pitchFamily="49" charset="0"/>
-              </a:rPr>
-              <a:t>(</a:t>
-            </a:r>
-            <a:r>
-              <a:rPr lang="en-US" sz="1200" dirty="0" smtClean="0">
-                <a:latin typeface="Courier New" pitchFamily="49" charset="0"/>
-                <a:cs typeface="Courier New" pitchFamily="49" charset="0"/>
-              </a:rPr>
-              <a:t>fila</a:t>
-            </a:r>
-            <a:r>
-              <a:rPr lang="en-US" sz="1200" dirty="0" smtClean="0">
-                <a:latin typeface="Courier New" pitchFamily="49" charset="0"/>
-                <a:cs typeface="Courier New" pitchFamily="49" charset="0"/>
-              </a:rPr>
-              <a:t>, j);</a:t>
-            </a:r>
-          </a:p>
-          <a:p>
-            <a:r>
-              <a:rPr lang="en-US" sz="1200" dirty="0">
-                <a:latin typeface="Courier New" pitchFamily="49" charset="0"/>
-                <a:cs typeface="Courier New" pitchFamily="49" charset="0"/>
-              </a:rPr>
-              <a:t>	</a:t>
-            </a:r>
-            <a:r>
-              <a:rPr lang="en-US" sz="1200" dirty="0" smtClean="0">
-                <a:latin typeface="Courier New" pitchFamily="49" charset="0"/>
-                <a:cs typeface="Courier New" pitchFamily="49" charset="0"/>
-              </a:rPr>
-              <a:t>		</a:t>
-            </a:r>
-            <a:r>
-              <a:rPr lang="en-US" sz="1200" dirty="0" smtClean="0">
-                <a:latin typeface="Courier New" pitchFamily="49" charset="0"/>
-                <a:cs typeface="Courier New" pitchFamily="49" charset="0"/>
-              </a:rPr>
-              <a:t>EncontrarColumna</a:t>
-            </a:r>
-            <a:r>
-              <a:rPr lang="en-US" sz="1200" dirty="0" smtClean="0">
-                <a:latin typeface="Courier New" pitchFamily="49" charset="0"/>
-                <a:cs typeface="Courier New" pitchFamily="49" charset="0"/>
-              </a:rPr>
-              <a:t>(</a:t>
-            </a:r>
-            <a:r>
-              <a:rPr lang="en-US" sz="1200" dirty="0" smtClean="0">
-                <a:latin typeface="Courier New" pitchFamily="49" charset="0"/>
-                <a:cs typeface="Courier New" pitchFamily="49" charset="0"/>
-              </a:rPr>
-              <a:t>fila</a:t>
-            </a:r>
-            <a:r>
-              <a:rPr lang="en-US" sz="1200" dirty="0" smtClean="0">
-                <a:latin typeface="Courier New" pitchFamily="49" charset="0"/>
-                <a:cs typeface="Courier New" pitchFamily="49" charset="0"/>
-              </a:rPr>
-              <a:t> + 1);</a:t>
-            </a:r>
-          </a:p>
-          <a:p>
-            <a:r>
-              <a:rPr lang="en-US" sz="1200" dirty="0">
-                <a:latin typeface="Courier New" pitchFamily="49" charset="0"/>
-                <a:cs typeface="Courier New" pitchFamily="49" charset="0"/>
-              </a:rPr>
-              <a:t>	</a:t>
-            </a:r>
-            <a:r>
-              <a:rPr lang="en-US" sz="1200" dirty="0" smtClean="0">
-                <a:latin typeface="Courier New" pitchFamily="49" charset="0"/>
-                <a:cs typeface="Courier New" pitchFamily="49" charset="0"/>
-              </a:rPr>
-              <a:t>		</a:t>
-            </a:r>
-            <a:r>
-              <a:rPr lang="en-US" sz="1200" dirty="0" smtClean="0">
-                <a:latin typeface="Courier New" pitchFamily="49" charset="0"/>
-                <a:cs typeface="Courier New" pitchFamily="49" charset="0"/>
-              </a:rPr>
-              <a:t>funcRemoverPieza</a:t>
-            </a:r>
-            <a:r>
-              <a:rPr lang="en-US" sz="1200" dirty="0" smtClean="0">
-                <a:latin typeface="Courier New" pitchFamily="49" charset="0"/>
-                <a:cs typeface="Courier New" pitchFamily="49" charset="0"/>
-              </a:rPr>
-              <a:t>(</a:t>
-            </a:r>
-            <a:r>
-              <a:rPr lang="en-US" sz="1200" dirty="0" smtClean="0">
-                <a:latin typeface="Courier New" pitchFamily="49" charset="0"/>
-                <a:cs typeface="Courier New" pitchFamily="49" charset="0"/>
-              </a:rPr>
-              <a:t>fila</a:t>
-            </a:r>
-            <a:r>
-              <a:rPr lang="en-US" sz="1200" dirty="0" smtClean="0">
-                <a:latin typeface="Courier New" pitchFamily="49" charset="0"/>
-                <a:cs typeface="Courier New" pitchFamily="49" charset="0"/>
-              </a:rPr>
-              <a:t>, j);</a:t>
+              <a:t>		funcRemoverPieza(fila, j);</a:t>
             </a:r>
           </a:p>
           <a:p>
@@ -25330,15 +22895,7 @@
           <a:p>
             <a:r>
               <a:rPr lang="en-US" dirty="0" smtClean="0"/>
-              <a:t>¿Que </a:t>
-            </a:r>
-            <a:r>
-              <a:rPr lang="en-US" dirty="0" smtClean="0"/>
-              <a:t>falta</a:t>
-            </a:r>
-            <a:r>
-              <a:rPr lang="en-US" dirty="0" smtClean="0"/>
-              <a:t>?</a:t>
+              <a:t>¿Que falta?</a:t>
             </a:r>
             <a:endParaRPr lang="es-AR" dirty="0"/>
           </a:p>
@@ -25408,147 +22965,7 @@
             </a:pPr>
             <a:r>
               <a:rPr lang="en-US" sz="2400" dirty="0" smtClean="0"/>
-              <a:t>Esto</a:t>
-            </a:r>
-            <a:r>
-              <a:rPr lang="en-US" sz="2400" dirty="0" smtClean="0"/>
-              <a:t> </a:t>
-            </a:r>
-            <a:r>
-              <a:rPr lang="en-US" sz="2400" dirty="0" smtClean="0"/>
-              <a:t>ocurre</a:t>
-            </a:r>
-            <a:r>
-              <a:rPr lang="en-US" sz="2400" dirty="0" smtClean="0"/>
-              <a:t> </a:t>
-            </a:r>
-            <a:r>
-              <a:rPr lang="en-US" sz="2400" dirty="0" smtClean="0"/>
-              <a:t>cuando</a:t>
-            </a:r>
-            <a:r>
-              <a:rPr lang="en-US" sz="2400" dirty="0" smtClean="0"/>
-              <a:t> </a:t>
-            </a:r>
-            <a:r>
-              <a:rPr lang="en-US" sz="2400" dirty="0" smtClean="0"/>
-              <a:t>luego</a:t>
-            </a:r>
-            <a:r>
-              <a:rPr lang="en-US" sz="2400" dirty="0" smtClean="0"/>
-              <a:t> de </a:t>
-            </a:r>
-            <a:r>
-              <a:rPr lang="en-US" sz="2400" dirty="0" smtClean="0"/>
-              <a:t>hacer</a:t>
-            </a:r>
-            <a:r>
-              <a:rPr lang="en-US" sz="2400" dirty="0" smtClean="0"/>
-              <a:t> backtracking, se </a:t>
-            </a:r>
-            <a:r>
-              <a:rPr lang="en-US" sz="2400" dirty="0" smtClean="0"/>
-              <a:t>encuentra</a:t>
-            </a:r>
-            <a:r>
-              <a:rPr lang="en-US" sz="2400" dirty="0" smtClean="0"/>
-              <a:t> en la primer fila (i = 0), en la </a:t>
-            </a:r>
-            <a:r>
-              <a:rPr lang="en-US" sz="2400" dirty="0" smtClean="0"/>
-              <a:t>ultima</a:t>
-            </a:r>
-            <a:r>
-              <a:rPr lang="en-US" sz="2400" dirty="0" smtClean="0"/>
-              <a:t> columna (j = 3), </a:t>
-            </a:r>
-            <a:r>
-              <a:rPr lang="en-US" sz="2400" dirty="0" smtClean="0"/>
-              <a:t>es</a:t>
-            </a:r>
-            <a:r>
-              <a:rPr lang="en-US" sz="2400" dirty="0" smtClean="0"/>
-              <a:t> </a:t>
-            </a:r>
-            <a:r>
-              <a:rPr lang="en-US" sz="2400" dirty="0" smtClean="0"/>
-              <a:t>decir</a:t>
-            </a:r>
-            <a:r>
-              <a:rPr lang="en-US" sz="2400" dirty="0" smtClean="0"/>
-              <a:t>, </a:t>
-            </a:r>
-            <a:r>
-              <a:rPr lang="en-US" sz="2400" dirty="0" smtClean="0"/>
-              <a:t>cuando</a:t>
-            </a:r>
-            <a:r>
-              <a:rPr lang="en-US" sz="2400" dirty="0" smtClean="0"/>
-              <a:t> </a:t>
-            </a:r>
-            <a:r>
-              <a:rPr lang="en-US" sz="2400" dirty="0" smtClean="0"/>
-              <a:t>ya</a:t>
-            </a:r>
-            <a:r>
-              <a:rPr lang="en-US" sz="2400" dirty="0" smtClean="0"/>
-              <a:t> </a:t>
-            </a:r>
-            <a:r>
-              <a:rPr lang="en-US" sz="2400" dirty="0" smtClean="0"/>
-              <a:t>intento</a:t>
-            </a:r>
-            <a:r>
-              <a:rPr lang="en-US" sz="2400" dirty="0" smtClean="0"/>
-              <a:t> </a:t>
-            </a:r>
-            <a:r>
-              <a:rPr lang="en-US" sz="2400" dirty="0" smtClean="0"/>
-              <a:t>todas</a:t>
-            </a:r>
-            <a:r>
-              <a:rPr lang="en-US" sz="2400" dirty="0" smtClean="0"/>
-              <a:t> </a:t>
-            </a:r>
-            <a:r>
-              <a:rPr lang="en-US" sz="2400" dirty="0" smtClean="0"/>
-              <a:t>las</a:t>
-            </a:r>
-            <a:r>
-              <a:rPr lang="en-US" sz="2400" dirty="0" smtClean="0"/>
-              <a:t> </a:t>
-            </a:r>
-            <a:r>
-              <a:rPr lang="en-US" sz="2400" dirty="0" smtClean="0"/>
-              <a:t>posibilidades</a:t>
-            </a:r>
-            <a:r>
-              <a:rPr lang="en-US" sz="2400" dirty="0" smtClean="0"/>
-              <a:t> de la </a:t>
-            </a:r>
-            <a:r>
-              <a:rPr lang="en-US" sz="2400" dirty="0" smtClean="0"/>
-              <a:t>Amazona</a:t>
-            </a:r>
-            <a:r>
-              <a:rPr lang="en-US" sz="2400" dirty="0" smtClean="0"/>
-              <a:t> y no </a:t>
-            </a:r>
-            <a:r>
-              <a:rPr lang="en-US" sz="2400" dirty="0" smtClean="0"/>
-              <a:t>encontro</a:t>
-            </a:r>
-            <a:r>
-              <a:rPr lang="en-US" sz="2400" dirty="0" smtClean="0"/>
-              <a:t> </a:t>
-            </a:r>
-            <a:r>
-              <a:rPr lang="en-US" sz="2400" dirty="0" smtClean="0"/>
-              <a:t>solucion</a:t>
-            </a:r>
-            <a:r>
-              <a:rPr lang="en-US" sz="2400" dirty="0" smtClean="0"/>
-              <a:t> para la primer fila</a:t>
+              <a:t>Esto ocurre cuando luego de hacer backtracking, se encuentra en la primer fila (i = 0), en la ultima columna (j = 3), es decir, cuando ya intento todas las posibilidades de la Amazona y no encontro solucion para la primer fila</a:t>
             </a:r>
             <a:r>
               <a:rPr lang="en-US" sz="2400" dirty="0"/>
@@ -25598,21 +23015,25 @@
                 <a:latin typeface="Courier New" pitchFamily="49" charset="0"/>
                 <a:cs typeface="Courier New" pitchFamily="49" charset="0"/>
               </a:rPr>
-              <a:t>for(</a:t>
-            </a:r>
+              <a:t>for(int j = 0; j &lt; dimension; j ++)</a:t>
+            </a:r>
+          </a:p>
+          <a:p>
             <a:r>
               <a:rPr lang="en-US" dirty="0" smtClean="0">
                 <a:latin typeface="Courier New" pitchFamily="49" charset="0"/>
                 <a:cs typeface="Courier New" pitchFamily="49" charset="0"/>
               </a:rPr>
-              <a:t>int</a:t>
-            </a:r>
+              <a:t>{</a:t>
+            </a:r>
+          </a:p>
+          <a:p>
             <a:r>
               <a:rPr lang="en-US" dirty="0" smtClean="0">
                 <a:latin typeface="Courier New" pitchFamily="49" charset="0"/>
                 <a:cs typeface="Courier New" pitchFamily="49" charset="0"/>
               </a:rPr>
-              <a:t> j = 0; j &lt; dimension; j ++)</a:t>
+              <a:t>	if(arrTablero[fila][j] == 0)</a:t>
             </a:r>
           </a:p>
           <a:p>
@@ -25621,7 +23042,7 @@
                 <a:latin typeface="Courier New" pitchFamily="49" charset="0"/>
                 <a:cs typeface="Courier New" pitchFamily="49" charset="0"/>
               </a:rPr>
-              <a:t>{</a:t>
+              <a:t>	{</a:t>
             </a:r>
           </a:p>
           <a:p>
@@ -25630,155 +23051,25 @@
                 <a:latin typeface="Courier New" pitchFamily="49" charset="0"/>
                 <a:cs typeface="Courier New" pitchFamily="49" charset="0"/>
               </a:rPr>
-              <a:t>	if(</a:t>
-            </a:r>
+              <a:t>		funcAgregarPieza(fila, j);</a:t>
+            </a:r>
+          </a:p>
+          <a:p>
             <a:r>
               <a:rPr lang="en-US" dirty="0" smtClean="0">
                 <a:latin typeface="Courier New" pitchFamily="49" charset="0"/>
                 <a:cs typeface="Courier New" pitchFamily="49" charset="0"/>
               </a:rPr>
-              <a:t>arrTablero</a:t>
-            </a:r>
+              <a:t>		EncontrarColumna(fila + 1);</a:t>
+            </a:r>
+          </a:p>
+          <a:p>
             <a:r>
               <a:rPr lang="en-US" dirty="0" smtClean="0">
                 <a:latin typeface="Courier New" pitchFamily="49" charset="0"/>
                 <a:cs typeface="Courier New" pitchFamily="49" charset="0"/>
               </a:rPr>
-              <a:t>[</a:t>
-            </a:r>
-            <a:r>
-              <a:rPr lang="en-US" dirty="0" smtClean="0">
-                <a:latin typeface="Courier New" pitchFamily="49" charset="0"/>
-                <a:cs typeface="Courier New" pitchFamily="49" charset="0"/>
-              </a:rPr>
-              <a:t>fila</a:t>
-            </a:r>
-            <a:r>
-              <a:rPr lang="en-US" dirty="0" smtClean="0">
-                <a:latin typeface="Courier New" pitchFamily="49" charset="0"/>
-                <a:cs typeface="Courier New" pitchFamily="49" charset="0"/>
-              </a:rPr>
-              <a:t>][j] == 0)</a:t>
-            </a:r>
-          </a:p>
-          <a:p>
-            <a:r>
-              <a:rPr lang="en-US" dirty="0" smtClean="0">
-                <a:latin typeface="Courier New" pitchFamily="49" charset="0"/>
-                <a:cs typeface="Courier New" pitchFamily="49" charset="0"/>
-              </a:rPr>
-              <a:t>	{</a:t>
-            </a:r>
-          </a:p>
-          <a:p>
-            <a:r>
-              <a:rPr lang="en-US" dirty="0" smtClean="0">
-                <a:latin typeface="Courier New" pitchFamily="49" charset="0"/>
-                <a:cs typeface="Courier New" pitchFamily="49" charset="0"/>
-              </a:rPr>
-              <a:t>		</a:t>
-            </a:r>
-            <a:r>
-              <a:rPr lang="en-US" dirty="0" smtClean="0">
-                <a:latin typeface="Courier New" pitchFamily="49" charset="0"/>
-                <a:cs typeface="Courier New" pitchFamily="49" charset="0"/>
-              </a:rPr>
-              <a:t>funcAgregarPieza</a:t>
-            </a:r>
-            <a:r>
-              <a:rPr lang="en-US" dirty="0" smtClean="0">
-                <a:latin typeface="Courier New" pitchFamily="49" charset="0"/>
-                <a:cs typeface="Courier New" pitchFamily="49" charset="0"/>
-              </a:rPr>
-              <a:t>(</a:t>
-            </a:r>
-            <a:r>
-              <a:rPr lang="en-US" dirty="0" smtClean="0">
-                <a:latin typeface="Courier New" pitchFamily="49" charset="0"/>
-                <a:cs typeface="Courier New" pitchFamily="49" charset="0"/>
-              </a:rPr>
-              <a:t>fila</a:t>
-            </a:r>
-            <a:r>
-              <a:rPr lang="en-US" dirty="0" smtClean="0">
-                <a:latin typeface="Courier New" pitchFamily="49" charset="0"/>
-                <a:cs typeface="Courier New" pitchFamily="49" charset="0"/>
-              </a:rPr>
-              <a:t>, j);</a:t>
-            </a:r>
-          </a:p>
-          <a:p>
-            <a:r>
-              <a:rPr lang="en-US" dirty="0" smtClean="0">
-                <a:latin typeface="Courier New" pitchFamily="49" charset="0"/>
-                <a:cs typeface="Courier New" pitchFamily="49" charset="0"/>
-              </a:rPr>
-              <a:t>		</a:t>
-            </a:r>
-            <a:r>
-              <a:rPr lang="en-US" dirty="0" smtClean="0">
-                <a:latin typeface="Courier New" pitchFamily="49" charset="0"/>
-                <a:cs typeface="Courier New" pitchFamily="49" charset="0"/>
-              </a:rPr>
-              <a:t>EncontrarColumna</a:t>
-            </a:r>
-            <a:r>
-              <a:rPr lang="en-US" dirty="0" smtClean="0">
-                <a:latin typeface="Courier New" pitchFamily="49" charset="0"/>
-                <a:cs typeface="Courier New" pitchFamily="49" charset="0"/>
-              </a:rPr>
-              <a:t>(</a:t>
-            </a:r>
-            <a:r>
-              <a:rPr lang="en-US" dirty="0" smtClean="0">
-                <a:latin typeface="Courier New" pitchFamily="49" charset="0"/>
-                <a:cs typeface="Courier New" pitchFamily="49" charset="0"/>
-              </a:rPr>
-              <a:t>fila</a:t>
-            </a:r>
-            <a:r>
-              <a:rPr lang="en-US" dirty="0" smtClean="0">
-                <a:latin typeface="Courier New" pitchFamily="49" charset="0"/>
-                <a:cs typeface="Courier New" pitchFamily="49" charset="0"/>
-              </a:rPr>
-              <a:t> + 1);</a:t>
-            </a:r>
-          </a:p>
-          <a:p>
-            <a:r>
-              <a:rPr lang="en-US" dirty="0" smtClean="0">
-                <a:latin typeface="Courier New" pitchFamily="49" charset="0"/>
-                <a:cs typeface="Courier New" pitchFamily="49" charset="0"/>
-              </a:rPr>
-              <a:t>		</a:t>
-            </a:r>
-            <a:r>
-              <a:rPr lang="en-US" dirty="0" smtClean="0">
-                <a:latin typeface="Courier New" pitchFamily="49" charset="0"/>
-                <a:cs typeface="Courier New" pitchFamily="49" charset="0"/>
-              </a:rPr>
-              <a:t>funcRemoverPieza</a:t>
-            </a:r>
-            <a:r>
-              <a:rPr lang="en-US" dirty="0" smtClean="0">
-                <a:latin typeface="Courier New" pitchFamily="49" charset="0"/>
-                <a:cs typeface="Courier New" pitchFamily="49" charset="0"/>
-              </a:rPr>
-              <a:t>(</a:t>
-            </a:r>
-            <a:r>
-              <a:rPr lang="en-US" dirty="0" smtClean="0">
-                <a:latin typeface="Courier New" pitchFamily="49" charset="0"/>
-                <a:cs typeface="Courier New" pitchFamily="49" charset="0"/>
-              </a:rPr>
-              <a:t>fila</a:t>
-            </a:r>
-            <a:r>
-              <a:rPr lang="en-US" dirty="0" smtClean="0">
-                <a:latin typeface="Courier New" pitchFamily="49" charset="0"/>
-                <a:cs typeface="Courier New" pitchFamily="49" charset="0"/>
-              </a:rPr>
-              <a:t>, j);</a:t>
+              <a:t>		funcRemoverPieza(fila, j);</a:t>
             </a:r>
           </a:p>
           <a:p>
@@ -25800,14 +23091,17 @@
                 <a:latin typeface="Courier New" pitchFamily="49" charset="0"/>
                 <a:cs typeface="Courier New" pitchFamily="49" charset="0"/>
               </a:rPr>
-              <a:t>if</a:t>
-            </a:r>
+              <a:t>if(j == dimension-1 &amp;&amp; fila == 0) </a:t>
+            </a:r>
+          </a:p>
+          <a:p>
+            <a:pPr lvl="4"/>
             <a:r>
               <a:rPr lang="es-AR" b="1" dirty="0" smtClean="0">
                 <a:latin typeface="Courier New" pitchFamily="49" charset="0"/>
                 <a:cs typeface="Courier New" pitchFamily="49" charset="0"/>
               </a:rPr>
-              <a:t>(j == dimension-1 &amp;&amp; fila == 0) </a:t>
+              <a:t>{</a:t>
             </a:r>
           </a:p>
           <a:p>
@@ -25817,45 +23111,7 @@
                 <a:latin typeface="Courier New" pitchFamily="49" charset="0"/>
                 <a:cs typeface="Courier New" pitchFamily="49" charset="0"/>
               </a:rPr>
-              <a:t>{</a:t>
-            </a:r>
-          </a:p>
-          <a:p>
-            <a:pPr lvl="4"/>
-            <a:r>
-              <a:rPr lang="es-AR" b="1" dirty="0" smtClean="0">
-                <a:latin typeface="Courier New" pitchFamily="49" charset="0"/>
-                <a:cs typeface="Courier New" pitchFamily="49" charset="0"/>
-              </a:rPr>
-              <a:t>	</a:t>
-            </a:r>
-            <a:r>
-              <a:rPr lang="es-AR" b="1" dirty="0" smtClean="0">
-                <a:latin typeface="Courier New" pitchFamily="49" charset="0"/>
-                <a:cs typeface="Courier New" pitchFamily="49" charset="0"/>
-              </a:rPr>
-              <a:t>EncontrarColumna</a:t>
-            </a:r>
-            <a:r>
-              <a:rPr lang="es-AR" b="1" dirty="0" smtClean="0">
-                <a:latin typeface="Courier New" pitchFamily="49" charset="0"/>
-                <a:cs typeface="Courier New" pitchFamily="49" charset="0"/>
-              </a:rPr>
-              <a:t>(</a:t>
-            </a:r>
-            <a:r>
-              <a:rPr lang="es-AR" b="1" dirty="0" smtClean="0">
-                <a:latin typeface="Courier New" pitchFamily="49" charset="0"/>
-                <a:cs typeface="Courier New" pitchFamily="49" charset="0"/>
-              </a:rPr>
-              <a:t>dimension</a:t>
-            </a:r>
-            <a:r>
-              <a:rPr lang="es-AR" b="1" dirty="0" smtClean="0">
-                <a:latin typeface="Courier New" pitchFamily="49" charset="0"/>
-                <a:cs typeface="Courier New" pitchFamily="49" charset="0"/>
-              </a:rPr>
-              <a:t>);</a:t>
+              <a:t>	EncontrarColumna(dimension);</a:t>
             </a:r>
           </a:p>
           <a:p>
@@ -25984,21 +23240,25 @@
                 <a:latin typeface="Courier New" pitchFamily="49" charset="0"/>
                 <a:cs typeface="Courier New" pitchFamily="49" charset="0"/>
               </a:rPr>
-              <a:t>for(</a:t>
-            </a:r>
+              <a:t>for(int j = 0; j &lt; dimension; j ++)</a:t>
+            </a:r>
+          </a:p>
+          <a:p>
             <a:r>
               <a:rPr lang="en-US" sz="1100" dirty="0" smtClean="0">
                 <a:latin typeface="Courier New" pitchFamily="49" charset="0"/>
                 <a:cs typeface="Courier New" pitchFamily="49" charset="0"/>
               </a:rPr>
-              <a:t>int</a:t>
-            </a:r>
+              <a:t>{</a:t>
+            </a:r>
+          </a:p>
+          <a:p>
             <a:r>
               <a:rPr lang="en-US" sz="1100" dirty="0" smtClean="0">
                 <a:latin typeface="Courier New" pitchFamily="49" charset="0"/>
                 <a:cs typeface="Courier New" pitchFamily="49" charset="0"/>
               </a:rPr>
-              <a:t> j = 0; j &lt; dimension; j ++)</a:t>
+              <a:t>	if(arrTablero[fila][j] == 0)</a:t>
             </a:r>
           </a:p>
           <a:p>
@@ -26007,7 +23267,7 @@
                 <a:latin typeface="Courier New" pitchFamily="49" charset="0"/>
                 <a:cs typeface="Courier New" pitchFamily="49" charset="0"/>
               </a:rPr>
-              <a:t>{</a:t>
+              <a:t>	{</a:t>
             </a:r>
           </a:p>
           <a:p>
@@ -26016,155 +23276,25 @@
                 <a:latin typeface="Courier New" pitchFamily="49" charset="0"/>
                 <a:cs typeface="Courier New" pitchFamily="49" charset="0"/>
               </a:rPr>
-              <a:t>	if(</a:t>
-            </a:r>
+              <a:t>		funcAgregarPieza(fila, j);</a:t>
+            </a:r>
+          </a:p>
+          <a:p>
             <a:r>
               <a:rPr lang="en-US" sz="1100" dirty="0" smtClean="0">
                 <a:latin typeface="Courier New" pitchFamily="49" charset="0"/>
                 <a:cs typeface="Courier New" pitchFamily="49" charset="0"/>
               </a:rPr>
-              <a:t>arrTablero</a:t>
-            </a:r>
+              <a:t>		EncontrarColumna(fila + 1);</a:t>
+            </a:r>
+          </a:p>
+          <a:p>
             <a:r>
               <a:rPr lang="en-US" sz="1100" dirty="0" smtClean="0">
                 <a:latin typeface="Courier New" pitchFamily="49" charset="0"/>
                 <a:cs typeface="Courier New" pitchFamily="49" charset="0"/>
               </a:rPr>
-              <a:t>[</a:t>
-            </a:r>
-            <a:r>
-              <a:rPr lang="en-US" sz="1100" dirty="0" smtClean="0">
-                <a:latin typeface="Courier New" pitchFamily="49" charset="0"/>
-                <a:cs typeface="Courier New" pitchFamily="49" charset="0"/>
-              </a:rPr>
-              <a:t>fila</a:t>
-            </a:r>
-            <a:r>
-              <a:rPr lang="en-US" sz="1100" dirty="0" smtClean="0">
-                <a:latin typeface="Courier New" pitchFamily="49" charset="0"/>
-                <a:cs typeface="Courier New" pitchFamily="49" charset="0"/>
-              </a:rPr>
-              <a:t>][j] == 0)</a:t>
-            </a:r>
-          </a:p>
-          <a:p>
-            <a:r>
-              <a:rPr lang="en-US" sz="1100" dirty="0" smtClean="0">
-                <a:latin typeface="Courier New" pitchFamily="49" charset="0"/>
-                <a:cs typeface="Courier New" pitchFamily="49" charset="0"/>
-              </a:rPr>
-              <a:t>	{</a:t>
-            </a:r>
-          </a:p>
-          <a:p>
-            <a:r>
-              <a:rPr lang="en-US" sz="1100" dirty="0" smtClean="0">
-                <a:latin typeface="Courier New" pitchFamily="49" charset="0"/>
-                <a:cs typeface="Courier New" pitchFamily="49" charset="0"/>
-              </a:rPr>
-              <a:t>		</a:t>
-            </a:r>
-            <a:r>
-              <a:rPr lang="en-US" sz="1100" dirty="0" smtClean="0">
-                <a:latin typeface="Courier New" pitchFamily="49" charset="0"/>
-                <a:cs typeface="Courier New" pitchFamily="49" charset="0"/>
-              </a:rPr>
-              <a:t>funcAgregarPieza</a:t>
-            </a:r>
-            <a:r>
-              <a:rPr lang="en-US" sz="1100" dirty="0" smtClean="0">
-                <a:latin typeface="Courier New" pitchFamily="49" charset="0"/>
-                <a:cs typeface="Courier New" pitchFamily="49" charset="0"/>
-              </a:rPr>
-              <a:t>(</a:t>
-            </a:r>
-            <a:r>
-              <a:rPr lang="en-US" sz="1100" dirty="0" smtClean="0">
-                <a:latin typeface="Courier New" pitchFamily="49" charset="0"/>
-                <a:cs typeface="Courier New" pitchFamily="49" charset="0"/>
-              </a:rPr>
-              <a:t>fila</a:t>
-            </a:r>
-            <a:r>
-              <a:rPr lang="en-US" sz="1100" dirty="0" smtClean="0">
-                <a:latin typeface="Courier New" pitchFamily="49" charset="0"/>
-                <a:cs typeface="Courier New" pitchFamily="49" charset="0"/>
-              </a:rPr>
-              <a:t>, j);</a:t>
-            </a:r>
-          </a:p>
-          <a:p>
-            <a:r>
-              <a:rPr lang="en-US" sz="1100" dirty="0" smtClean="0">
-                <a:latin typeface="Courier New" pitchFamily="49" charset="0"/>
-                <a:cs typeface="Courier New" pitchFamily="49" charset="0"/>
-              </a:rPr>
-              <a:t>		</a:t>
-            </a:r>
-            <a:r>
-              <a:rPr lang="en-US" sz="1100" dirty="0" smtClean="0">
-                <a:latin typeface="Courier New" pitchFamily="49" charset="0"/>
-                <a:cs typeface="Courier New" pitchFamily="49" charset="0"/>
-              </a:rPr>
-              <a:t>EncontrarColumna</a:t>
-            </a:r>
-            <a:r>
-              <a:rPr lang="en-US" sz="1100" dirty="0" smtClean="0">
-                <a:latin typeface="Courier New" pitchFamily="49" charset="0"/>
-                <a:cs typeface="Courier New" pitchFamily="49" charset="0"/>
-              </a:rPr>
-              <a:t>(</a:t>
-            </a:r>
-            <a:r>
-              <a:rPr lang="en-US" sz="1100" dirty="0" smtClean="0">
-                <a:latin typeface="Courier New" pitchFamily="49" charset="0"/>
-                <a:cs typeface="Courier New" pitchFamily="49" charset="0"/>
-              </a:rPr>
-              <a:t>fila</a:t>
-            </a:r>
-            <a:r>
-              <a:rPr lang="en-US" sz="1100" dirty="0" smtClean="0">
-                <a:latin typeface="Courier New" pitchFamily="49" charset="0"/>
-                <a:cs typeface="Courier New" pitchFamily="49" charset="0"/>
-              </a:rPr>
-              <a:t> + 1);</a:t>
-            </a:r>
-          </a:p>
-          <a:p>
-            <a:r>
-              <a:rPr lang="en-US" sz="1100" dirty="0" smtClean="0">
-                <a:latin typeface="Courier New" pitchFamily="49" charset="0"/>
-                <a:cs typeface="Courier New" pitchFamily="49" charset="0"/>
-              </a:rPr>
-              <a:t>		</a:t>
-            </a:r>
-            <a:r>
-              <a:rPr lang="en-US" sz="1100" dirty="0" smtClean="0">
-                <a:latin typeface="Courier New" pitchFamily="49" charset="0"/>
-                <a:cs typeface="Courier New" pitchFamily="49" charset="0"/>
-              </a:rPr>
-              <a:t>funcRemoverPieza</a:t>
-            </a:r>
-            <a:r>
-              <a:rPr lang="en-US" sz="1100" dirty="0" smtClean="0">
-                <a:latin typeface="Courier New" pitchFamily="49" charset="0"/>
-                <a:cs typeface="Courier New" pitchFamily="49" charset="0"/>
-              </a:rPr>
-              <a:t>(</a:t>
-            </a:r>
-            <a:r>
-              <a:rPr lang="en-US" sz="1100" dirty="0" smtClean="0">
-                <a:latin typeface="Courier New" pitchFamily="49" charset="0"/>
-                <a:cs typeface="Courier New" pitchFamily="49" charset="0"/>
-              </a:rPr>
-              <a:t>fila</a:t>
-            </a:r>
-            <a:r>
-              <a:rPr lang="en-US" sz="1100" dirty="0" smtClean="0">
-                <a:latin typeface="Courier New" pitchFamily="49" charset="0"/>
-                <a:cs typeface="Courier New" pitchFamily="49" charset="0"/>
-              </a:rPr>
-              <a:t>, j);</a:t>
+              <a:t>		funcRemoverPieza(fila, j);</a:t>
             </a:r>
           </a:p>
           <a:p>
@@ -27304,15 +24434,7 @@
           <a:p>
             <a:r>
               <a:rPr lang="en-US" dirty="0" smtClean="0"/>
-              <a:t>Backtracking </a:t>
-            </a:r>
-            <a:r>
-              <a:rPr lang="en-US" dirty="0" smtClean="0"/>
-              <a:t>recursivo</a:t>
-            </a:r>
-            <a:r>
-              <a:rPr lang="en-US" dirty="0" smtClean="0"/>
-              <a:t> en general</a:t>
+              <a:t>Backtracking recursivo en general</a:t>
             </a:r>
             <a:endParaRPr lang="es-AR" dirty="0"/>
           </a:p>
@@ -27337,67 +24459,15 @@
           <a:p>
             <a:r>
               <a:rPr lang="en-US" dirty="0" smtClean="0"/>
-              <a:t>Util</a:t>
+              <a:t>Util para resolver </a:t>
+            </a:r>
+            <a:r>
+              <a:rPr lang="en-US" i="1" dirty="0" smtClean="0"/>
+              <a:t>problemas atados a constantes</a:t>
             </a:r>
             <a:r>
               <a:rPr lang="en-US" dirty="0" smtClean="0"/>
-              <a:t> para resolver </a:t>
-            </a:r>
-            <a:r>
-              <a:rPr lang="en-US" i="1" dirty="0" smtClean="0"/>
-              <a:t>problemas</a:t>
-            </a:r>
-            <a:r>
-              <a:rPr lang="en-US" i="1" dirty="0" smtClean="0"/>
-              <a:t> </a:t>
-            </a:r>
-            <a:r>
-              <a:rPr lang="en-US" i="1" dirty="0" smtClean="0"/>
-              <a:t>atados</a:t>
-            </a:r>
-            <a:r>
-              <a:rPr lang="en-US" i="1" dirty="0" smtClean="0"/>
-              <a:t> a </a:t>
-            </a:r>
-            <a:r>
-              <a:rPr lang="en-US" i="1" dirty="0" smtClean="0"/>
-              <a:t>constantes</a:t>
-            </a:r>
-            <a:r>
-              <a:rPr lang="en-US" dirty="0" smtClean="0"/>
-              <a:t> que </a:t>
-            </a:r>
-            <a:r>
-              <a:rPr lang="en-US" dirty="0" smtClean="0"/>
-              <a:t>involucren</a:t>
-            </a:r>
-            <a:r>
-              <a:rPr lang="en-US" dirty="0" smtClean="0"/>
-              <a:t> </a:t>
-            </a:r>
-            <a:r>
-              <a:rPr lang="en-US" dirty="0" smtClean="0"/>
-              <a:t>asignar</a:t>
-            </a:r>
-            <a:r>
-              <a:rPr lang="en-US" dirty="0" smtClean="0"/>
-              <a:t> valores a variables en base a un </a:t>
-            </a:r>
-            <a:r>
-              <a:rPr lang="en-US" dirty="0" smtClean="0"/>
-              <a:t>conjunto</a:t>
-            </a:r>
-            <a:r>
-              <a:rPr lang="en-US" dirty="0" smtClean="0"/>
-              <a:t> de </a:t>
-            </a:r>
-            <a:r>
-              <a:rPr lang="en-US" dirty="0" smtClean="0"/>
-              <a:t>constantes</a:t>
-            </a:r>
-            <a:r>
-              <a:rPr lang="en-US" dirty="0" smtClean="0"/>
-              <a:t>.</a:t>
+              <a:t> que involucren asignar valores a variables en base a un conjunto de constantes.</a:t>
             </a:r>
           </a:p>
           <a:p>
@@ -27411,66 +24481,22 @@
             <a:pPr lvl="2"/>
             <a:r>
               <a:rPr lang="en-US" dirty="0" smtClean="0"/>
-              <a:t>Variables: La </a:t>
-            </a:r>
+              <a:t>Variables: La posicicon de la amazona en cada fila</a:t>
+            </a:r>
+          </a:p>
+          <a:p>
+            <a:pPr lvl="2"/>
             <a:r>
               <a:rPr lang="en-US" dirty="0" smtClean="0"/>
-              <a:t>posicicon</a:t>
+              <a:t>Constantes: No van a haber dos </a:t>
             </a:r>
             <a:r>
               <a:rPr lang="en-US" dirty="0" smtClean="0"/>
-              <a:t> de la </a:t>
+              <a:t>amazonas en </a:t>
             </a:r>
             <a:r>
               <a:rPr lang="en-US" dirty="0" smtClean="0"/>
-              <a:t>amazona</a:t>
-            </a:r>
-            <a:r>
-              <a:rPr lang="en-US" dirty="0" smtClean="0"/>
-              <a:t> en cada fila</a:t>
-            </a:r>
-          </a:p>
-          <a:p>
-            <a:pPr lvl="2"/>
-            <a:r>
-              <a:rPr lang="en-US" dirty="0" smtClean="0"/>
-              <a:t>Constantes</a:t>
-            </a:r>
-            <a:r>
-              <a:rPr lang="en-US" dirty="0" smtClean="0"/>
-              <a:t>: No van a </a:t>
-            </a:r>
-            <a:r>
-              <a:rPr lang="en-US" dirty="0" smtClean="0"/>
-              <a:t>haber</a:t>
-            </a:r>
-            <a:r>
-              <a:rPr lang="en-US" dirty="0" smtClean="0"/>
-              <a:t> dos </a:t>
-            </a:r>
-            <a:r>
-              <a:rPr lang="en-US" dirty="0" smtClean="0"/>
-              <a:t>reinas</a:t>
-            </a:r>
-            <a:r>
-              <a:rPr lang="en-US" dirty="0" smtClean="0"/>
-              <a:t> en la misma fila, columna, diagonal y en la </a:t>
-            </a:r>
-            <a:r>
-              <a:rPr lang="en-US" dirty="0" smtClean="0"/>
-              <a:t>zonas</a:t>
-            </a:r>
-            <a:r>
-              <a:rPr lang="en-US" dirty="0" smtClean="0"/>
-              <a:t> de </a:t>
-            </a:r>
-            <a:r>
-              <a:rPr lang="en-US" dirty="0" smtClean="0"/>
-              <a:t>caballos</a:t>
-            </a:r>
-            <a:r>
-              <a:rPr lang="en-US" dirty="0" smtClean="0"/>
-              <a:t>.</a:t>
+              <a:t>la misma fila, columna, diagonal y en la zonas de caballos.</a:t>
             </a:r>
           </a:p>
           <a:p>
@@ -27482,15 +24508,7 @@
           <a:p>
             <a:r>
               <a:rPr lang="en-US" dirty="0" smtClean="0"/>
-              <a:t>El backtracking reduce el #n de </a:t>
-            </a:r>
-            <a:r>
-              <a:rPr lang="en-US" dirty="0" smtClean="0"/>
-              <a:t>posible</a:t>
-            </a:r>
-            <a:r>
-              <a:rPr lang="en-US" dirty="0" smtClean="0"/>
-              <a:t> asignamientos de valores que consideramos, porque nunca va a considerar asignamientos invalidos. </a:t>
+              <a:t>El backtracking reduce el #n de posible asignamientos de valores que consideramos, porque nunca va a considerar asignamientos invalidos. </a:t>
             </a:r>
           </a:p>
           <a:p>
@@ -27591,212 +24609,43 @@
           <a:p>
             <a:r>
               <a:rPr lang="en-US" dirty="0" smtClean="0"/>
-              <a:t>Algunos algoritmos son muchos mas faciles de implementar </a:t>
-            </a:r>
+              <a:t>Algunos algoritmos son muchos mas faciles de implementar utilizando recursion y no iteracion</a:t>
+            </a:r>
+          </a:p>
+          <a:p>
             <a:r>
               <a:rPr lang="en-US" dirty="0" smtClean="0"/>
-              <a:t>utilizando</a:t>
-            </a:r>
+              <a:t>Algunas estructuras de datos se prestan para los algoritmos recursivos.</a:t>
+            </a:r>
+          </a:p>
+          <a:p>
             <a:r>
               <a:rPr lang="en-US" dirty="0" smtClean="0"/>
-              <a:t> recursion y no </a:t>
-            </a:r>
+              <a:t>La recursion es un poco mas costosa</a:t>
+            </a:r>
+            <a:endParaRPr lang="en-US" dirty="0"/>
+          </a:p>
+          <a:p>
+            <a:endParaRPr lang="en-US" dirty="0" smtClean="0"/>
+          </a:p>
+          <a:p>
             <a:r>
               <a:rPr lang="en-US" dirty="0" smtClean="0"/>
-              <a:t>iteracion</a:t>
-            </a:r>
-            <a:endParaRPr lang="en-US" dirty="0" smtClean="0"/>
-          </a:p>
-          <a:p>
+              <a:t>Regla de oro:</a:t>
+            </a:r>
+          </a:p>
+          <a:p>
+            <a:pPr lvl="1"/>
             <a:r>
               <a:rPr lang="en-US" dirty="0" smtClean="0"/>
-              <a:t>Algunas</a:t>
-            </a:r>
+              <a:t>Si es mas facil formular una solucion recursiva, hacerlo salvo que el costo de la misma sea demasiado alto.</a:t>
+            </a:r>
+          </a:p>
+          <a:p>
+            <a:pPr lvl="1"/>
             <a:r>
               <a:rPr lang="en-US" dirty="0" smtClean="0"/>
-              <a:t> </a:t>
-            </a:r>
-            <a:r>
-              <a:rPr lang="en-US" dirty="0" smtClean="0"/>
-              <a:t>estructuras</a:t>
-            </a:r>
-            <a:r>
-              <a:rPr lang="en-US" dirty="0" smtClean="0"/>
-              <a:t> de </a:t>
-            </a:r>
-            <a:r>
-              <a:rPr lang="en-US" dirty="0" smtClean="0"/>
-              <a:t>datos</a:t>
-            </a:r>
-            <a:r>
-              <a:rPr lang="en-US" dirty="0" smtClean="0"/>
-              <a:t> se </a:t>
-            </a:r>
-            <a:r>
-              <a:rPr lang="en-US" dirty="0" smtClean="0"/>
-              <a:t>prestan</a:t>
-            </a:r>
-            <a:r>
-              <a:rPr lang="en-US" dirty="0" smtClean="0"/>
-              <a:t> para los algoritmos </a:t>
-            </a:r>
-            <a:r>
-              <a:rPr lang="en-US" dirty="0" smtClean="0"/>
-              <a:t>recursivos</a:t>
-            </a:r>
-            <a:r>
-              <a:rPr lang="en-US" dirty="0" smtClean="0"/>
-              <a:t>.</a:t>
-            </a:r>
-          </a:p>
-          <a:p>
-            <a:r>
-              <a:rPr lang="en-US" dirty="0" smtClean="0"/>
-              <a:t>La recursion </a:t>
-            </a:r>
-            <a:r>
-              <a:rPr lang="en-US" dirty="0" smtClean="0"/>
-              <a:t>es</a:t>
-            </a:r>
-            <a:r>
-              <a:rPr lang="en-US" dirty="0" smtClean="0"/>
-              <a:t> un </a:t>
-            </a:r>
-            <a:r>
-              <a:rPr lang="en-US" dirty="0" smtClean="0"/>
-              <a:t>poco</a:t>
-            </a:r>
-            <a:r>
-              <a:rPr lang="en-US" dirty="0" smtClean="0"/>
-              <a:t> mas </a:t>
-            </a:r>
-            <a:r>
-              <a:rPr lang="en-US" dirty="0" smtClean="0"/>
-              <a:t>costosa</a:t>
-            </a:r>
-            <a:endParaRPr lang="en-US" dirty="0"/>
-          </a:p>
-          <a:p>
-            <a:endParaRPr lang="en-US" dirty="0" smtClean="0"/>
-          </a:p>
-          <a:p>
-            <a:r>
-              <a:rPr lang="en-US" dirty="0" smtClean="0"/>
-              <a:t>Regla</a:t>
-            </a:r>
-            <a:r>
-              <a:rPr lang="en-US" dirty="0" smtClean="0"/>
-              <a:t> de </a:t>
-            </a:r>
-            <a:r>
-              <a:rPr lang="en-US" dirty="0" smtClean="0"/>
-              <a:t>oro</a:t>
-            </a:r>
-            <a:r>
-              <a:rPr lang="en-US" dirty="0" smtClean="0"/>
-              <a:t>:</a:t>
-            </a:r>
-          </a:p>
-          <a:p>
-            <a:pPr lvl="1"/>
-            <a:r>
-              <a:rPr lang="en-US" dirty="0" smtClean="0"/>
-              <a:t>Si </a:t>
-            </a:r>
-            <a:r>
-              <a:rPr lang="en-US" dirty="0" smtClean="0"/>
-              <a:t>es</a:t>
-            </a:r>
-            <a:r>
-              <a:rPr lang="en-US" dirty="0" smtClean="0"/>
-              <a:t> mas </a:t>
-            </a:r>
-            <a:r>
-              <a:rPr lang="en-US" dirty="0" smtClean="0"/>
-              <a:t>facil</a:t>
-            </a:r>
-            <a:r>
-              <a:rPr lang="en-US" dirty="0" smtClean="0"/>
-              <a:t> </a:t>
-            </a:r>
-            <a:r>
-              <a:rPr lang="en-US" dirty="0" smtClean="0"/>
-              <a:t>formular</a:t>
-            </a:r>
-            <a:r>
-              <a:rPr lang="en-US" dirty="0" smtClean="0"/>
-              <a:t> una </a:t>
-            </a:r>
-            <a:r>
-              <a:rPr lang="en-US" dirty="0" smtClean="0"/>
-              <a:t>solucion</a:t>
-            </a:r>
-            <a:r>
-              <a:rPr lang="en-US" dirty="0" smtClean="0"/>
-              <a:t> </a:t>
-            </a:r>
-            <a:r>
-              <a:rPr lang="en-US" dirty="0" smtClean="0"/>
-              <a:t>recursiva</a:t>
-            </a:r>
-            <a:r>
-              <a:rPr lang="en-US" dirty="0" smtClean="0"/>
-              <a:t>, </a:t>
-            </a:r>
-            <a:r>
-              <a:rPr lang="en-US" dirty="0" smtClean="0"/>
-              <a:t>hacerlo</a:t>
-            </a:r>
-            <a:r>
-              <a:rPr lang="en-US" dirty="0" smtClean="0"/>
-              <a:t> salvo que el </a:t>
-            </a:r>
-            <a:r>
-              <a:rPr lang="en-US" dirty="0" smtClean="0"/>
-              <a:t>costo</a:t>
-            </a:r>
-            <a:r>
-              <a:rPr lang="en-US" dirty="0" smtClean="0"/>
-              <a:t> de la misma sea </a:t>
-            </a:r>
-            <a:r>
-              <a:rPr lang="en-US" dirty="0" smtClean="0"/>
-              <a:t>demasiado</a:t>
-            </a:r>
-            <a:r>
-              <a:rPr lang="en-US" dirty="0" smtClean="0"/>
-              <a:t> alto.</a:t>
-            </a:r>
-          </a:p>
-          <a:p>
-            <a:pPr lvl="1"/>
-            <a:r>
-              <a:rPr lang="en-US" dirty="0" smtClean="0"/>
-              <a:t>Usar </a:t>
-            </a:r>
-            <a:r>
-              <a:rPr lang="en-US" dirty="0" smtClean="0"/>
-              <a:t>iteraciones</a:t>
-            </a:r>
-            <a:r>
-              <a:rPr lang="en-US" dirty="0" smtClean="0"/>
-              <a:t> de </a:t>
-            </a:r>
-            <a:r>
-              <a:rPr lang="en-US" dirty="0" smtClean="0"/>
-              <a:t>manera</a:t>
-            </a:r>
-            <a:r>
-              <a:rPr lang="en-US" dirty="0" smtClean="0"/>
-              <a:t> </a:t>
-            </a:r>
-            <a:r>
-              <a:rPr lang="en-US" dirty="0" smtClean="0"/>
-              <a:t>contraria</a:t>
-            </a:r>
-            <a:r>
-              <a:rPr lang="en-US" dirty="0" smtClean="0"/>
-              <a:t>.</a:t>
+              <a:t>Usar iteraciones de manera contraria.</a:t>
             </a:r>
             <a:endParaRPr lang="es-AR" dirty="0"/>
           </a:p>
@@ -27856,23 +24705,7 @@
           <a:p>
             <a:r>
               <a:rPr lang="en-US" dirty="0" smtClean="0"/>
-              <a:t>Manejando</a:t>
-            </a:r>
-            <a:r>
-              <a:rPr lang="en-US" dirty="0" smtClean="0"/>
-              <a:t> </a:t>
-            </a:r>
-            <a:r>
-              <a:rPr lang="en-US" dirty="0" smtClean="0"/>
-              <a:t>las</a:t>
-            </a:r>
-            <a:r>
-              <a:rPr lang="en-US" dirty="0" smtClean="0"/>
-              <a:t> </a:t>
-            </a:r>
-            <a:r>
-              <a:rPr lang="en-US" dirty="0" smtClean="0"/>
-              <a:t>Piezas</a:t>
+              <a:t>Manejando las Piezas</a:t>
             </a:r>
             <a:endParaRPr lang="es-AR" dirty="0"/>
           </a:p>
@@ -27895,35 +24728,7 @@
           <a:p>
             <a:r>
               <a:rPr lang="es-AR" dirty="0" smtClean="0"/>
-              <a:t>int</a:t>
-            </a:r>
-            <a:r>
-              <a:rPr lang="es-AR" dirty="0" smtClean="0"/>
-              <a:t> </a:t>
-            </a:r>
-            <a:r>
-              <a:rPr lang="es-AR" dirty="0" smtClean="0"/>
-              <a:t>funcAgregarPieza</a:t>
-            </a:r>
-            <a:r>
-              <a:rPr lang="es-AR" dirty="0" smtClean="0"/>
-              <a:t>(</a:t>
-            </a:r>
-            <a:r>
-              <a:rPr lang="es-AR" dirty="0" smtClean="0"/>
-              <a:t>int</a:t>
-            </a:r>
-            <a:r>
-              <a:rPr lang="es-AR" dirty="0" smtClean="0"/>
-              <a:t> fila, </a:t>
-            </a:r>
-            <a:r>
-              <a:rPr lang="es-AR" dirty="0" smtClean="0"/>
-              <a:t>int</a:t>
-            </a:r>
-            <a:r>
-              <a:rPr lang="es-AR" dirty="0" smtClean="0"/>
-              <a:t> columna)</a:t>
+              <a:t>int funcAgregarPieza(int fila, int columna)</a:t>
             </a:r>
           </a:p>
           <a:p>
@@ -27936,78 +24741,14 @@
             </a:r>
             <a:r>
               <a:rPr lang="en-US" dirty="0" smtClean="0"/>
-              <a:t>nt</a:t>
-            </a:r>
-            <a:r>
-              <a:rPr lang="en-US" dirty="0" smtClean="0"/>
-              <a:t> </a:t>
-            </a:r>
-            <a:r>
-              <a:rPr lang="en-US" dirty="0" smtClean="0"/>
-              <a:t>funcVerificarPieza</a:t>
-            </a:r>
-            <a:r>
-              <a:rPr lang="en-US" dirty="0" smtClean="0"/>
-              <a:t>(</a:t>
-            </a:r>
-            <a:r>
-              <a:rPr lang="en-US" dirty="0" smtClean="0"/>
-              <a:t>int</a:t>
-            </a:r>
-            <a:r>
-              <a:rPr lang="en-US" dirty="0" smtClean="0"/>
-              <a:t> fila, </a:t>
-            </a:r>
-            <a:r>
-              <a:rPr lang="en-US" dirty="0" smtClean="0"/>
-              <a:t>int</a:t>
-            </a:r>
-            <a:r>
-              <a:rPr lang="en-US" dirty="0" smtClean="0"/>
-              <a:t> columna)</a:t>
+              <a:t>nt funcVerificarPieza(int fila, int columna)</a:t>
             </a:r>
           </a:p>
           <a:p>
             <a:pPr lvl="1"/>
             <a:r>
               <a:rPr lang="en-US" sz="2000" dirty="0" smtClean="0"/>
-              <a:t>Retorna</a:t>
-            </a:r>
-            <a:r>
-              <a:rPr lang="en-US" sz="2000" dirty="0" smtClean="0"/>
-              <a:t> 0 </a:t>
-            </a:r>
-            <a:r>
-              <a:rPr lang="en-US" sz="2000" dirty="0" smtClean="0"/>
-              <a:t>si</a:t>
-            </a:r>
-            <a:r>
-              <a:rPr lang="en-US" sz="2000" dirty="0" smtClean="0"/>
-              <a:t> la no hay </a:t>
-            </a:r>
-            <a:r>
-              <a:rPr lang="en-US" sz="2000" dirty="0" smtClean="0"/>
-              <a:t>lugar</a:t>
-            </a:r>
-            <a:r>
-              <a:rPr lang="en-US" sz="2000" dirty="0" smtClean="0"/>
-              <a:t> para una </a:t>
-            </a:r>
-            <a:r>
-              <a:rPr lang="en-US" sz="2000" dirty="0" smtClean="0"/>
-              <a:t>pieza</a:t>
-            </a:r>
-            <a:r>
-              <a:rPr lang="en-US" sz="2000" dirty="0" smtClean="0"/>
-              <a:t> en la fila y columna </a:t>
-            </a:r>
-            <a:r>
-              <a:rPr lang="en-US" sz="2000" dirty="0" smtClean="0"/>
-              <a:t>pedida</a:t>
-            </a:r>
-            <a:r>
-              <a:rPr lang="en-US" sz="2000" dirty="0" smtClean="0"/>
-              <a:t>.</a:t>
+              <a:t>Retorna 0 si la no hay lugar para una pieza en la fila y columna pedida.</a:t>
             </a:r>
           </a:p>
           <a:p>
@@ -28021,31 +24762,7 @@
             </a:r>
             <a:r>
               <a:rPr lang="en-US" dirty="0" smtClean="0"/>
-              <a:t>oid </a:t>
-            </a:r>
-            <a:r>
-              <a:rPr lang="en-US" dirty="0" smtClean="0"/>
-              <a:t>funcRemoverPieza</a:t>
-            </a:r>
-            <a:r>
-              <a:rPr lang="en-US" dirty="0" smtClean="0"/>
-              <a:t>(</a:t>
-            </a:r>
-            <a:r>
-              <a:rPr lang="en-US" dirty="0" smtClean="0"/>
-              <a:t>int</a:t>
-            </a:r>
-            <a:r>
-              <a:rPr lang="en-US" dirty="0" smtClean="0"/>
-              <a:t> fila, </a:t>
-            </a:r>
-            <a:r>
-              <a:rPr lang="en-US" dirty="0" smtClean="0"/>
-              <a:t>int</a:t>
-            </a:r>
-            <a:r>
-              <a:rPr lang="en-US" dirty="0" smtClean="0"/>
-              <a:t> columna)</a:t>
+              <a:t>oid funcRemoverPieza(int fila, int columna)</a:t>
             </a:r>
           </a:p>
         </p:txBody>
@@ -28104,11 +24821,7 @@
           <a:p>
             <a:r>
               <a:rPr lang="en-US" dirty="0" smtClean="0"/>
-              <a:t>Mas </a:t>
-            </a:r>
-            <a:r>
-              <a:rPr lang="en-US" dirty="0" smtClean="0"/>
-              <a:t>recursos</a:t>
+              <a:t>Mas recursos</a:t>
             </a:r>
             <a:endParaRPr lang="es-AR" dirty="0"/>
           </a:p>
@@ -28131,11 +24844,7 @@
           <a:p>
             <a:r>
               <a:rPr lang="en-US" dirty="0" smtClean="0"/>
-              <a:t>Fuente</a:t>
-            </a:r>
-            <a:r>
-              <a:rPr lang="en-US" dirty="0" smtClean="0"/>
-              <a:t>: </a:t>
+              <a:t>Fuente: </a:t>
             </a:r>
           </a:p>
           <a:p>
@@ -28151,23 +24860,7 @@
           <a:p>
             <a:r>
               <a:rPr lang="en-US" sz="2400" dirty="0" smtClean="0"/>
-              <a:t>Codigo</a:t>
-            </a:r>
-            <a:r>
-              <a:rPr lang="en-US" sz="2400" dirty="0" smtClean="0"/>
-              <a:t> base </a:t>
-            </a:r>
-            <a:r>
-              <a:rPr lang="en-US" sz="2400" dirty="0" smtClean="0"/>
-              <a:t>utilizado</a:t>
-            </a:r>
-            <a:r>
-              <a:rPr lang="en-US" sz="2400" dirty="0" smtClean="0"/>
-              <a:t> + PPT </a:t>
-            </a:r>
-            <a:r>
-              <a:rPr lang="en-US" sz="2400" dirty="0" smtClean="0"/>
-              <a:t>presentada</a:t>
+              <a:t>Codigo base utilizado + PPT presentada</a:t>
             </a:r>
             <a:endParaRPr lang="en-US" sz="2400" dirty="0"/>
           </a:p>
@@ -28246,19 +24939,7 @@
           <a:p>
             <a:r>
               <a:rPr lang="en-US" dirty="0" smtClean="0"/>
-              <a:t>Agregando</a:t>
-            </a:r>
-            <a:r>
-              <a:rPr lang="en-US" dirty="0" smtClean="0"/>
-              <a:t> </a:t>
-            </a:r>
-            <a:r>
-              <a:rPr lang="en-US" dirty="0" smtClean="0"/>
-              <a:t>las</a:t>
-            </a:r>
-            <a:r>
-              <a:rPr lang="en-US" dirty="0" smtClean="0"/>
-              <a:t> Amazonas</a:t>
+              <a:t>Agregando las Amazonas</a:t>
             </a:r>
             <a:endParaRPr lang="es-AR" dirty="0"/>
           </a:p>
@@ -28304,56 +24985,77 @@
                 <a:latin typeface="Courier New" pitchFamily="49" charset="0"/>
                 <a:cs typeface="Courier New" pitchFamily="49" charset="0"/>
               </a:rPr>
-              <a:t>int</a:t>
-            </a:r>
+              <a:t>int funcAgregarPieza(int fila, int columna)</a:t>
+            </a:r>
+          </a:p>
+          <a:p>
             <a:r>
               <a:rPr lang="en-US" sz="1600" dirty="0" smtClean="0">
                 <a:latin typeface="Courier New" pitchFamily="49" charset="0"/>
                 <a:cs typeface="Courier New" pitchFamily="49" charset="0"/>
               </a:rPr>
-              <a:t> </a:t>
+              <a:t>{</a:t>
+            </a:r>
+          </a:p>
+          <a:p>
+            <a:r>
+              <a:rPr lang="en-US" sz="1600" dirty="0">
+                <a:latin typeface="Courier New" pitchFamily="49" charset="0"/>
+                <a:cs typeface="Courier New" pitchFamily="49" charset="0"/>
+              </a:rPr>
+              <a:t>	</a:t>
             </a:r>
             <a:r>
               <a:rPr lang="en-US" sz="1600" dirty="0" smtClean="0">
                 <a:latin typeface="Courier New" pitchFamily="49" charset="0"/>
                 <a:cs typeface="Courier New" pitchFamily="49" charset="0"/>
               </a:rPr>
-              <a:t>funcAgregarPieza</a:t>
-            </a:r>
+              <a:t>if(fila &gt; 50 || columna &gt; 50 || fila &lt; 0 || columna &lt; 0)</a:t>
+            </a:r>
+          </a:p>
+          <a:p>
             <a:r>
               <a:rPr lang="en-US" sz="1600" dirty="0" smtClean="0">
                 <a:latin typeface="Courier New" pitchFamily="49" charset="0"/>
                 <a:cs typeface="Courier New" pitchFamily="49" charset="0"/>
               </a:rPr>
-              <a:t>(</a:t>
-            </a:r>
+              <a:t>		return 0;</a:t>
+            </a:r>
+          </a:p>
+          <a:p>
             <a:r>
               <a:rPr lang="en-US" sz="1600" dirty="0" smtClean="0">
                 <a:latin typeface="Courier New" pitchFamily="49" charset="0"/>
                 <a:cs typeface="Courier New" pitchFamily="49" charset="0"/>
               </a:rPr>
-              <a:t>int</a:t>
-            </a:r>
+              <a:t>	</a:t>
+            </a:r>
+          </a:p>
+          <a:p>
             <a:r>
               <a:rPr lang="en-US" sz="1600" dirty="0" smtClean="0">
                 <a:latin typeface="Courier New" pitchFamily="49" charset="0"/>
                 <a:cs typeface="Courier New" pitchFamily="49" charset="0"/>
               </a:rPr>
-              <a:t> fila, </a:t>
-            </a:r>
+              <a:t>	if(funcVerificarPieza(fila, columna) == 0)</a:t>
+            </a:r>
+          </a:p>
+          <a:p>
             <a:r>
               <a:rPr lang="en-US" sz="1600" dirty="0" smtClean="0">
                 <a:latin typeface="Courier New" pitchFamily="49" charset="0"/>
                 <a:cs typeface="Courier New" pitchFamily="49" charset="0"/>
               </a:rPr>
-              <a:t>int</a:t>
-            </a:r>
+              <a:t>		return 0;	</a:t>
+            </a:r>
+          </a:p>
+          <a:p>
             <a:r>
               <a:rPr lang="en-US" sz="1600" dirty="0" smtClean="0">
                 <a:latin typeface="Courier New" pitchFamily="49" charset="0"/>
                 <a:cs typeface="Courier New" pitchFamily="49" charset="0"/>
               </a:rPr>
-              <a:t> columna)</a:t>
+              <a:t>	</a:t>
             </a:r>
           </a:p>
           <a:p>
@@ -28362,156 +25064,16 @@
                 <a:latin typeface="Courier New" pitchFamily="49" charset="0"/>
                 <a:cs typeface="Courier New" pitchFamily="49" charset="0"/>
               </a:rPr>
-              <a:t>{</a:t>
-            </a:r>
-          </a:p>
-          <a:p>
-            <a:r>
-              <a:rPr lang="en-US" sz="1600" dirty="0">
-                <a:latin typeface="Courier New" pitchFamily="49" charset="0"/>
-                <a:cs typeface="Courier New" pitchFamily="49" charset="0"/>
-              </a:rPr>
-              <a:t>	</a:t>
-            </a:r>
+              <a:t>	arrTablero[fila][columna] = 1;</a:t>
+            </a:r>
+          </a:p>
+          <a:p>
             <a:r>
               <a:rPr lang="en-US" sz="1600" dirty="0" smtClean="0">
                 <a:latin typeface="Courier New" pitchFamily="49" charset="0"/>
                 <a:cs typeface="Courier New" pitchFamily="49" charset="0"/>
               </a:rPr>
-              <a:t>if(fila &gt; 50 || columna &gt; 50 || fila &lt; 0 || columna &lt; 0)</a:t>
-            </a:r>
-          </a:p>
-          <a:p>
-            <a:r>
-              <a:rPr lang="en-US" sz="1600" dirty="0" smtClean="0">
-                <a:latin typeface="Courier New" pitchFamily="49" charset="0"/>
-                <a:cs typeface="Courier New" pitchFamily="49" charset="0"/>
-              </a:rPr>
-              <a:t>		return 0;</a:t>
-            </a:r>
-          </a:p>
-          <a:p>
-            <a:r>
-              <a:rPr lang="en-US" sz="1600" dirty="0" smtClean="0">
-                <a:latin typeface="Courier New" pitchFamily="49" charset="0"/>
-                <a:cs typeface="Courier New" pitchFamily="49" charset="0"/>
-              </a:rPr>
-              <a:t>	</a:t>
-            </a:r>
-          </a:p>
-          <a:p>
-            <a:r>
-              <a:rPr lang="en-US" sz="1600" dirty="0" smtClean="0">
-                <a:latin typeface="Courier New" pitchFamily="49" charset="0"/>
-                <a:cs typeface="Courier New" pitchFamily="49" charset="0"/>
-              </a:rPr>
-              <a:t>	if(</a:t>
-            </a:r>
-            <a:r>
-              <a:rPr lang="en-US" sz="1600" dirty="0" smtClean="0">
-                <a:latin typeface="Courier New" pitchFamily="49" charset="0"/>
-                <a:cs typeface="Courier New" pitchFamily="49" charset="0"/>
-              </a:rPr>
-              <a:t>funcVerificarPieza</a:t>
-            </a:r>
-            <a:r>
-              <a:rPr lang="en-US" sz="1600" dirty="0" smtClean="0">
-                <a:latin typeface="Courier New" pitchFamily="49" charset="0"/>
-                <a:cs typeface="Courier New" pitchFamily="49" charset="0"/>
-              </a:rPr>
-              <a:t>(</a:t>
-            </a:r>
-            <a:r>
-              <a:rPr lang="en-US" sz="1600" dirty="0" smtClean="0">
-                <a:latin typeface="Courier New" pitchFamily="49" charset="0"/>
-                <a:cs typeface="Courier New" pitchFamily="49" charset="0"/>
-              </a:rPr>
-              <a:t>fila</a:t>
-            </a:r>
-            <a:r>
-              <a:rPr lang="en-US" sz="1600" dirty="0" smtClean="0">
-                <a:latin typeface="Courier New" pitchFamily="49" charset="0"/>
-                <a:cs typeface="Courier New" pitchFamily="49" charset="0"/>
-              </a:rPr>
-              <a:t>, columna) == 0)</a:t>
-            </a:r>
-          </a:p>
-          <a:p>
-            <a:r>
-              <a:rPr lang="en-US" sz="1600" dirty="0" smtClean="0">
-                <a:latin typeface="Courier New" pitchFamily="49" charset="0"/>
-                <a:cs typeface="Courier New" pitchFamily="49" charset="0"/>
-              </a:rPr>
-              <a:t>		return 0;	</a:t>
-            </a:r>
-          </a:p>
-          <a:p>
-            <a:r>
-              <a:rPr lang="en-US" sz="1600" dirty="0" smtClean="0">
-                <a:latin typeface="Courier New" pitchFamily="49" charset="0"/>
-                <a:cs typeface="Courier New" pitchFamily="49" charset="0"/>
-              </a:rPr>
-              <a:t>	</a:t>
-            </a:r>
-          </a:p>
-          <a:p>
-            <a:r>
-              <a:rPr lang="en-US" sz="1600" dirty="0" smtClean="0">
-                <a:latin typeface="Courier New" pitchFamily="49" charset="0"/>
-                <a:cs typeface="Courier New" pitchFamily="49" charset="0"/>
-              </a:rPr>
-              <a:t>	</a:t>
-            </a:r>
-            <a:r>
-              <a:rPr lang="en-US" sz="1600" dirty="0" smtClean="0">
-                <a:latin typeface="Courier New" pitchFamily="49" charset="0"/>
-                <a:cs typeface="Courier New" pitchFamily="49" charset="0"/>
-              </a:rPr>
-              <a:t>arrTablero</a:t>
-            </a:r>
-            <a:r>
-              <a:rPr lang="en-US" sz="1600" dirty="0" smtClean="0">
-                <a:latin typeface="Courier New" pitchFamily="49" charset="0"/>
-                <a:cs typeface="Courier New" pitchFamily="49" charset="0"/>
-              </a:rPr>
-              <a:t>[</a:t>
-            </a:r>
-            <a:r>
-              <a:rPr lang="en-US" sz="1600" dirty="0" smtClean="0">
-                <a:latin typeface="Courier New" pitchFamily="49" charset="0"/>
-                <a:cs typeface="Courier New" pitchFamily="49" charset="0"/>
-              </a:rPr>
-              <a:t>fila</a:t>
-            </a:r>
-            <a:r>
-              <a:rPr lang="en-US" sz="1600" dirty="0" smtClean="0">
-                <a:latin typeface="Courier New" pitchFamily="49" charset="0"/>
-                <a:cs typeface="Courier New" pitchFamily="49" charset="0"/>
-              </a:rPr>
-              <a:t>][columna] = 1;</a:t>
-            </a:r>
-          </a:p>
-          <a:p>
-            <a:r>
-              <a:rPr lang="en-US" sz="1600" dirty="0" smtClean="0">
-                <a:latin typeface="Courier New" pitchFamily="49" charset="0"/>
-                <a:cs typeface="Courier New" pitchFamily="49" charset="0"/>
-              </a:rPr>
-              <a:t>	</a:t>
-            </a:r>
-            <a:r>
-              <a:rPr lang="en-US" sz="1600" dirty="0" smtClean="0">
-                <a:latin typeface="Courier New" pitchFamily="49" charset="0"/>
-                <a:cs typeface="Courier New" pitchFamily="49" charset="0"/>
-              </a:rPr>
-              <a:t>currAmazonas</a:t>
-            </a:r>
-            <a:r>
-              <a:rPr lang="en-US" sz="1600" dirty="0" smtClean="0">
-                <a:latin typeface="Courier New" pitchFamily="49" charset="0"/>
-                <a:cs typeface="Courier New" pitchFamily="49" charset="0"/>
-              </a:rPr>
-              <a:t> ++;</a:t>
+              <a:t>	currAmazonas ++;</a:t>
             </a:r>
           </a:p>
           <a:p>
@@ -28764,131 +25326,50 @@
                 <a:latin typeface="Courier New" pitchFamily="49" charset="0"/>
                 <a:cs typeface="Courier New" pitchFamily="49" charset="0"/>
               </a:rPr>
-              <a:t>if</a:t>
+              <a:t>if(arrTablero[fila][i] != 1)</a:t>
+            </a:r>
+          </a:p>
+          <a:p>
+            <a:r>
+              <a:rPr lang="es-AR" sz="1200" dirty="0">
+                <a:latin typeface="Courier New" pitchFamily="49" charset="0"/>
+                <a:cs typeface="Courier New" pitchFamily="49" charset="0"/>
+              </a:rPr>
+              <a:t>	</a:t>
             </a:r>
             <a:r>
               <a:rPr lang="es-AR" sz="1200" dirty="0" smtClean="0">
                 <a:latin typeface="Courier New" pitchFamily="49" charset="0"/>
                 <a:cs typeface="Courier New" pitchFamily="49" charset="0"/>
               </a:rPr>
-              <a:t>(</a:t>
-            </a:r>
+              <a:t>if(arrTablero[fila][i] &gt;= 2) </a:t>
+            </a:r>
+          </a:p>
+          <a:p>
             <a:r>
               <a:rPr lang="es-AR" sz="1200" dirty="0" smtClean="0">
                 <a:latin typeface="Courier New" pitchFamily="49" charset="0"/>
                 <a:cs typeface="Courier New" pitchFamily="49" charset="0"/>
               </a:rPr>
-              <a:t>arrTablero</a:t>
-            </a:r>
+              <a:t>		arrTablero[fila][i] ++;</a:t>
+            </a:r>
+          </a:p>
+          <a:p>
             <a:r>
               <a:rPr lang="es-AR" sz="1200" dirty="0" smtClean="0">
                 <a:latin typeface="Courier New" pitchFamily="49" charset="0"/>
                 <a:cs typeface="Courier New" pitchFamily="49" charset="0"/>
               </a:rPr>
-              <a:t>[fila][i] != 1)</a:t>
-            </a:r>
-          </a:p>
-          <a:p>
-            <a:r>
-              <a:rPr lang="es-AR" sz="1200" dirty="0">
-                <a:latin typeface="Courier New" pitchFamily="49" charset="0"/>
-                <a:cs typeface="Courier New" pitchFamily="49" charset="0"/>
-              </a:rPr>
-              <a:t>	</a:t>
-            </a:r>
+              <a:t>	else</a:t>
+            </a:r>
+          </a:p>
+          <a:p>
             <a:r>
               <a:rPr lang="es-AR" sz="1200" dirty="0" smtClean="0">
                 <a:latin typeface="Courier New" pitchFamily="49" charset="0"/>
                 <a:cs typeface="Courier New" pitchFamily="49" charset="0"/>
               </a:rPr>
-              <a:t>if</a:t>
-            </a:r>
-            <a:r>
-              <a:rPr lang="es-AR" sz="1200" dirty="0" smtClean="0">
-                <a:latin typeface="Courier New" pitchFamily="49" charset="0"/>
-                <a:cs typeface="Courier New" pitchFamily="49" charset="0"/>
-              </a:rPr>
-              <a:t>(</a:t>
-            </a:r>
-            <a:r>
-              <a:rPr lang="es-AR" sz="1200" dirty="0" smtClean="0">
-                <a:latin typeface="Courier New" pitchFamily="49" charset="0"/>
-                <a:cs typeface="Courier New" pitchFamily="49" charset="0"/>
-              </a:rPr>
-              <a:t>arrTablero</a:t>
-            </a:r>
-            <a:r>
-              <a:rPr lang="es-AR" sz="1200" dirty="0" smtClean="0">
-                <a:latin typeface="Courier New" pitchFamily="49" charset="0"/>
-                <a:cs typeface="Courier New" pitchFamily="49" charset="0"/>
-              </a:rPr>
-              <a:t>[fila][i] &gt;= 2) </a:t>
-            </a:r>
-          </a:p>
-          <a:p>
-            <a:r>
-              <a:rPr lang="es-AR" sz="1200" dirty="0" smtClean="0">
-                <a:latin typeface="Courier New" pitchFamily="49" charset="0"/>
-                <a:cs typeface="Courier New" pitchFamily="49" charset="0"/>
-              </a:rPr>
-              <a:t>		</a:t>
-            </a:r>
-            <a:r>
-              <a:rPr lang="es-AR" sz="1200" dirty="0" smtClean="0">
-                <a:latin typeface="Courier New" pitchFamily="49" charset="0"/>
-                <a:cs typeface="Courier New" pitchFamily="49" charset="0"/>
-              </a:rPr>
-              <a:t>arrTablero</a:t>
-            </a:r>
-            <a:r>
-              <a:rPr lang="es-AR" sz="1200" dirty="0" smtClean="0">
-                <a:latin typeface="Courier New" pitchFamily="49" charset="0"/>
-                <a:cs typeface="Courier New" pitchFamily="49" charset="0"/>
-              </a:rPr>
-              <a:t>[fila][i] ++;</a:t>
-            </a:r>
-          </a:p>
-          <a:p>
-            <a:r>
-              <a:rPr lang="es-AR" sz="1200" dirty="0" smtClean="0">
-                <a:latin typeface="Courier New" pitchFamily="49" charset="0"/>
-                <a:cs typeface="Courier New" pitchFamily="49" charset="0"/>
-              </a:rPr>
-              <a:t>	</a:t>
-            </a:r>
-            <a:r>
-              <a:rPr lang="es-AR" sz="1200" dirty="0" smtClean="0">
-                <a:latin typeface="Courier New" pitchFamily="49" charset="0"/>
-                <a:cs typeface="Courier New" pitchFamily="49" charset="0"/>
-              </a:rPr>
-              <a:t>else</a:t>
-            </a:r>
-            <a:endParaRPr lang="es-AR" sz="1200" dirty="0" smtClean="0">
-              <a:latin typeface="Courier New" pitchFamily="49" charset="0"/>
-              <a:cs typeface="Courier New" pitchFamily="49" charset="0"/>
-            </a:endParaRPr>
-          </a:p>
-          <a:p>
-            <a:r>
-              <a:rPr lang="es-AR" sz="1200" dirty="0" smtClean="0">
-                <a:latin typeface="Courier New" pitchFamily="49" charset="0"/>
-                <a:cs typeface="Courier New" pitchFamily="49" charset="0"/>
-              </a:rPr>
-              <a:t>		</a:t>
-            </a:r>
-            <a:r>
-              <a:rPr lang="es-AR" sz="1200" dirty="0" smtClean="0">
-                <a:latin typeface="Courier New" pitchFamily="49" charset="0"/>
-                <a:cs typeface="Courier New" pitchFamily="49" charset="0"/>
-              </a:rPr>
-              <a:t>arrTablero</a:t>
-            </a:r>
-            <a:r>
-              <a:rPr lang="es-AR" sz="1200" dirty="0" smtClean="0">
-                <a:latin typeface="Courier New" pitchFamily="49" charset="0"/>
-                <a:cs typeface="Courier New" pitchFamily="49" charset="0"/>
-              </a:rPr>
-              <a:t>[fila][i] = 2;</a:t>
+              <a:t>		arrTablero[fila][i] = 2;</a:t>
             </a:r>
             <a:endParaRPr lang="es-AR" sz="1200" dirty="0">
               <a:latin typeface="Courier New" pitchFamily="49" charset="0"/>
@@ -28937,136 +25418,62 @@
                 <a:latin typeface="Courier New" pitchFamily="49" charset="0"/>
                 <a:cs typeface="Courier New" pitchFamily="49" charset="0"/>
               </a:rPr>
-              <a:t>if</a:t>
-            </a:r>
+              <a:t>if(arrTablero[i][columna] != 1)		if(arrTablero[i][columna] &gt;= 2) </a:t>
+            </a:r>
+          </a:p>
+          <a:p>
             <a:r>
               <a:rPr lang="es-AR" sz="1200" dirty="0" smtClean="0">
                 <a:latin typeface="Courier New" pitchFamily="49" charset="0"/>
                 <a:cs typeface="Courier New" pitchFamily="49" charset="0"/>
               </a:rPr>
-              <a:t>(</a:t>
+              <a:t>	</a:t>
+            </a:r>
+            <a:r>
+              <a:rPr lang="es-AR" sz="1200" dirty="0">
+                <a:latin typeface="Courier New" pitchFamily="49" charset="0"/>
+                <a:cs typeface="Courier New" pitchFamily="49" charset="0"/>
+              </a:rPr>
+              <a:t>	</a:t>
             </a:r>
             <a:r>
               <a:rPr lang="es-AR" sz="1200" dirty="0" smtClean="0">
                 <a:latin typeface="Courier New" pitchFamily="49" charset="0"/>
                 <a:cs typeface="Courier New" pitchFamily="49" charset="0"/>
               </a:rPr>
-              <a:t>arrTablero</a:t>
-            </a:r>
+              <a:t>arrTablero[i][columna] ++;</a:t>
+            </a:r>
+          </a:p>
+          <a:p>
             <a:r>
               <a:rPr lang="es-AR" sz="1200" dirty="0" smtClean="0">
                 <a:latin typeface="Courier New" pitchFamily="49" charset="0"/>
                 <a:cs typeface="Courier New" pitchFamily="49" charset="0"/>
               </a:rPr>
-              <a:t>[i][columna] != 1)		</a:t>
-            </a:r>
+              <a:t>	else</a:t>
+            </a:r>
+          </a:p>
+          <a:p>
             <a:r>
               <a:rPr lang="es-AR" sz="1200" dirty="0" smtClean="0">
                 <a:latin typeface="Courier New" pitchFamily="49" charset="0"/>
                 <a:cs typeface="Courier New" pitchFamily="49" charset="0"/>
               </a:rPr>
-              <a:t>if</a:t>
+              <a:t>	</a:t>
+            </a:r>
+            <a:r>
+              <a:rPr lang="es-AR" sz="1200" dirty="0">
+                <a:latin typeface="Courier New" pitchFamily="49" charset="0"/>
+                <a:cs typeface="Courier New" pitchFamily="49" charset="0"/>
+              </a:rPr>
+              <a:t>	</a:t>
             </a:r>
             <a:r>
               <a:rPr lang="es-AR" sz="1200" dirty="0" smtClean="0">
                 <a:latin typeface="Courier New" pitchFamily="49" charset="0"/>
                 <a:cs typeface="Courier New" pitchFamily="49" charset="0"/>
               </a:rPr>
-              <a:t>(</a:t>
-            </a:r>
-            <a:r>
-              <a:rPr lang="es-AR" sz="1200" dirty="0" smtClean="0">
-                <a:latin typeface="Courier New" pitchFamily="49" charset="0"/>
-                <a:cs typeface="Courier New" pitchFamily="49" charset="0"/>
-              </a:rPr>
-              <a:t>arrTablero</a:t>
-            </a:r>
-            <a:r>
-              <a:rPr lang="es-AR" sz="1200" dirty="0" smtClean="0">
-                <a:latin typeface="Courier New" pitchFamily="49" charset="0"/>
-                <a:cs typeface="Courier New" pitchFamily="49" charset="0"/>
-              </a:rPr>
-              <a:t>[i][columna] &gt;= 2) </a:t>
-            </a:r>
-          </a:p>
-          <a:p>
-            <a:r>
-              <a:rPr lang="es-AR" sz="1200" dirty="0" smtClean="0">
-                <a:latin typeface="Courier New" pitchFamily="49" charset="0"/>
-                <a:cs typeface="Courier New" pitchFamily="49" charset="0"/>
-              </a:rPr>
-              <a:t>	</a:t>
-            </a:r>
-            <a:r>
-              <a:rPr lang="es-AR" sz="1200" dirty="0">
-                <a:latin typeface="Courier New" pitchFamily="49" charset="0"/>
-                <a:cs typeface="Courier New" pitchFamily="49" charset="0"/>
-              </a:rPr>
-              <a:t>	</a:t>
-            </a:r>
-            <a:r>
-              <a:rPr lang="es-AR" sz="1200" dirty="0" smtClean="0">
-                <a:latin typeface="Courier New" pitchFamily="49" charset="0"/>
-                <a:cs typeface="Courier New" pitchFamily="49" charset="0"/>
-              </a:rPr>
-              <a:t>arrTablero</a:t>
-            </a:r>
-            <a:r>
-              <a:rPr lang="es-AR" sz="1200" dirty="0" smtClean="0">
-                <a:latin typeface="Courier New" pitchFamily="49" charset="0"/>
-                <a:cs typeface="Courier New" pitchFamily="49" charset="0"/>
-              </a:rPr>
-              <a:t>[i][columna] ++;</a:t>
-            </a:r>
-          </a:p>
-          <a:p>
-            <a:r>
-              <a:rPr lang="es-AR" sz="1200" dirty="0" smtClean="0">
-                <a:latin typeface="Courier New" pitchFamily="49" charset="0"/>
-                <a:cs typeface="Courier New" pitchFamily="49" charset="0"/>
-              </a:rPr>
-              <a:t>	</a:t>
-            </a:r>
-            <a:r>
-              <a:rPr lang="es-AR" sz="1200" dirty="0" smtClean="0">
-                <a:latin typeface="Courier New" pitchFamily="49" charset="0"/>
-                <a:cs typeface="Courier New" pitchFamily="49" charset="0"/>
-              </a:rPr>
-              <a:t>else</a:t>
-            </a:r>
-            <a:endParaRPr lang="es-AR" sz="1200" dirty="0" smtClean="0">
-              <a:latin typeface="Courier New" pitchFamily="49" charset="0"/>
-              <a:cs typeface="Courier New" pitchFamily="49" charset="0"/>
-            </a:endParaRPr>
-          </a:p>
-          <a:p>
-            <a:r>
-              <a:rPr lang="es-AR" sz="1200" dirty="0" smtClean="0">
-                <a:latin typeface="Courier New" pitchFamily="49" charset="0"/>
-                <a:cs typeface="Courier New" pitchFamily="49" charset="0"/>
-              </a:rPr>
-              <a:t>	</a:t>
-            </a:r>
-            <a:r>
-              <a:rPr lang="es-AR" sz="1200" dirty="0">
-                <a:latin typeface="Courier New" pitchFamily="49" charset="0"/>
-                <a:cs typeface="Courier New" pitchFamily="49" charset="0"/>
-              </a:rPr>
-              <a:t>	</a:t>
-            </a:r>
-            <a:r>
-              <a:rPr lang="es-AR" sz="1200" dirty="0" smtClean="0">
-                <a:latin typeface="Courier New" pitchFamily="49" charset="0"/>
-                <a:cs typeface="Courier New" pitchFamily="49" charset="0"/>
-              </a:rPr>
-              <a:t>arrTablero</a:t>
-            </a:r>
-            <a:r>
-              <a:rPr lang="es-AR" sz="1200" dirty="0" smtClean="0">
-                <a:latin typeface="Courier New" pitchFamily="49" charset="0"/>
-                <a:cs typeface="Courier New" pitchFamily="49" charset="0"/>
-              </a:rPr>
-              <a:t>[i][columna] = 2;</a:t>
+              <a:t>arrTablero[i][columna] = 2;</a:t>
             </a:r>
             <a:endParaRPr lang="es-AR" sz="1200" dirty="0">
               <a:latin typeface="Courier New" pitchFamily="49" charset="0"/>
@@ -29216,70 +25623,204 @@
                 <a:latin typeface="Courier New" pitchFamily="49" charset="0"/>
                 <a:cs typeface="Courier New" pitchFamily="49" charset="0"/>
               </a:rPr>
-              <a:t>if</a:t>
+              <a:t>if(i+columna &lt; dimension &amp;&amp; i+fila &lt; dimension)</a:t>
+            </a:r>
+          </a:p>
+          <a:p>
+            <a:r>
+              <a:rPr lang="es-AR" sz="1100" dirty="0">
+                <a:latin typeface="Courier New" pitchFamily="49" charset="0"/>
+                <a:cs typeface="Courier New" pitchFamily="49" charset="0"/>
+              </a:rPr>
+              <a:t>	</a:t>
             </a:r>
             <a:r>
               <a:rPr lang="es-AR" sz="1100" dirty="0" smtClean="0">
                 <a:latin typeface="Courier New" pitchFamily="49" charset="0"/>
                 <a:cs typeface="Courier New" pitchFamily="49" charset="0"/>
               </a:rPr>
-              <a:t>(</a:t>
-            </a:r>
+              <a:t>if(arrTablero[i+fila][i+columna] != 1)</a:t>
+            </a:r>
+          </a:p>
+          <a:p>
             <a:r>
               <a:rPr lang="es-AR" sz="1100" dirty="0" smtClean="0">
                 <a:latin typeface="Courier New" pitchFamily="49" charset="0"/>
                 <a:cs typeface="Courier New" pitchFamily="49" charset="0"/>
               </a:rPr>
-              <a:t>i+columna</a:t>
+              <a:t>	</a:t>
+            </a:r>
+            <a:r>
+              <a:rPr lang="es-AR" sz="1100" dirty="0">
+                <a:latin typeface="Courier New" pitchFamily="49" charset="0"/>
+                <a:cs typeface="Courier New" pitchFamily="49" charset="0"/>
+              </a:rPr>
+              <a:t>	</a:t>
             </a:r>
             <a:r>
               <a:rPr lang="es-AR" sz="1100" dirty="0" smtClean="0">
                 <a:latin typeface="Courier New" pitchFamily="49" charset="0"/>
                 <a:cs typeface="Courier New" pitchFamily="49" charset="0"/>
               </a:rPr>
-              <a:t> &lt; </a:t>
-            </a:r>
+              <a:t>if(arrTablero[i+fila][i+columna] &gt;= 2) </a:t>
+            </a:r>
+          </a:p>
+          <a:p>
             <a:r>
               <a:rPr lang="es-AR" sz="1100" dirty="0" smtClean="0">
                 <a:latin typeface="Courier New" pitchFamily="49" charset="0"/>
                 <a:cs typeface="Courier New" pitchFamily="49" charset="0"/>
               </a:rPr>
-              <a:t>dimension</a:t>
+              <a:t>		</a:t>
+            </a:r>
+            <a:r>
+              <a:rPr lang="es-AR" sz="1100" dirty="0">
+                <a:latin typeface="Courier New" pitchFamily="49" charset="0"/>
+                <a:cs typeface="Courier New" pitchFamily="49" charset="0"/>
+              </a:rPr>
+              <a:t>	</a:t>
             </a:r>
             <a:r>
               <a:rPr lang="es-AR" sz="1100" dirty="0" smtClean="0">
                 <a:latin typeface="Courier New" pitchFamily="49" charset="0"/>
                 <a:cs typeface="Courier New" pitchFamily="49" charset="0"/>
               </a:rPr>
-              <a:t> &amp;&amp; </a:t>
-            </a:r>
+              <a:t>arrTablero[i+fila][i+columna] ++;		else</a:t>
+            </a:r>
+          </a:p>
+          <a:p>
             <a:r>
               <a:rPr lang="es-AR" sz="1100" dirty="0" smtClean="0">
                 <a:latin typeface="Courier New" pitchFamily="49" charset="0"/>
                 <a:cs typeface="Courier New" pitchFamily="49" charset="0"/>
               </a:rPr>
-              <a:t>i+fila</a:t>
-            </a:r>
+              <a:t>			arrTablero[i+fila][i+columna] = 2;			</a:t>
+            </a:r>
+          </a:p>
+          <a:p>
             <a:r>
               <a:rPr lang="es-AR" sz="1100" dirty="0" smtClean="0">
                 <a:latin typeface="Courier New" pitchFamily="49" charset="0"/>
                 <a:cs typeface="Courier New" pitchFamily="49" charset="0"/>
               </a:rPr>
-              <a:t> &lt; </a:t>
-            </a:r>
+              <a:t>if(fila-i &gt;= 0 &amp;&amp; i+columna &lt; dimension)</a:t>
+            </a:r>
+          </a:p>
+          <a:p>
             <a:r>
               <a:rPr lang="es-AR" sz="1100" dirty="0" smtClean="0">
                 <a:latin typeface="Courier New" pitchFamily="49" charset="0"/>
                 <a:cs typeface="Courier New" pitchFamily="49" charset="0"/>
               </a:rPr>
-              <a:t>dimension</a:t>
-            </a:r>
+              <a:t>	if(arrTablero[fila-i][i+columna] != 1)</a:t>
+            </a:r>
+          </a:p>
+          <a:p>
             <a:r>
               <a:rPr lang="es-AR" sz="1100" dirty="0" smtClean="0">
                 <a:latin typeface="Courier New" pitchFamily="49" charset="0"/>
                 <a:cs typeface="Courier New" pitchFamily="49" charset="0"/>
               </a:rPr>
-              <a:t>)</a:t>
+              <a:t>		if(arrTablero[fila-i][i+columna] &gt;= 2) </a:t>
+            </a:r>
+          </a:p>
+          <a:p>
+            <a:r>
+              <a:rPr lang="es-AR" sz="1100" dirty="0" smtClean="0">
+                <a:latin typeface="Courier New" pitchFamily="49" charset="0"/>
+                <a:cs typeface="Courier New" pitchFamily="49" charset="0"/>
+              </a:rPr>
+              <a:t>			arrTablero[fila-i][i+columna] ++;</a:t>
+            </a:r>
+          </a:p>
+          <a:p>
+            <a:r>
+              <a:rPr lang="es-AR" sz="1100" dirty="0" smtClean="0">
+                <a:latin typeface="Courier New" pitchFamily="49" charset="0"/>
+                <a:cs typeface="Courier New" pitchFamily="49" charset="0"/>
+              </a:rPr>
+              <a:t>		else</a:t>
+            </a:r>
+          </a:p>
+          <a:p>
+            <a:r>
+              <a:rPr lang="es-AR" sz="1100" dirty="0" smtClean="0">
+                <a:latin typeface="Courier New" pitchFamily="49" charset="0"/>
+                <a:cs typeface="Courier New" pitchFamily="49" charset="0"/>
+              </a:rPr>
+              <a:t>			arrTablero[fila-i][i+columna] = 2;</a:t>
+            </a:r>
+          </a:p>
+          <a:p>
+            <a:r>
+              <a:rPr lang="es-AR" sz="1100" dirty="0" smtClean="0">
+                <a:latin typeface="Courier New" pitchFamily="49" charset="0"/>
+                <a:cs typeface="Courier New" pitchFamily="49" charset="0"/>
+              </a:rPr>
+              <a:t>		</a:t>
+            </a:r>
+          </a:p>
+          <a:p>
+            <a:r>
+              <a:rPr lang="es-AR" sz="1100" dirty="0" smtClean="0">
+                <a:latin typeface="Courier New" pitchFamily="49" charset="0"/>
+                <a:cs typeface="Courier New" pitchFamily="49" charset="0"/>
+              </a:rPr>
+              <a:t>if(columna-i &gt;= 0 &amp;&amp; fila+i &lt; dimension)</a:t>
+            </a:r>
+          </a:p>
+          <a:p>
+            <a:r>
+              <a:rPr lang="es-AR" sz="1100" dirty="0" smtClean="0">
+                <a:latin typeface="Courier New" pitchFamily="49" charset="0"/>
+                <a:cs typeface="Courier New" pitchFamily="49" charset="0"/>
+              </a:rPr>
+              <a:t>	if(arrTablero[fila+i][columna-i] != 1)</a:t>
+            </a:r>
+          </a:p>
+          <a:p>
+            <a:r>
+              <a:rPr lang="es-AR" sz="1100" dirty="0" smtClean="0">
+                <a:latin typeface="Courier New" pitchFamily="49" charset="0"/>
+                <a:cs typeface="Courier New" pitchFamily="49" charset="0"/>
+              </a:rPr>
+              <a:t>		if(arrTablero[fila+i][columna-i] &gt;= 2)</a:t>
+            </a:r>
+          </a:p>
+          <a:p>
+            <a:r>
+              <a:rPr lang="es-AR" sz="1100" dirty="0" smtClean="0">
+                <a:latin typeface="Courier New" pitchFamily="49" charset="0"/>
+                <a:cs typeface="Courier New" pitchFamily="49" charset="0"/>
+              </a:rPr>
+              <a:t>			arrTablero[fila+i][columna-i]  ++;</a:t>
+            </a:r>
+          </a:p>
+          <a:p>
+            <a:r>
+              <a:rPr lang="es-AR" sz="1100" dirty="0" smtClean="0">
+                <a:latin typeface="Courier New" pitchFamily="49" charset="0"/>
+                <a:cs typeface="Courier New" pitchFamily="49" charset="0"/>
+              </a:rPr>
+              <a:t>		else</a:t>
+            </a:r>
+          </a:p>
+          <a:p>
+            <a:r>
+              <a:rPr lang="es-AR" sz="1100" dirty="0" smtClean="0">
+                <a:latin typeface="Courier New" pitchFamily="49" charset="0"/>
+                <a:cs typeface="Courier New" pitchFamily="49" charset="0"/>
+              </a:rPr>
+              <a:t>			arrTablero[fila+i][columna-i] = 2;	</a:t>
+            </a:r>
+          </a:p>
+          <a:p>
+            <a:r>
+              <a:rPr lang="es-AR" sz="1100" dirty="0" smtClean="0">
+                <a:latin typeface="Courier New" pitchFamily="49" charset="0"/>
+                <a:cs typeface="Courier New" pitchFamily="49" charset="0"/>
+              </a:rPr>
+              <a:t>if(fila-i &gt;= 0 &amp;&amp; columna-i &gt;= 0)</a:t>
             </a:r>
           </a:p>
           <a:p>
@@ -29295,893 +25836,43 @@
                 <a:latin typeface="Courier New" pitchFamily="49" charset="0"/>
                 <a:cs typeface="Courier New" pitchFamily="49" charset="0"/>
               </a:rPr>
-              <a:t>if</a:t>
-            </a:r>
+              <a:t>if(arrTablero[fila-i][columna-i] != 1)</a:t>
+            </a:r>
+          </a:p>
+          <a:p>
             <a:r>
               <a:rPr lang="es-AR" sz="1100" dirty="0" smtClean="0">
                 <a:latin typeface="Courier New" pitchFamily="49" charset="0"/>
                 <a:cs typeface="Courier New" pitchFamily="49" charset="0"/>
               </a:rPr>
-              <a:t>(</a:t>
-            </a:r>
+              <a:t>		if(arrTablero[fila-i][columna-i] &gt;= 2)</a:t>
+            </a:r>
+          </a:p>
+          <a:p>
             <a:r>
               <a:rPr lang="es-AR" sz="1100" dirty="0" smtClean="0">
                 <a:latin typeface="Courier New" pitchFamily="49" charset="0"/>
                 <a:cs typeface="Courier New" pitchFamily="49" charset="0"/>
               </a:rPr>
-              <a:t>arrTablero</a:t>
-            </a:r>
+              <a:t>			arrTablero[fila-i][columna-i] ++;</a:t>
+            </a:r>
+          </a:p>
+          <a:p>
             <a:r>
               <a:rPr lang="es-AR" sz="1100" dirty="0" smtClean="0">
                 <a:latin typeface="Courier New" pitchFamily="49" charset="0"/>
                 <a:cs typeface="Courier New" pitchFamily="49" charset="0"/>
               </a:rPr>
-              <a:t>[</a:t>
-            </a:r>
+              <a:t>		else</a:t>
+            </a:r>
+          </a:p>
+          <a:p>
             <a:r>
               <a:rPr lang="es-AR" sz="1100" dirty="0" smtClean="0">
                 <a:latin typeface="Courier New" pitchFamily="49" charset="0"/>
                 <a:cs typeface="Courier New" pitchFamily="49" charset="0"/>
               </a:rPr>
-              <a:t>i+fila</a:t>
-            </a:r>
-            <a:r>
-              <a:rPr lang="es-AR" sz="1100" dirty="0" smtClean="0">
-                <a:latin typeface="Courier New" pitchFamily="49" charset="0"/>
-                <a:cs typeface="Courier New" pitchFamily="49" charset="0"/>
-              </a:rPr>
-              <a:t>][</a:t>
-            </a:r>
-            <a:r>
-              <a:rPr lang="es-AR" sz="1100" dirty="0" smtClean="0">
-                <a:latin typeface="Courier New" pitchFamily="49" charset="0"/>
-                <a:cs typeface="Courier New" pitchFamily="49" charset="0"/>
-              </a:rPr>
-              <a:t>i+columna</a:t>
-            </a:r>
-            <a:r>
-              <a:rPr lang="es-AR" sz="1100" dirty="0" smtClean="0">
-                <a:latin typeface="Courier New" pitchFamily="49" charset="0"/>
-                <a:cs typeface="Courier New" pitchFamily="49" charset="0"/>
-              </a:rPr>
-              <a:t>] != 1)</a:t>
-            </a:r>
-          </a:p>
-          <a:p>
-            <a:r>
-              <a:rPr lang="es-AR" sz="1100" dirty="0" smtClean="0">
-                <a:latin typeface="Courier New" pitchFamily="49" charset="0"/>
-                <a:cs typeface="Courier New" pitchFamily="49" charset="0"/>
-              </a:rPr>
-              <a:t>	</a:t>
-            </a:r>
-            <a:r>
-              <a:rPr lang="es-AR" sz="1100" dirty="0">
-                <a:latin typeface="Courier New" pitchFamily="49" charset="0"/>
-                <a:cs typeface="Courier New" pitchFamily="49" charset="0"/>
-              </a:rPr>
-              <a:t>	</a:t>
-            </a:r>
-            <a:r>
-              <a:rPr lang="es-AR" sz="1100" dirty="0" smtClean="0">
-                <a:latin typeface="Courier New" pitchFamily="49" charset="0"/>
-                <a:cs typeface="Courier New" pitchFamily="49" charset="0"/>
-              </a:rPr>
-              <a:t>if</a:t>
-            </a:r>
-            <a:r>
-              <a:rPr lang="es-AR" sz="1100" dirty="0" smtClean="0">
-                <a:latin typeface="Courier New" pitchFamily="49" charset="0"/>
-                <a:cs typeface="Courier New" pitchFamily="49" charset="0"/>
-              </a:rPr>
-              <a:t>(</a:t>
-            </a:r>
-            <a:r>
-              <a:rPr lang="es-AR" sz="1100" dirty="0" smtClean="0">
-                <a:latin typeface="Courier New" pitchFamily="49" charset="0"/>
-                <a:cs typeface="Courier New" pitchFamily="49" charset="0"/>
-              </a:rPr>
-              <a:t>arrTablero</a:t>
-            </a:r>
-            <a:r>
-              <a:rPr lang="es-AR" sz="1100" dirty="0" smtClean="0">
-                <a:latin typeface="Courier New" pitchFamily="49" charset="0"/>
-                <a:cs typeface="Courier New" pitchFamily="49" charset="0"/>
-              </a:rPr>
-              <a:t>[</a:t>
-            </a:r>
-            <a:r>
-              <a:rPr lang="es-AR" sz="1100" dirty="0" smtClean="0">
-                <a:latin typeface="Courier New" pitchFamily="49" charset="0"/>
-                <a:cs typeface="Courier New" pitchFamily="49" charset="0"/>
-              </a:rPr>
-              <a:t>i+fila</a:t>
-            </a:r>
-            <a:r>
-              <a:rPr lang="es-AR" sz="1100" dirty="0" smtClean="0">
-                <a:latin typeface="Courier New" pitchFamily="49" charset="0"/>
-                <a:cs typeface="Courier New" pitchFamily="49" charset="0"/>
-              </a:rPr>
-              <a:t>][</a:t>
-            </a:r>
-            <a:r>
-              <a:rPr lang="es-AR" sz="1100" dirty="0" smtClean="0">
-                <a:latin typeface="Courier New" pitchFamily="49" charset="0"/>
-                <a:cs typeface="Courier New" pitchFamily="49" charset="0"/>
-              </a:rPr>
-              <a:t>i+columna</a:t>
-            </a:r>
-            <a:r>
-              <a:rPr lang="es-AR" sz="1100" dirty="0" smtClean="0">
-                <a:latin typeface="Courier New" pitchFamily="49" charset="0"/>
-                <a:cs typeface="Courier New" pitchFamily="49" charset="0"/>
-              </a:rPr>
-              <a:t>] &gt;= 2) </a:t>
-            </a:r>
-          </a:p>
-          <a:p>
-            <a:r>
-              <a:rPr lang="es-AR" sz="1100" dirty="0" smtClean="0">
-                <a:latin typeface="Courier New" pitchFamily="49" charset="0"/>
-                <a:cs typeface="Courier New" pitchFamily="49" charset="0"/>
-              </a:rPr>
-              <a:t>		</a:t>
-            </a:r>
-            <a:r>
-              <a:rPr lang="es-AR" sz="1100" dirty="0">
-                <a:latin typeface="Courier New" pitchFamily="49" charset="0"/>
-                <a:cs typeface="Courier New" pitchFamily="49" charset="0"/>
-              </a:rPr>
-              <a:t>	</a:t>
-            </a:r>
-            <a:r>
-              <a:rPr lang="es-AR" sz="1100" dirty="0" smtClean="0">
-                <a:latin typeface="Courier New" pitchFamily="49" charset="0"/>
-                <a:cs typeface="Courier New" pitchFamily="49" charset="0"/>
-              </a:rPr>
-              <a:t>arrTablero</a:t>
-            </a:r>
-            <a:r>
-              <a:rPr lang="es-AR" sz="1100" dirty="0" smtClean="0">
-                <a:latin typeface="Courier New" pitchFamily="49" charset="0"/>
-                <a:cs typeface="Courier New" pitchFamily="49" charset="0"/>
-              </a:rPr>
-              <a:t>[</a:t>
-            </a:r>
-            <a:r>
-              <a:rPr lang="es-AR" sz="1100" dirty="0" smtClean="0">
-                <a:latin typeface="Courier New" pitchFamily="49" charset="0"/>
-                <a:cs typeface="Courier New" pitchFamily="49" charset="0"/>
-              </a:rPr>
-              <a:t>i+fila</a:t>
-            </a:r>
-            <a:r>
-              <a:rPr lang="es-AR" sz="1100" dirty="0" smtClean="0">
-                <a:latin typeface="Courier New" pitchFamily="49" charset="0"/>
-                <a:cs typeface="Courier New" pitchFamily="49" charset="0"/>
-              </a:rPr>
-              <a:t>][</a:t>
-            </a:r>
-            <a:r>
-              <a:rPr lang="es-AR" sz="1100" dirty="0" smtClean="0">
-                <a:latin typeface="Courier New" pitchFamily="49" charset="0"/>
-                <a:cs typeface="Courier New" pitchFamily="49" charset="0"/>
-              </a:rPr>
-              <a:t>i+columna</a:t>
-            </a:r>
-            <a:r>
-              <a:rPr lang="es-AR" sz="1100" dirty="0" smtClean="0">
-                <a:latin typeface="Courier New" pitchFamily="49" charset="0"/>
-                <a:cs typeface="Courier New" pitchFamily="49" charset="0"/>
-              </a:rPr>
-              <a:t>] ++;		</a:t>
-            </a:r>
-            <a:r>
-              <a:rPr lang="es-AR" sz="1100" dirty="0" smtClean="0">
-                <a:latin typeface="Courier New" pitchFamily="49" charset="0"/>
-                <a:cs typeface="Courier New" pitchFamily="49" charset="0"/>
-              </a:rPr>
-              <a:t>else</a:t>
-            </a:r>
-            <a:endParaRPr lang="es-AR" sz="1100" dirty="0" smtClean="0">
-              <a:latin typeface="Courier New" pitchFamily="49" charset="0"/>
-              <a:cs typeface="Courier New" pitchFamily="49" charset="0"/>
-            </a:endParaRPr>
-          </a:p>
-          <a:p>
-            <a:r>
-              <a:rPr lang="es-AR" sz="1100" dirty="0" smtClean="0">
-                <a:latin typeface="Courier New" pitchFamily="49" charset="0"/>
-                <a:cs typeface="Courier New" pitchFamily="49" charset="0"/>
-              </a:rPr>
-              <a:t>			</a:t>
-            </a:r>
-            <a:r>
-              <a:rPr lang="es-AR" sz="1100" dirty="0" smtClean="0">
-                <a:latin typeface="Courier New" pitchFamily="49" charset="0"/>
-                <a:cs typeface="Courier New" pitchFamily="49" charset="0"/>
-              </a:rPr>
-              <a:t>arrTablero</a:t>
-            </a:r>
-            <a:r>
-              <a:rPr lang="es-AR" sz="1100" dirty="0" smtClean="0">
-                <a:latin typeface="Courier New" pitchFamily="49" charset="0"/>
-                <a:cs typeface="Courier New" pitchFamily="49" charset="0"/>
-              </a:rPr>
-              <a:t>[</a:t>
-            </a:r>
-            <a:r>
-              <a:rPr lang="es-AR" sz="1100" dirty="0" smtClean="0">
-                <a:latin typeface="Courier New" pitchFamily="49" charset="0"/>
-                <a:cs typeface="Courier New" pitchFamily="49" charset="0"/>
-              </a:rPr>
-              <a:t>i+fila</a:t>
-            </a:r>
-            <a:r>
-              <a:rPr lang="es-AR" sz="1100" dirty="0" smtClean="0">
-                <a:latin typeface="Courier New" pitchFamily="49" charset="0"/>
-                <a:cs typeface="Courier New" pitchFamily="49" charset="0"/>
-              </a:rPr>
-              <a:t>][</a:t>
-            </a:r>
-            <a:r>
-              <a:rPr lang="es-AR" sz="1100" dirty="0" smtClean="0">
-                <a:latin typeface="Courier New" pitchFamily="49" charset="0"/>
-                <a:cs typeface="Courier New" pitchFamily="49" charset="0"/>
-              </a:rPr>
-              <a:t>i+columna</a:t>
-            </a:r>
-            <a:r>
-              <a:rPr lang="es-AR" sz="1100" dirty="0" smtClean="0">
-                <a:latin typeface="Courier New" pitchFamily="49" charset="0"/>
-                <a:cs typeface="Courier New" pitchFamily="49" charset="0"/>
-              </a:rPr>
-              <a:t>] = 2;			</a:t>
-            </a:r>
-          </a:p>
-          <a:p>
-            <a:r>
-              <a:rPr lang="es-AR" sz="1100" dirty="0" smtClean="0">
-                <a:latin typeface="Courier New" pitchFamily="49" charset="0"/>
-                <a:cs typeface="Courier New" pitchFamily="49" charset="0"/>
-              </a:rPr>
-              <a:t>if</a:t>
-            </a:r>
-            <a:r>
-              <a:rPr lang="es-AR" sz="1100" dirty="0" smtClean="0">
-                <a:latin typeface="Courier New" pitchFamily="49" charset="0"/>
-                <a:cs typeface="Courier New" pitchFamily="49" charset="0"/>
-              </a:rPr>
-              <a:t>(fila-i &gt;= 0 &amp;&amp; </a:t>
-            </a:r>
-            <a:r>
-              <a:rPr lang="es-AR" sz="1100" dirty="0" smtClean="0">
-                <a:latin typeface="Courier New" pitchFamily="49" charset="0"/>
-                <a:cs typeface="Courier New" pitchFamily="49" charset="0"/>
-              </a:rPr>
-              <a:t>i+columna</a:t>
-            </a:r>
-            <a:r>
-              <a:rPr lang="es-AR" sz="1100" dirty="0" smtClean="0">
-                <a:latin typeface="Courier New" pitchFamily="49" charset="0"/>
-                <a:cs typeface="Courier New" pitchFamily="49" charset="0"/>
-              </a:rPr>
-              <a:t> &lt; </a:t>
-            </a:r>
-            <a:r>
-              <a:rPr lang="es-AR" sz="1100" dirty="0" smtClean="0">
-                <a:latin typeface="Courier New" pitchFamily="49" charset="0"/>
-                <a:cs typeface="Courier New" pitchFamily="49" charset="0"/>
-              </a:rPr>
-              <a:t>dimension</a:t>
-            </a:r>
-            <a:r>
-              <a:rPr lang="es-AR" sz="1100" dirty="0" smtClean="0">
-                <a:latin typeface="Courier New" pitchFamily="49" charset="0"/>
-                <a:cs typeface="Courier New" pitchFamily="49" charset="0"/>
-              </a:rPr>
-              <a:t>)</a:t>
-            </a:r>
-          </a:p>
-          <a:p>
-            <a:r>
-              <a:rPr lang="es-AR" sz="1100" dirty="0" smtClean="0">
-                <a:latin typeface="Courier New" pitchFamily="49" charset="0"/>
-                <a:cs typeface="Courier New" pitchFamily="49" charset="0"/>
-              </a:rPr>
-              <a:t>	</a:t>
-            </a:r>
-            <a:r>
-              <a:rPr lang="es-AR" sz="1100" dirty="0" smtClean="0">
-                <a:latin typeface="Courier New" pitchFamily="49" charset="0"/>
-                <a:cs typeface="Courier New" pitchFamily="49" charset="0"/>
-              </a:rPr>
-              <a:t>if</a:t>
-            </a:r>
-            <a:r>
-              <a:rPr lang="es-AR" sz="1100" dirty="0" smtClean="0">
-                <a:latin typeface="Courier New" pitchFamily="49" charset="0"/>
-                <a:cs typeface="Courier New" pitchFamily="49" charset="0"/>
-              </a:rPr>
-              <a:t>(</a:t>
-            </a:r>
-            <a:r>
-              <a:rPr lang="es-AR" sz="1100" dirty="0" smtClean="0">
-                <a:latin typeface="Courier New" pitchFamily="49" charset="0"/>
-                <a:cs typeface="Courier New" pitchFamily="49" charset="0"/>
-              </a:rPr>
-              <a:t>arrTablero</a:t>
-            </a:r>
-            <a:r>
-              <a:rPr lang="es-AR" sz="1100" dirty="0" smtClean="0">
-                <a:latin typeface="Courier New" pitchFamily="49" charset="0"/>
-                <a:cs typeface="Courier New" pitchFamily="49" charset="0"/>
-              </a:rPr>
-              <a:t>[fila-i][</a:t>
-            </a:r>
-            <a:r>
-              <a:rPr lang="es-AR" sz="1100" dirty="0" smtClean="0">
-                <a:latin typeface="Courier New" pitchFamily="49" charset="0"/>
-                <a:cs typeface="Courier New" pitchFamily="49" charset="0"/>
-              </a:rPr>
-              <a:t>i+columna</a:t>
-            </a:r>
-            <a:r>
-              <a:rPr lang="es-AR" sz="1100" dirty="0" smtClean="0">
-                <a:latin typeface="Courier New" pitchFamily="49" charset="0"/>
-                <a:cs typeface="Courier New" pitchFamily="49" charset="0"/>
-              </a:rPr>
-              <a:t>] != 1)</a:t>
-            </a:r>
-          </a:p>
-          <a:p>
-            <a:r>
-              <a:rPr lang="es-AR" sz="1100" dirty="0" smtClean="0">
-                <a:latin typeface="Courier New" pitchFamily="49" charset="0"/>
-                <a:cs typeface="Courier New" pitchFamily="49" charset="0"/>
-              </a:rPr>
-              <a:t>		</a:t>
-            </a:r>
-            <a:r>
-              <a:rPr lang="es-AR" sz="1100" dirty="0" smtClean="0">
-                <a:latin typeface="Courier New" pitchFamily="49" charset="0"/>
-                <a:cs typeface="Courier New" pitchFamily="49" charset="0"/>
-              </a:rPr>
-              <a:t>if</a:t>
-            </a:r>
-            <a:r>
-              <a:rPr lang="es-AR" sz="1100" dirty="0" smtClean="0">
-                <a:latin typeface="Courier New" pitchFamily="49" charset="0"/>
-                <a:cs typeface="Courier New" pitchFamily="49" charset="0"/>
-              </a:rPr>
-              <a:t>(</a:t>
-            </a:r>
-            <a:r>
-              <a:rPr lang="es-AR" sz="1100" dirty="0" smtClean="0">
-                <a:latin typeface="Courier New" pitchFamily="49" charset="0"/>
-                <a:cs typeface="Courier New" pitchFamily="49" charset="0"/>
-              </a:rPr>
-              <a:t>arrTablero</a:t>
-            </a:r>
-            <a:r>
-              <a:rPr lang="es-AR" sz="1100" dirty="0" smtClean="0">
-                <a:latin typeface="Courier New" pitchFamily="49" charset="0"/>
-                <a:cs typeface="Courier New" pitchFamily="49" charset="0"/>
-              </a:rPr>
-              <a:t>[fila-i][</a:t>
-            </a:r>
-            <a:r>
-              <a:rPr lang="es-AR" sz="1100" dirty="0" smtClean="0">
-                <a:latin typeface="Courier New" pitchFamily="49" charset="0"/>
-                <a:cs typeface="Courier New" pitchFamily="49" charset="0"/>
-              </a:rPr>
-              <a:t>i+columna</a:t>
-            </a:r>
-            <a:r>
-              <a:rPr lang="es-AR" sz="1100" dirty="0" smtClean="0">
-                <a:latin typeface="Courier New" pitchFamily="49" charset="0"/>
-                <a:cs typeface="Courier New" pitchFamily="49" charset="0"/>
-              </a:rPr>
-              <a:t>] &gt;= 2) </a:t>
-            </a:r>
-          </a:p>
-          <a:p>
-            <a:r>
-              <a:rPr lang="es-AR" sz="1100" dirty="0" smtClean="0">
-                <a:latin typeface="Courier New" pitchFamily="49" charset="0"/>
-                <a:cs typeface="Courier New" pitchFamily="49" charset="0"/>
-              </a:rPr>
-              <a:t>			</a:t>
-            </a:r>
-            <a:r>
-              <a:rPr lang="es-AR" sz="1100" dirty="0" smtClean="0">
-                <a:latin typeface="Courier New" pitchFamily="49" charset="0"/>
-                <a:cs typeface="Courier New" pitchFamily="49" charset="0"/>
-              </a:rPr>
-              <a:t>arrTablero</a:t>
-            </a:r>
-            <a:r>
-              <a:rPr lang="es-AR" sz="1100" dirty="0" smtClean="0">
-                <a:latin typeface="Courier New" pitchFamily="49" charset="0"/>
-                <a:cs typeface="Courier New" pitchFamily="49" charset="0"/>
-              </a:rPr>
-              <a:t>[fila-i][</a:t>
-            </a:r>
-            <a:r>
-              <a:rPr lang="es-AR" sz="1100" dirty="0" smtClean="0">
-                <a:latin typeface="Courier New" pitchFamily="49" charset="0"/>
-                <a:cs typeface="Courier New" pitchFamily="49" charset="0"/>
-              </a:rPr>
-              <a:t>i+columna</a:t>
-            </a:r>
-            <a:r>
-              <a:rPr lang="es-AR" sz="1100" dirty="0" smtClean="0">
-                <a:latin typeface="Courier New" pitchFamily="49" charset="0"/>
-                <a:cs typeface="Courier New" pitchFamily="49" charset="0"/>
-              </a:rPr>
-              <a:t>] ++;</a:t>
-            </a:r>
-          </a:p>
-          <a:p>
-            <a:r>
-              <a:rPr lang="es-AR" sz="1100" dirty="0" smtClean="0">
-                <a:latin typeface="Courier New" pitchFamily="49" charset="0"/>
-                <a:cs typeface="Courier New" pitchFamily="49" charset="0"/>
-              </a:rPr>
-              <a:t>		</a:t>
-            </a:r>
-            <a:r>
-              <a:rPr lang="es-AR" sz="1100" dirty="0" smtClean="0">
-                <a:latin typeface="Courier New" pitchFamily="49" charset="0"/>
-                <a:cs typeface="Courier New" pitchFamily="49" charset="0"/>
-              </a:rPr>
-              <a:t>else</a:t>
-            </a:r>
-            <a:endParaRPr lang="es-AR" sz="1100" dirty="0" smtClean="0">
-              <a:latin typeface="Courier New" pitchFamily="49" charset="0"/>
-              <a:cs typeface="Courier New" pitchFamily="49" charset="0"/>
-            </a:endParaRPr>
-          </a:p>
-          <a:p>
-            <a:r>
-              <a:rPr lang="es-AR" sz="1100" dirty="0" smtClean="0">
-                <a:latin typeface="Courier New" pitchFamily="49" charset="0"/>
-                <a:cs typeface="Courier New" pitchFamily="49" charset="0"/>
-              </a:rPr>
-              <a:t>			</a:t>
-            </a:r>
-            <a:r>
-              <a:rPr lang="es-AR" sz="1100" dirty="0" smtClean="0">
-                <a:latin typeface="Courier New" pitchFamily="49" charset="0"/>
-                <a:cs typeface="Courier New" pitchFamily="49" charset="0"/>
-              </a:rPr>
-              <a:t>arrTablero</a:t>
-            </a:r>
-            <a:r>
-              <a:rPr lang="es-AR" sz="1100" dirty="0" smtClean="0">
-                <a:latin typeface="Courier New" pitchFamily="49" charset="0"/>
-                <a:cs typeface="Courier New" pitchFamily="49" charset="0"/>
-              </a:rPr>
-              <a:t>[fila-i][</a:t>
-            </a:r>
-            <a:r>
-              <a:rPr lang="es-AR" sz="1100" dirty="0" smtClean="0">
-                <a:latin typeface="Courier New" pitchFamily="49" charset="0"/>
-                <a:cs typeface="Courier New" pitchFamily="49" charset="0"/>
-              </a:rPr>
-              <a:t>i+columna</a:t>
-            </a:r>
-            <a:r>
-              <a:rPr lang="es-AR" sz="1100" dirty="0" smtClean="0">
-                <a:latin typeface="Courier New" pitchFamily="49" charset="0"/>
-                <a:cs typeface="Courier New" pitchFamily="49" charset="0"/>
-              </a:rPr>
-              <a:t>] = 2;</a:t>
-            </a:r>
-          </a:p>
-          <a:p>
-            <a:r>
-              <a:rPr lang="es-AR" sz="1100" dirty="0" smtClean="0">
-                <a:latin typeface="Courier New" pitchFamily="49" charset="0"/>
-                <a:cs typeface="Courier New" pitchFamily="49" charset="0"/>
-              </a:rPr>
-              <a:t>		</a:t>
-            </a:r>
-          </a:p>
-          <a:p>
-            <a:r>
-              <a:rPr lang="es-AR" sz="1100" dirty="0" smtClean="0">
-                <a:latin typeface="Courier New" pitchFamily="49" charset="0"/>
-                <a:cs typeface="Courier New" pitchFamily="49" charset="0"/>
-              </a:rPr>
-              <a:t>if</a:t>
-            </a:r>
-            <a:r>
-              <a:rPr lang="es-AR" sz="1100" dirty="0" smtClean="0">
-                <a:latin typeface="Courier New" pitchFamily="49" charset="0"/>
-                <a:cs typeface="Courier New" pitchFamily="49" charset="0"/>
-              </a:rPr>
-              <a:t>(columna-i &gt;= 0 &amp;&amp; </a:t>
-            </a:r>
-            <a:r>
-              <a:rPr lang="es-AR" sz="1100" dirty="0" smtClean="0">
-                <a:latin typeface="Courier New" pitchFamily="49" charset="0"/>
-                <a:cs typeface="Courier New" pitchFamily="49" charset="0"/>
-              </a:rPr>
-              <a:t>fila+i</a:t>
-            </a:r>
-            <a:r>
-              <a:rPr lang="es-AR" sz="1100" dirty="0" smtClean="0">
-                <a:latin typeface="Courier New" pitchFamily="49" charset="0"/>
-                <a:cs typeface="Courier New" pitchFamily="49" charset="0"/>
-              </a:rPr>
-              <a:t> &lt; </a:t>
-            </a:r>
-            <a:r>
-              <a:rPr lang="es-AR" sz="1100" dirty="0" smtClean="0">
-                <a:latin typeface="Courier New" pitchFamily="49" charset="0"/>
-                <a:cs typeface="Courier New" pitchFamily="49" charset="0"/>
-              </a:rPr>
-              <a:t>dimension</a:t>
-            </a:r>
-            <a:r>
-              <a:rPr lang="es-AR" sz="1100" dirty="0" smtClean="0">
-                <a:latin typeface="Courier New" pitchFamily="49" charset="0"/>
-                <a:cs typeface="Courier New" pitchFamily="49" charset="0"/>
-              </a:rPr>
-              <a:t>)</a:t>
-            </a:r>
-          </a:p>
-          <a:p>
-            <a:r>
-              <a:rPr lang="es-AR" sz="1100" dirty="0" smtClean="0">
-                <a:latin typeface="Courier New" pitchFamily="49" charset="0"/>
-                <a:cs typeface="Courier New" pitchFamily="49" charset="0"/>
-              </a:rPr>
-              <a:t>	</a:t>
-            </a:r>
-            <a:r>
-              <a:rPr lang="es-AR" sz="1100" dirty="0" smtClean="0">
-                <a:latin typeface="Courier New" pitchFamily="49" charset="0"/>
-                <a:cs typeface="Courier New" pitchFamily="49" charset="0"/>
-              </a:rPr>
-              <a:t>if</a:t>
-            </a:r>
-            <a:r>
-              <a:rPr lang="es-AR" sz="1100" dirty="0" smtClean="0">
-                <a:latin typeface="Courier New" pitchFamily="49" charset="0"/>
-                <a:cs typeface="Courier New" pitchFamily="49" charset="0"/>
-              </a:rPr>
-              <a:t>(</a:t>
-            </a:r>
-            <a:r>
-              <a:rPr lang="es-AR" sz="1100" dirty="0" smtClean="0">
-                <a:latin typeface="Courier New" pitchFamily="49" charset="0"/>
-                <a:cs typeface="Courier New" pitchFamily="49" charset="0"/>
-              </a:rPr>
-              <a:t>arrTablero</a:t>
-            </a:r>
-            <a:r>
-              <a:rPr lang="es-AR" sz="1100" dirty="0" smtClean="0">
-                <a:latin typeface="Courier New" pitchFamily="49" charset="0"/>
-                <a:cs typeface="Courier New" pitchFamily="49" charset="0"/>
-              </a:rPr>
-              <a:t>[</a:t>
-            </a:r>
-            <a:r>
-              <a:rPr lang="es-AR" sz="1100" dirty="0" smtClean="0">
-                <a:latin typeface="Courier New" pitchFamily="49" charset="0"/>
-                <a:cs typeface="Courier New" pitchFamily="49" charset="0"/>
-              </a:rPr>
-              <a:t>fila+i</a:t>
-            </a:r>
-            <a:r>
-              <a:rPr lang="es-AR" sz="1100" dirty="0" smtClean="0">
-                <a:latin typeface="Courier New" pitchFamily="49" charset="0"/>
-                <a:cs typeface="Courier New" pitchFamily="49" charset="0"/>
-              </a:rPr>
-              <a:t>][columna-i] != 1)</a:t>
-            </a:r>
-          </a:p>
-          <a:p>
-            <a:r>
-              <a:rPr lang="es-AR" sz="1100" dirty="0" smtClean="0">
-                <a:latin typeface="Courier New" pitchFamily="49" charset="0"/>
-                <a:cs typeface="Courier New" pitchFamily="49" charset="0"/>
-              </a:rPr>
-              <a:t>		</a:t>
-            </a:r>
-            <a:r>
-              <a:rPr lang="es-AR" sz="1100" dirty="0" smtClean="0">
-                <a:latin typeface="Courier New" pitchFamily="49" charset="0"/>
-                <a:cs typeface="Courier New" pitchFamily="49" charset="0"/>
-              </a:rPr>
-              <a:t>if</a:t>
-            </a:r>
-            <a:r>
-              <a:rPr lang="es-AR" sz="1100" dirty="0" smtClean="0">
-                <a:latin typeface="Courier New" pitchFamily="49" charset="0"/>
-                <a:cs typeface="Courier New" pitchFamily="49" charset="0"/>
-              </a:rPr>
-              <a:t>(</a:t>
-            </a:r>
-            <a:r>
-              <a:rPr lang="es-AR" sz="1100" dirty="0" smtClean="0">
-                <a:latin typeface="Courier New" pitchFamily="49" charset="0"/>
-                <a:cs typeface="Courier New" pitchFamily="49" charset="0"/>
-              </a:rPr>
-              <a:t>arrTablero</a:t>
-            </a:r>
-            <a:r>
-              <a:rPr lang="es-AR" sz="1100" dirty="0" smtClean="0">
-                <a:latin typeface="Courier New" pitchFamily="49" charset="0"/>
-                <a:cs typeface="Courier New" pitchFamily="49" charset="0"/>
-              </a:rPr>
-              <a:t>[</a:t>
-            </a:r>
-            <a:r>
-              <a:rPr lang="es-AR" sz="1100" dirty="0" smtClean="0">
-                <a:latin typeface="Courier New" pitchFamily="49" charset="0"/>
-                <a:cs typeface="Courier New" pitchFamily="49" charset="0"/>
-              </a:rPr>
-              <a:t>fila+i</a:t>
-            </a:r>
-            <a:r>
-              <a:rPr lang="es-AR" sz="1100" dirty="0" smtClean="0">
-                <a:latin typeface="Courier New" pitchFamily="49" charset="0"/>
-                <a:cs typeface="Courier New" pitchFamily="49" charset="0"/>
-              </a:rPr>
-              <a:t>][columna-i] &gt;= 2)</a:t>
-            </a:r>
-          </a:p>
-          <a:p>
-            <a:r>
-              <a:rPr lang="es-AR" sz="1100" dirty="0" smtClean="0">
-                <a:latin typeface="Courier New" pitchFamily="49" charset="0"/>
-                <a:cs typeface="Courier New" pitchFamily="49" charset="0"/>
-              </a:rPr>
-              <a:t>			</a:t>
-            </a:r>
-            <a:r>
-              <a:rPr lang="es-AR" sz="1100" dirty="0" smtClean="0">
-                <a:latin typeface="Courier New" pitchFamily="49" charset="0"/>
-                <a:cs typeface="Courier New" pitchFamily="49" charset="0"/>
-              </a:rPr>
-              <a:t>arrTablero</a:t>
-            </a:r>
-            <a:r>
-              <a:rPr lang="es-AR" sz="1100" dirty="0" smtClean="0">
-                <a:latin typeface="Courier New" pitchFamily="49" charset="0"/>
-                <a:cs typeface="Courier New" pitchFamily="49" charset="0"/>
-              </a:rPr>
-              <a:t>[</a:t>
-            </a:r>
-            <a:r>
-              <a:rPr lang="es-AR" sz="1100" dirty="0" smtClean="0">
-                <a:latin typeface="Courier New" pitchFamily="49" charset="0"/>
-                <a:cs typeface="Courier New" pitchFamily="49" charset="0"/>
-              </a:rPr>
-              <a:t>fila+i</a:t>
-            </a:r>
-            <a:r>
-              <a:rPr lang="es-AR" sz="1100" dirty="0" smtClean="0">
-                <a:latin typeface="Courier New" pitchFamily="49" charset="0"/>
-                <a:cs typeface="Courier New" pitchFamily="49" charset="0"/>
-              </a:rPr>
-              <a:t>][columna-i]  ++;</a:t>
-            </a:r>
-          </a:p>
-          <a:p>
-            <a:r>
-              <a:rPr lang="es-AR" sz="1100" dirty="0" smtClean="0">
-                <a:latin typeface="Courier New" pitchFamily="49" charset="0"/>
-                <a:cs typeface="Courier New" pitchFamily="49" charset="0"/>
-              </a:rPr>
-              <a:t>		</a:t>
-            </a:r>
-            <a:r>
-              <a:rPr lang="es-AR" sz="1100" dirty="0" smtClean="0">
-                <a:latin typeface="Courier New" pitchFamily="49" charset="0"/>
-                <a:cs typeface="Courier New" pitchFamily="49" charset="0"/>
-              </a:rPr>
-              <a:t>else</a:t>
-            </a:r>
-            <a:endParaRPr lang="es-AR" sz="1100" dirty="0" smtClean="0">
-              <a:latin typeface="Courier New" pitchFamily="49" charset="0"/>
-              <a:cs typeface="Courier New" pitchFamily="49" charset="0"/>
-            </a:endParaRPr>
-          </a:p>
-          <a:p>
-            <a:r>
-              <a:rPr lang="es-AR" sz="1100" dirty="0" smtClean="0">
-                <a:latin typeface="Courier New" pitchFamily="49" charset="0"/>
-                <a:cs typeface="Courier New" pitchFamily="49" charset="0"/>
-              </a:rPr>
-              <a:t>			</a:t>
-            </a:r>
-            <a:r>
-              <a:rPr lang="es-AR" sz="1100" dirty="0" smtClean="0">
-                <a:latin typeface="Courier New" pitchFamily="49" charset="0"/>
-                <a:cs typeface="Courier New" pitchFamily="49" charset="0"/>
-              </a:rPr>
-              <a:t>arrTablero</a:t>
-            </a:r>
-            <a:r>
-              <a:rPr lang="es-AR" sz="1100" dirty="0" smtClean="0">
-                <a:latin typeface="Courier New" pitchFamily="49" charset="0"/>
-                <a:cs typeface="Courier New" pitchFamily="49" charset="0"/>
-              </a:rPr>
-              <a:t>[</a:t>
-            </a:r>
-            <a:r>
-              <a:rPr lang="es-AR" sz="1100" dirty="0" smtClean="0">
-                <a:latin typeface="Courier New" pitchFamily="49" charset="0"/>
-                <a:cs typeface="Courier New" pitchFamily="49" charset="0"/>
-              </a:rPr>
-              <a:t>fila+i</a:t>
-            </a:r>
-            <a:r>
-              <a:rPr lang="es-AR" sz="1100" dirty="0" smtClean="0">
-                <a:latin typeface="Courier New" pitchFamily="49" charset="0"/>
-                <a:cs typeface="Courier New" pitchFamily="49" charset="0"/>
-              </a:rPr>
-              <a:t>][columna-i] = 2;	</a:t>
-            </a:r>
-          </a:p>
-          <a:p>
-            <a:r>
-              <a:rPr lang="es-AR" sz="1100" dirty="0" smtClean="0">
-                <a:latin typeface="Courier New" pitchFamily="49" charset="0"/>
-                <a:cs typeface="Courier New" pitchFamily="49" charset="0"/>
-              </a:rPr>
-              <a:t>if</a:t>
-            </a:r>
-            <a:r>
-              <a:rPr lang="es-AR" sz="1100" dirty="0" smtClean="0">
-                <a:latin typeface="Courier New" pitchFamily="49" charset="0"/>
-                <a:cs typeface="Courier New" pitchFamily="49" charset="0"/>
-              </a:rPr>
-              <a:t>(fila-i &gt;= 0 &amp;&amp; columna-i &gt;= 0)</a:t>
-            </a:r>
-          </a:p>
-          <a:p>
-            <a:r>
-              <a:rPr lang="es-AR" sz="1100" dirty="0">
-                <a:latin typeface="Courier New" pitchFamily="49" charset="0"/>
-                <a:cs typeface="Courier New" pitchFamily="49" charset="0"/>
-              </a:rPr>
-              <a:t>	</a:t>
-            </a:r>
-            <a:r>
-              <a:rPr lang="es-AR" sz="1100" dirty="0" smtClean="0">
-                <a:latin typeface="Courier New" pitchFamily="49" charset="0"/>
-                <a:cs typeface="Courier New" pitchFamily="49" charset="0"/>
-              </a:rPr>
-              <a:t>if</a:t>
-            </a:r>
-            <a:r>
-              <a:rPr lang="es-AR" sz="1100" dirty="0" smtClean="0">
-                <a:latin typeface="Courier New" pitchFamily="49" charset="0"/>
-                <a:cs typeface="Courier New" pitchFamily="49" charset="0"/>
-              </a:rPr>
-              <a:t>(</a:t>
-            </a:r>
-            <a:r>
-              <a:rPr lang="es-AR" sz="1100" dirty="0" smtClean="0">
-                <a:latin typeface="Courier New" pitchFamily="49" charset="0"/>
-                <a:cs typeface="Courier New" pitchFamily="49" charset="0"/>
-              </a:rPr>
-              <a:t>arrTablero</a:t>
-            </a:r>
-            <a:r>
-              <a:rPr lang="es-AR" sz="1100" dirty="0" smtClean="0">
-                <a:latin typeface="Courier New" pitchFamily="49" charset="0"/>
-                <a:cs typeface="Courier New" pitchFamily="49" charset="0"/>
-              </a:rPr>
-              <a:t>[fila-i][columna-i] != 1)</a:t>
-            </a:r>
-          </a:p>
-          <a:p>
-            <a:r>
-              <a:rPr lang="es-AR" sz="1100" dirty="0" smtClean="0">
-                <a:latin typeface="Courier New" pitchFamily="49" charset="0"/>
-                <a:cs typeface="Courier New" pitchFamily="49" charset="0"/>
-              </a:rPr>
-              <a:t>		</a:t>
-            </a:r>
-            <a:r>
-              <a:rPr lang="es-AR" sz="1100" dirty="0" smtClean="0">
-                <a:latin typeface="Courier New" pitchFamily="49" charset="0"/>
-                <a:cs typeface="Courier New" pitchFamily="49" charset="0"/>
-              </a:rPr>
-              <a:t>if</a:t>
-            </a:r>
-            <a:r>
-              <a:rPr lang="es-AR" sz="1100" dirty="0" smtClean="0">
-                <a:latin typeface="Courier New" pitchFamily="49" charset="0"/>
-                <a:cs typeface="Courier New" pitchFamily="49" charset="0"/>
-              </a:rPr>
-              <a:t>(</a:t>
-            </a:r>
-            <a:r>
-              <a:rPr lang="es-AR" sz="1100" dirty="0" smtClean="0">
-                <a:latin typeface="Courier New" pitchFamily="49" charset="0"/>
-                <a:cs typeface="Courier New" pitchFamily="49" charset="0"/>
-              </a:rPr>
-              <a:t>arrTablero</a:t>
-            </a:r>
-            <a:r>
-              <a:rPr lang="es-AR" sz="1100" dirty="0" smtClean="0">
-                <a:latin typeface="Courier New" pitchFamily="49" charset="0"/>
-                <a:cs typeface="Courier New" pitchFamily="49" charset="0"/>
-              </a:rPr>
-              <a:t>[fila-i][columna-i] &gt;= 2)</a:t>
-            </a:r>
-          </a:p>
-          <a:p>
-            <a:r>
-              <a:rPr lang="es-AR" sz="1100" dirty="0" smtClean="0">
-                <a:latin typeface="Courier New" pitchFamily="49" charset="0"/>
-                <a:cs typeface="Courier New" pitchFamily="49" charset="0"/>
-              </a:rPr>
-              <a:t>			</a:t>
-            </a:r>
-            <a:r>
-              <a:rPr lang="es-AR" sz="1100" dirty="0" smtClean="0">
-                <a:latin typeface="Courier New" pitchFamily="49" charset="0"/>
-                <a:cs typeface="Courier New" pitchFamily="49" charset="0"/>
-              </a:rPr>
-              <a:t>arrTablero</a:t>
-            </a:r>
-            <a:r>
-              <a:rPr lang="es-AR" sz="1100" dirty="0" smtClean="0">
-                <a:latin typeface="Courier New" pitchFamily="49" charset="0"/>
-                <a:cs typeface="Courier New" pitchFamily="49" charset="0"/>
-              </a:rPr>
-              <a:t>[fila-i][columna-i] ++;</a:t>
-            </a:r>
-          </a:p>
-          <a:p>
-            <a:r>
-              <a:rPr lang="es-AR" sz="1100" dirty="0" smtClean="0">
-                <a:latin typeface="Courier New" pitchFamily="49" charset="0"/>
-                <a:cs typeface="Courier New" pitchFamily="49" charset="0"/>
-              </a:rPr>
-              <a:t>		</a:t>
-            </a:r>
-            <a:r>
-              <a:rPr lang="es-AR" sz="1100" dirty="0" smtClean="0">
-                <a:latin typeface="Courier New" pitchFamily="49" charset="0"/>
-                <a:cs typeface="Courier New" pitchFamily="49" charset="0"/>
-              </a:rPr>
-              <a:t>else</a:t>
-            </a:r>
-            <a:endParaRPr lang="es-AR" sz="1100" dirty="0" smtClean="0">
-              <a:latin typeface="Courier New" pitchFamily="49" charset="0"/>
-              <a:cs typeface="Courier New" pitchFamily="49" charset="0"/>
-            </a:endParaRPr>
-          </a:p>
-          <a:p>
-            <a:r>
-              <a:rPr lang="es-AR" sz="1100" dirty="0" smtClean="0">
-                <a:latin typeface="Courier New" pitchFamily="49" charset="0"/>
-                <a:cs typeface="Courier New" pitchFamily="49" charset="0"/>
-              </a:rPr>
-              <a:t>			</a:t>
-            </a:r>
-            <a:r>
-              <a:rPr lang="es-AR" sz="1100" dirty="0" smtClean="0">
-                <a:latin typeface="Courier New" pitchFamily="49" charset="0"/>
-                <a:cs typeface="Courier New" pitchFamily="49" charset="0"/>
-              </a:rPr>
-              <a:t>arrTablero</a:t>
-            </a:r>
-            <a:r>
-              <a:rPr lang="es-AR" sz="1100" dirty="0" smtClean="0">
-                <a:latin typeface="Courier New" pitchFamily="49" charset="0"/>
-                <a:cs typeface="Courier New" pitchFamily="49" charset="0"/>
-              </a:rPr>
-              <a:t>[fila-i][columna-i] = 2;</a:t>
+              <a:t>			arrTablero[fila-i][columna-i] = 2;</a:t>
             </a:r>
             <a:endParaRPr lang="es-AR" dirty="0">
               <a:latin typeface="Courier New" pitchFamily="49" charset="0"/>
@@ -30331,42 +26022,52 @@
                 <a:latin typeface="Courier New" pitchFamily="49" charset="0"/>
                 <a:cs typeface="Courier New" pitchFamily="49" charset="0"/>
               </a:rPr>
-              <a:t>if</a:t>
-            </a:r>
+              <a:t>if(fila + 2 &lt; dimension &amp;&amp; columna + 1 &lt; dimension)</a:t>
+            </a:r>
+          </a:p>
+          <a:p>
             <a:r>
               <a:rPr lang="es-AR" sz="1100" dirty="0" smtClean="0">
                 <a:latin typeface="Courier New" pitchFamily="49" charset="0"/>
                 <a:cs typeface="Courier New" pitchFamily="49" charset="0"/>
               </a:rPr>
-              <a:t>(fila + 2 &lt; </a:t>
-            </a:r>
+              <a:t>	if(arrTablero[fila+2][columna+1] != 1) </a:t>
+            </a:r>
+          </a:p>
+          <a:p>
             <a:r>
               <a:rPr lang="es-AR" sz="1100" dirty="0" smtClean="0">
                 <a:latin typeface="Courier New" pitchFamily="49" charset="0"/>
                 <a:cs typeface="Courier New" pitchFamily="49" charset="0"/>
               </a:rPr>
-              <a:t>dimension</a:t>
-            </a:r>
+              <a:t>		if(arrTablero[fila+2][columna+1] &gt;= 2) </a:t>
+            </a:r>
+          </a:p>
+          <a:p>
             <a:r>
               <a:rPr lang="es-AR" sz="1100" dirty="0" smtClean="0">
                 <a:latin typeface="Courier New" pitchFamily="49" charset="0"/>
                 <a:cs typeface="Courier New" pitchFamily="49" charset="0"/>
               </a:rPr>
-              <a:t> &amp;&amp; columna + 1 &lt; </a:t>
-            </a:r>
+              <a:t>			arrTablero[fila+2][columna+1] ++;</a:t>
+            </a:r>
+          </a:p>
+          <a:p>
             <a:r>
               <a:rPr lang="es-AR" sz="1100" dirty="0" smtClean="0">
                 <a:latin typeface="Courier New" pitchFamily="49" charset="0"/>
                 <a:cs typeface="Courier New" pitchFamily="49" charset="0"/>
               </a:rPr>
-              <a:t>dimension</a:t>
-            </a:r>
+              <a:t>		else</a:t>
+            </a:r>
+          </a:p>
+          <a:p>
             <a:r>
               <a:rPr lang="es-AR" sz="1100" dirty="0" smtClean="0">
                 <a:latin typeface="Courier New" pitchFamily="49" charset="0"/>
                 <a:cs typeface="Courier New" pitchFamily="49" charset="0"/>
               </a:rPr>
-              <a:t>)</a:t>
+              <a:t>			arrTablero[fila+2][columna+1] = 2;</a:t>
             </a:r>
           </a:p>
           <a:p>
@@ -30375,35 +26076,43 @@
                 <a:latin typeface="Courier New" pitchFamily="49" charset="0"/>
                 <a:cs typeface="Courier New" pitchFamily="49" charset="0"/>
               </a:rPr>
-              <a:t>	</a:t>
-            </a:r>
+              <a:t>				</a:t>
+            </a:r>
+          </a:p>
+          <a:p>
             <a:r>
               <a:rPr lang="es-AR" sz="1100" dirty="0" smtClean="0">
                 <a:latin typeface="Courier New" pitchFamily="49" charset="0"/>
                 <a:cs typeface="Courier New" pitchFamily="49" charset="0"/>
               </a:rPr>
-              <a:t>if</a:t>
-            </a:r>
+              <a:t>if(columna - 1 &gt;= 0 &amp;&amp; fila + 2 &lt; dimension) </a:t>
+            </a:r>
+          </a:p>
+          <a:p>
             <a:r>
               <a:rPr lang="es-AR" sz="1100" dirty="0" smtClean="0">
                 <a:latin typeface="Courier New" pitchFamily="49" charset="0"/>
                 <a:cs typeface="Courier New" pitchFamily="49" charset="0"/>
               </a:rPr>
-              <a:t>(</a:t>
-            </a:r>
+              <a:t>	if(arrTablero[fila+2][columna-1] != 1) </a:t>
+            </a:r>
+          </a:p>
+          <a:p>
             <a:r>
               <a:rPr lang="es-AR" sz="1100" dirty="0" smtClean="0">
                 <a:latin typeface="Courier New" pitchFamily="49" charset="0"/>
                 <a:cs typeface="Courier New" pitchFamily="49" charset="0"/>
               </a:rPr>
-              <a:t>arrTablero</a:t>
-            </a:r>
+              <a:t>		if(arrTablero[fila+2][columna-1] &gt;= 2) </a:t>
+            </a:r>
+          </a:p>
+          <a:p>
             <a:r>
               <a:rPr lang="es-AR" sz="1100" dirty="0" smtClean="0">
                 <a:latin typeface="Courier New" pitchFamily="49" charset="0"/>
                 <a:cs typeface="Courier New" pitchFamily="49" charset="0"/>
               </a:rPr>
-              <a:t>[fila+2][columna+1] != 1) </a:t>
+              <a:t>			arrTablero[fila+2][columna-1]  ++;	</a:t>
             </a:r>
           </a:p>
           <a:p>
@@ -30412,35 +26121,124 @@
                 <a:latin typeface="Courier New" pitchFamily="49" charset="0"/>
                 <a:cs typeface="Courier New" pitchFamily="49" charset="0"/>
               </a:rPr>
+              <a:t>		else</a:t>
+            </a:r>
+          </a:p>
+          <a:p>
+            <a:r>
+              <a:rPr lang="es-AR" sz="1100" dirty="0" smtClean="0">
+                <a:latin typeface="Courier New" pitchFamily="49" charset="0"/>
+                <a:cs typeface="Courier New" pitchFamily="49" charset="0"/>
+              </a:rPr>
+              <a:t>			arrTablero[fila+2][columna-1] = 2;	</a:t>
+            </a:r>
+          </a:p>
+          <a:p>
+            <a:r>
+              <a:rPr lang="es-AR" sz="1100" dirty="0" smtClean="0">
+                <a:latin typeface="Courier New" pitchFamily="49" charset="0"/>
+                <a:cs typeface="Courier New" pitchFamily="49" charset="0"/>
+              </a:rPr>
+              <a:t>			</a:t>
+            </a:r>
+          </a:p>
+          <a:p>
+            <a:r>
+              <a:rPr lang="es-AR" sz="1100" dirty="0" smtClean="0">
+                <a:latin typeface="Courier New" pitchFamily="49" charset="0"/>
+                <a:cs typeface="Courier New" pitchFamily="49" charset="0"/>
+              </a:rPr>
+              <a:t>if(fila - 2 &gt;= 0 &amp;&amp; columna + 1 &lt; dimension)	</a:t>
+            </a:r>
+          </a:p>
+          <a:p>
+            <a:r>
+              <a:rPr lang="es-AR" sz="1100" dirty="0" smtClean="0">
+                <a:latin typeface="Courier New" pitchFamily="49" charset="0"/>
+                <a:cs typeface="Courier New" pitchFamily="49" charset="0"/>
+              </a:rPr>
+              <a:t>	if(arrTablero[fila-2][columna+1] != 1) </a:t>
+            </a:r>
+          </a:p>
+          <a:p>
+            <a:r>
+              <a:rPr lang="es-AR" sz="1100" dirty="0" smtClean="0">
+                <a:latin typeface="Courier New" pitchFamily="49" charset="0"/>
+                <a:cs typeface="Courier New" pitchFamily="49" charset="0"/>
+              </a:rPr>
+              <a:t>		if(arrTablero[fila-2][columna+1] &gt;= 2) </a:t>
+            </a:r>
+          </a:p>
+          <a:p>
+            <a:r>
+              <a:rPr lang="es-AR" sz="1100" dirty="0" smtClean="0">
+                <a:latin typeface="Courier New" pitchFamily="49" charset="0"/>
+                <a:cs typeface="Courier New" pitchFamily="49" charset="0"/>
+              </a:rPr>
+              <a:t>			arrTablero[fila-2][columna+1] ++;</a:t>
+            </a:r>
+          </a:p>
+          <a:p>
+            <a:r>
+              <a:rPr lang="es-AR" sz="1100" dirty="0" smtClean="0">
+                <a:latin typeface="Courier New" pitchFamily="49" charset="0"/>
+                <a:cs typeface="Courier New" pitchFamily="49" charset="0"/>
+              </a:rPr>
+              <a:t>		else</a:t>
+            </a:r>
+          </a:p>
+          <a:p>
+            <a:r>
+              <a:rPr lang="es-AR" sz="1100" dirty="0" smtClean="0">
+                <a:latin typeface="Courier New" pitchFamily="49" charset="0"/>
+                <a:cs typeface="Courier New" pitchFamily="49" charset="0"/>
+              </a:rPr>
+              <a:t>			arrTablero[fila-2][columna+1] = 2;</a:t>
+            </a:r>
+          </a:p>
+          <a:p>
+            <a:r>
+              <a:rPr lang="es-AR" sz="1100" dirty="0" smtClean="0">
+                <a:latin typeface="Courier New" pitchFamily="49" charset="0"/>
+                <a:cs typeface="Courier New" pitchFamily="49" charset="0"/>
+              </a:rPr>
               <a:t>		</a:t>
             </a:r>
+          </a:p>
+          <a:p>
             <a:r>
               <a:rPr lang="es-AR" sz="1100" dirty="0" smtClean="0">
                 <a:latin typeface="Courier New" pitchFamily="49" charset="0"/>
                 <a:cs typeface="Courier New" pitchFamily="49" charset="0"/>
               </a:rPr>
-              <a:t>if</a:t>
-            </a:r>
+              <a:t>if(fila - 2 &gt;= 0 &amp;&amp; columna - 1 &gt;= 0)</a:t>
+            </a:r>
+          </a:p>
+          <a:p>
             <a:r>
               <a:rPr lang="es-AR" sz="1100" dirty="0" smtClean="0">
                 <a:latin typeface="Courier New" pitchFamily="49" charset="0"/>
                 <a:cs typeface="Courier New" pitchFamily="49" charset="0"/>
               </a:rPr>
-              <a:t>(</a:t>
-            </a:r>
+              <a:t>	if(arrTablero[fila-2][columna-1] != 1)</a:t>
+            </a:r>
+          </a:p>
+          <a:p>
             <a:r>
               <a:rPr lang="es-AR" sz="1100" dirty="0" smtClean="0">
                 <a:latin typeface="Courier New" pitchFamily="49" charset="0"/>
                 <a:cs typeface="Courier New" pitchFamily="49" charset="0"/>
               </a:rPr>
-              <a:t>arrTablero</a:t>
-            </a:r>
+              <a:t>		if(arrTablero[fila-2][columna-1] &gt;= 2) </a:t>
+            </a:r>
+          </a:p>
+          <a:p>
             <a:r>
               <a:rPr lang="es-AR" sz="1100" dirty="0" smtClean="0">
                 <a:latin typeface="Courier New" pitchFamily="49" charset="0"/>
                 <a:cs typeface="Courier New" pitchFamily="49" charset="0"/>
               </a:rPr>
-              <a:t>[fila+2][columna+1] &gt;= 2) </a:t>
+              <a:t>			arrTablero[fila-2][columna-1] ++;</a:t>
             </a:r>
           </a:p>
           <a:p>
@@ -30449,587 +26247,16 @@
                 <a:latin typeface="Courier New" pitchFamily="49" charset="0"/>
                 <a:cs typeface="Courier New" pitchFamily="49" charset="0"/>
               </a:rPr>
-              <a:t>			</a:t>
-            </a:r>
+              <a:t>		else</a:t>
+            </a:r>
+          </a:p>
+          <a:p>
             <a:r>
               <a:rPr lang="es-AR" sz="1100" dirty="0" smtClean="0">
                 <a:latin typeface="Courier New" pitchFamily="49" charset="0"/>
                 <a:cs typeface="Courier New" pitchFamily="49" charset="0"/>
               </a:rPr>
-              <a:t>arrTablero</a:t>
-            </a:r>
-            <a:r>
-              <a:rPr lang="es-AR" sz="1100" dirty="0" smtClean="0">
-                <a:latin typeface="Courier New" pitchFamily="49" charset="0"/>
-                <a:cs typeface="Courier New" pitchFamily="49" charset="0"/>
-              </a:rPr>
-              <a:t>[fila+2][columna+1] ++;</a:t>
-            </a:r>
-          </a:p>
-          <a:p>
-            <a:r>
-              <a:rPr lang="es-AR" sz="1100" dirty="0" smtClean="0">
-                <a:latin typeface="Courier New" pitchFamily="49" charset="0"/>
-                <a:cs typeface="Courier New" pitchFamily="49" charset="0"/>
-              </a:rPr>
-              <a:t>		</a:t>
-            </a:r>
-            <a:r>
-              <a:rPr lang="es-AR" sz="1100" dirty="0" smtClean="0">
-                <a:latin typeface="Courier New" pitchFamily="49" charset="0"/>
-                <a:cs typeface="Courier New" pitchFamily="49" charset="0"/>
-              </a:rPr>
-              <a:t>else</a:t>
-            </a:r>
-            <a:endParaRPr lang="es-AR" sz="1100" dirty="0" smtClean="0">
-              <a:latin typeface="Courier New" pitchFamily="49" charset="0"/>
-              <a:cs typeface="Courier New" pitchFamily="49" charset="0"/>
-            </a:endParaRPr>
-          </a:p>
-          <a:p>
-            <a:r>
-              <a:rPr lang="es-AR" sz="1100" dirty="0" smtClean="0">
-                <a:latin typeface="Courier New" pitchFamily="49" charset="0"/>
-                <a:cs typeface="Courier New" pitchFamily="49" charset="0"/>
-              </a:rPr>
-              <a:t>			</a:t>
-            </a:r>
-            <a:r>
-              <a:rPr lang="es-AR" sz="1100" dirty="0" smtClean="0">
-                <a:latin typeface="Courier New" pitchFamily="49" charset="0"/>
-                <a:cs typeface="Courier New" pitchFamily="49" charset="0"/>
-              </a:rPr>
-              <a:t>arrTablero</a:t>
-            </a:r>
-            <a:r>
-              <a:rPr lang="es-AR" sz="1100" dirty="0" smtClean="0">
-                <a:latin typeface="Courier New" pitchFamily="49" charset="0"/>
-                <a:cs typeface="Courier New" pitchFamily="49" charset="0"/>
-              </a:rPr>
-              <a:t>[fila+2][columna+1] = 2;</a:t>
-            </a:r>
-          </a:p>
-          <a:p>
-            <a:r>
-              <a:rPr lang="es-AR" sz="1100" dirty="0" smtClean="0">
-                <a:latin typeface="Courier New" pitchFamily="49" charset="0"/>
-                <a:cs typeface="Courier New" pitchFamily="49" charset="0"/>
-              </a:rPr>
-              <a:t>				</a:t>
-            </a:r>
-          </a:p>
-          <a:p>
-            <a:r>
-              <a:rPr lang="es-AR" sz="1100" dirty="0" smtClean="0">
-                <a:latin typeface="Courier New" pitchFamily="49" charset="0"/>
-                <a:cs typeface="Courier New" pitchFamily="49" charset="0"/>
-              </a:rPr>
-              <a:t>if</a:t>
-            </a:r>
-            <a:r>
-              <a:rPr lang="es-AR" sz="1100" dirty="0" smtClean="0">
-                <a:latin typeface="Courier New" pitchFamily="49" charset="0"/>
-                <a:cs typeface="Courier New" pitchFamily="49" charset="0"/>
-              </a:rPr>
-              <a:t>(columna - 1 &gt;= 0 &amp;&amp; fila + 2 &lt; </a:t>
-            </a:r>
-            <a:r>
-              <a:rPr lang="es-AR" sz="1100" dirty="0" smtClean="0">
-                <a:latin typeface="Courier New" pitchFamily="49" charset="0"/>
-                <a:cs typeface="Courier New" pitchFamily="49" charset="0"/>
-              </a:rPr>
-              <a:t>dimension</a:t>
-            </a:r>
-            <a:r>
-              <a:rPr lang="es-AR" sz="1100" dirty="0" smtClean="0">
-                <a:latin typeface="Courier New" pitchFamily="49" charset="0"/>
-                <a:cs typeface="Courier New" pitchFamily="49" charset="0"/>
-              </a:rPr>
-              <a:t>) </a:t>
-            </a:r>
-          </a:p>
-          <a:p>
-            <a:r>
-              <a:rPr lang="es-AR" sz="1100" dirty="0" smtClean="0">
-                <a:latin typeface="Courier New" pitchFamily="49" charset="0"/>
-                <a:cs typeface="Courier New" pitchFamily="49" charset="0"/>
-              </a:rPr>
-              <a:t>	</a:t>
-            </a:r>
-            <a:r>
-              <a:rPr lang="es-AR" sz="1100" dirty="0" smtClean="0">
-                <a:latin typeface="Courier New" pitchFamily="49" charset="0"/>
-                <a:cs typeface="Courier New" pitchFamily="49" charset="0"/>
-              </a:rPr>
-              <a:t>if</a:t>
-            </a:r>
-            <a:r>
-              <a:rPr lang="es-AR" sz="1100" dirty="0" smtClean="0">
-                <a:latin typeface="Courier New" pitchFamily="49" charset="0"/>
-                <a:cs typeface="Courier New" pitchFamily="49" charset="0"/>
-              </a:rPr>
-              <a:t>(</a:t>
-            </a:r>
-            <a:r>
-              <a:rPr lang="es-AR" sz="1100" dirty="0" smtClean="0">
-                <a:latin typeface="Courier New" pitchFamily="49" charset="0"/>
-                <a:cs typeface="Courier New" pitchFamily="49" charset="0"/>
-              </a:rPr>
-              <a:t>arrTablero</a:t>
-            </a:r>
-            <a:r>
-              <a:rPr lang="es-AR" sz="1100" dirty="0" smtClean="0">
-                <a:latin typeface="Courier New" pitchFamily="49" charset="0"/>
-                <a:cs typeface="Courier New" pitchFamily="49" charset="0"/>
-              </a:rPr>
-              <a:t>[fila+2][columna-1] != 1) </a:t>
-            </a:r>
-          </a:p>
-          <a:p>
-            <a:r>
-              <a:rPr lang="es-AR" sz="1100" dirty="0" smtClean="0">
-                <a:latin typeface="Courier New" pitchFamily="49" charset="0"/>
-                <a:cs typeface="Courier New" pitchFamily="49" charset="0"/>
-              </a:rPr>
-              <a:t>		</a:t>
-            </a:r>
-            <a:r>
-              <a:rPr lang="es-AR" sz="1100" dirty="0" smtClean="0">
-                <a:latin typeface="Courier New" pitchFamily="49" charset="0"/>
-                <a:cs typeface="Courier New" pitchFamily="49" charset="0"/>
-              </a:rPr>
-              <a:t>if</a:t>
-            </a:r>
-            <a:r>
-              <a:rPr lang="es-AR" sz="1100" dirty="0" smtClean="0">
-                <a:latin typeface="Courier New" pitchFamily="49" charset="0"/>
-                <a:cs typeface="Courier New" pitchFamily="49" charset="0"/>
-              </a:rPr>
-              <a:t>(</a:t>
-            </a:r>
-            <a:r>
-              <a:rPr lang="es-AR" sz="1100" dirty="0" smtClean="0">
-                <a:latin typeface="Courier New" pitchFamily="49" charset="0"/>
-                <a:cs typeface="Courier New" pitchFamily="49" charset="0"/>
-              </a:rPr>
-              <a:t>arrTablero</a:t>
-            </a:r>
-            <a:r>
-              <a:rPr lang="es-AR" sz="1100" dirty="0" smtClean="0">
-                <a:latin typeface="Courier New" pitchFamily="49" charset="0"/>
-                <a:cs typeface="Courier New" pitchFamily="49" charset="0"/>
-              </a:rPr>
-              <a:t>[fila+2][columna-1] &gt;= 2) </a:t>
-            </a:r>
-          </a:p>
-          <a:p>
-            <a:r>
-              <a:rPr lang="es-AR" sz="1100" dirty="0" smtClean="0">
-                <a:latin typeface="Courier New" pitchFamily="49" charset="0"/>
-                <a:cs typeface="Courier New" pitchFamily="49" charset="0"/>
-              </a:rPr>
-              <a:t>			</a:t>
-            </a:r>
-            <a:r>
-              <a:rPr lang="es-AR" sz="1100" dirty="0" smtClean="0">
-                <a:latin typeface="Courier New" pitchFamily="49" charset="0"/>
-                <a:cs typeface="Courier New" pitchFamily="49" charset="0"/>
-              </a:rPr>
-              <a:t>arrTablero</a:t>
-            </a:r>
-            <a:r>
-              <a:rPr lang="es-AR" sz="1100" dirty="0" smtClean="0">
-                <a:latin typeface="Courier New" pitchFamily="49" charset="0"/>
-                <a:cs typeface="Courier New" pitchFamily="49" charset="0"/>
-              </a:rPr>
-              <a:t>[fila+2][columna-1]  ++;	</a:t>
-            </a:r>
-          </a:p>
-          <a:p>
-            <a:r>
-              <a:rPr lang="es-AR" sz="1100" dirty="0" smtClean="0">
-                <a:latin typeface="Courier New" pitchFamily="49" charset="0"/>
-                <a:cs typeface="Courier New" pitchFamily="49" charset="0"/>
-              </a:rPr>
-              <a:t>		</a:t>
-            </a:r>
-            <a:r>
-              <a:rPr lang="es-AR" sz="1100" dirty="0" smtClean="0">
-                <a:latin typeface="Courier New" pitchFamily="49" charset="0"/>
-                <a:cs typeface="Courier New" pitchFamily="49" charset="0"/>
-              </a:rPr>
-              <a:t>else</a:t>
-            </a:r>
-            <a:endParaRPr lang="es-AR" sz="1100" dirty="0" smtClean="0">
-              <a:latin typeface="Courier New" pitchFamily="49" charset="0"/>
-              <a:cs typeface="Courier New" pitchFamily="49" charset="0"/>
-            </a:endParaRPr>
-          </a:p>
-          <a:p>
-            <a:r>
-              <a:rPr lang="es-AR" sz="1100" dirty="0" smtClean="0">
-                <a:latin typeface="Courier New" pitchFamily="49" charset="0"/>
-                <a:cs typeface="Courier New" pitchFamily="49" charset="0"/>
-              </a:rPr>
-              <a:t>			</a:t>
-            </a:r>
-            <a:r>
-              <a:rPr lang="es-AR" sz="1100" dirty="0" smtClean="0">
-                <a:latin typeface="Courier New" pitchFamily="49" charset="0"/>
-                <a:cs typeface="Courier New" pitchFamily="49" charset="0"/>
-              </a:rPr>
-              <a:t>arrTablero</a:t>
-            </a:r>
-            <a:r>
-              <a:rPr lang="es-AR" sz="1100" dirty="0" smtClean="0">
-                <a:latin typeface="Courier New" pitchFamily="49" charset="0"/>
-                <a:cs typeface="Courier New" pitchFamily="49" charset="0"/>
-              </a:rPr>
-              <a:t>[fila+2][columna-1] = 2;	</a:t>
-            </a:r>
-          </a:p>
-          <a:p>
-            <a:r>
-              <a:rPr lang="es-AR" sz="1100" dirty="0" smtClean="0">
-                <a:latin typeface="Courier New" pitchFamily="49" charset="0"/>
-                <a:cs typeface="Courier New" pitchFamily="49" charset="0"/>
-              </a:rPr>
-              <a:t>			</a:t>
-            </a:r>
-          </a:p>
-          <a:p>
-            <a:r>
-              <a:rPr lang="es-AR" sz="1100" dirty="0" smtClean="0">
-                <a:latin typeface="Courier New" pitchFamily="49" charset="0"/>
-                <a:cs typeface="Courier New" pitchFamily="49" charset="0"/>
-              </a:rPr>
-              <a:t>if</a:t>
-            </a:r>
-            <a:r>
-              <a:rPr lang="es-AR" sz="1100" dirty="0" smtClean="0">
-                <a:latin typeface="Courier New" pitchFamily="49" charset="0"/>
-                <a:cs typeface="Courier New" pitchFamily="49" charset="0"/>
-              </a:rPr>
-              <a:t>(fila - 2 &gt;= 0 &amp;&amp; columna + 1 &lt; </a:t>
-            </a:r>
-            <a:r>
-              <a:rPr lang="es-AR" sz="1100" dirty="0" smtClean="0">
-                <a:latin typeface="Courier New" pitchFamily="49" charset="0"/>
-                <a:cs typeface="Courier New" pitchFamily="49" charset="0"/>
-              </a:rPr>
-              <a:t>dimension</a:t>
-            </a:r>
-            <a:r>
-              <a:rPr lang="es-AR" sz="1100" dirty="0" smtClean="0">
-                <a:latin typeface="Courier New" pitchFamily="49" charset="0"/>
-                <a:cs typeface="Courier New" pitchFamily="49" charset="0"/>
-              </a:rPr>
-              <a:t>)	</a:t>
-            </a:r>
-          </a:p>
-          <a:p>
-            <a:r>
-              <a:rPr lang="es-AR" sz="1100" dirty="0" smtClean="0">
-                <a:latin typeface="Courier New" pitchFamily="49" charset="0"/>
-                <a:cs typeface="Courier New" pitchFamily="49" charset="0"/>
-              </a:rPr>
-              <a:t>	</a:t>
-            </a:r>
-            <a:r>
-              <a:rPr lang="es-AR" sz="1100" dirty="0" smtClean="0">
-                <a:latin typeface="Courier New" pitchFamily="49" charset="0"/>
-                <a:cs typeface="Courier New" pitchFamily="49" charset="0"/>
-              </a:rPr>
-              <a:t>if</a:t>
-            </a:r>
-            <a:r>
-              <a:rPr lang="es-AR" sz="1100" dirty="0" smtClean="0">
-                <a:latin typeface="Courier New" pitchFamily="49" charset="0"/>
-                <a:cs typeface="Courier New" pitchFamily="49" charset="0"/>
-              </a:rPr>
-              <a:t>(</a:t>
-            </a:r>
-            <a:r>
-              <a:rPr lang="es-AR" sz="1100" dirty="0" smtClean="0">
-                <a:latin typeface="Courier New" pitchFamily="49" charset="0"/>
-                <a:cs typeface="Courier New" pitchFamily="49" charset="0"/>
-              </a:rPr>
-              <a:t>arrTablero</a:t>
-            </a:r>
-            <a:r>
-              <a:rPr lang="es-AR" sz="1100" dirty="0" smtClean="0">
-                <a:latin typeface="Courier New" pitchFamily="49" charset="0"/>
-                <a:cs typeface="Courier New" pitchFamily="49" charset="0"/>
-              </a:rPr>
-              <a:t>[fila-2][columna+1] != 1) </a:t>
-            </a:r>
-          </a:p>
-          <a:p>
-            <a:r>
-              <a:rPr lang="es-AR" sz="1100" dirty="0" smtClean="0">
-                <a:latin typeface="Courier New" pitchFamily="49" charset="0"/>
-                <a:cs typeface="Courier New" pitchFamily="49" charset="0"/>
-              </a:rPr>
-              <a:t>		</a:t>
-            </a:r>
-            <a:r>
-              <a:rPr lang="es-AR" sz="1100" dirty="0" smtClean="0">
-                <a:latin typeface="Courier New" pitchFamily="49" charset="0"/>
-                <a:cs typeface="Courier New" pitchFamily="49" charset="0"/>
-              </a:rPr>
-              <a:t>if</a:t>
-            </a:r>
-            <a:r>
-              <a:rPr lang="es-AR" sz="1100" dirty="0" smtClean="0">
-                <a:latin typeface="Courier New" pitchFamily="49" charset="0"/>
-                <a:cs typeface="Courier New" pitchFamily="49" charset="0"/>
-              </a:rPr>
-              <a:t>(</a:t>
-            </a:r>
-            <a:r>
-              <a:rPr lang="es-AR" sz="1100" dirty="0" smtClean="0">
-                <a:latin typeface="Courier New" pitchFamily="49" charset="0"/>
-                <a:cs typeface="Courier New" pitchFamily="49" charset="0"/>
-              </a:rPr>
-              <a:t>arrTablero</a:t>
-            </a:r>
-            <a:r>
-              <a:rPr lang="es-AR" sz="1100" dirty="0" smtClean="0">
-                <a:latin typeface="Courier New" pitchFamily="49" charset="0"/>
-                <a:cs typeface="Courier New" pitchFamily="49" charset="0"/>
-              </a:rPr>
-              <a:t>[fila-2][columna+1] &gt;= 2) </a:t>
-            </a:r>
-          </a:p>
-          <a:p>
-            <a:r>
-              <a:rPr lang="es-AR" sz="1100" dirty="0" smtClean="0">
-                <a:latin typeface="Courier New" pitchFamily="49" charset="0"/>
-                <a:cs typeface="Courier New" pitchFamily="49" charset="0"/>
-              </a:rPr>
-              <a:t>			</a:t>
-            </a:r>
-            <a:r>
-              <a:rPr lang="es-AR" sz="1100" dirty="0" smtClean="0">
-                <a:latin typeface="Courier New" pitchFamily="49" charset="0"/>
-                <a:cs typeface="Courier New" pitchFamily="49" charset="0"/>
-              </a:rPr>
-              <a:t>arrTablero</a:t>
-            </a:r>
-            <a:r>
-              <a:rPr lang="es-AR" sz="1100" dirty="0" smtClean="0">
-                <a:latin typeface="Courier New" pitchFamily="49" charset="0"/>
-                <a:cs typeface="Courier New" pitchFamily="49" charset="0"/>
-              </a:rPr>
-              <a:t>[fila-2][columna+1] ++;</a:t>
-            </a:r>
-          </a:p>
-          <a:p>
-            <a:r>
-              <a:rPr lang="es-AR" sz="1100" dirty="0" smtClean="0">
-                <a:latin typeface="Courier New" pitchFamily="49" charset="0"/>
-                <a:cs typeface="Courier New" pitchFamily="49" charset="0"/>
-              </a:rPr>
-              <a:t>		</a:t>
-            </a:r>
-            <a:r>
-              <a:rPr lang="es-AR" sz="1100" dirty="0" smtClean="0">
-                <a:latin typeface="Courier New" pitchFamily="49" charset="0"/>
-                <a:cs typeface="Courier New" pitchFamily="49" charset="0"/>
-              </a:rPr>
-              <a:t>else</a:t>
-            </a:r>
-            <a:endParaRPr lang="es-AR" sz="1100" dirty="0" smtClean="0">
-              <a:latin typeface="Courier New" pitchFamily="49" charset="0"/>
-              <a:cs typeface="Courier New" pitchFamily="49" charset="0"/>
-            </a:endParaRPr>
-          </a:p>
-          <a:p>
-            <a:r>
-              <a:rPr lang="es-AR" sz="1100" dirty="0" smtClean="0">
-                <a:latin typeface="Courier New" pitchFamily="49" charset="0"/>
-                <a:cs typeface="Courier New" pitchFamily="49" charset="0"/>
-              </a:rPr>
-              <a:t>			</a:t>
-            </a:r>
-            <a:r>
-              <a:rPr lang="es-AR" sz="1100" dirty="0" smtClean="0">
-                <a:latin typeface="Courier New" pitchFamily="49" charset="0"/>
-                <a:cs typeface="Courier New" pitchFamily="49" charset="0"/>
-              </a:rPr>
-              <a:t>arrTablero</a:t>
-            </a:r>
-            <a:r>
-              <a:rPr lang="es-AR" sz="1100" dirty="0" smtClean="0">
-                <a:latin typeface="Courier New" pitchFamily="49" charset="0"/>
-                <a:cs typeface="Courier New" pitchFamily="49" charset="0"/>
-              </a:rPr>
-              <a:t>[fila-2][columna+1] = 2;</a:t>
-            </a:r>
-          </a:p>
-          <a:p>
-            <a:r>
-              <a:rPr lang="es-AR" sz="1100" dirty="0" smtClean="0">
-                <a:latin typeface="Courier New" pitchFamily="49" charset="0"/>
-                <a:cs typeface="Courier New" pitchFamily="49" charset="0"/>
-              </a:rPr>
-              <a:t>		</a:t>
-            </a:r>
-          </a:p>
-          <a:p>
-            <a:r>
-              <a:rPr lang="es-AR" sz="1100" dirty="0" smtClean="0">
-                <a:latin typeface="Courier New" pitchFamily="49" charset="0"/>
-                <a:cs typeface="Courier New" pitchFamily="49" charset="0"/>
-              </a:rPr>
-              <a:t>if</a:t>
-            </a:r>
-            <a:r>
-              <a:rPr lang="es-AR" sz="1100" dirty="0" smtClean="0">
-                <a:latin typeface="Courier New" pitchFamily="49" charset="0"/>
-                <a:cs typeface="Courier New" pitchFamily="49" charset="0"/>
-              </a:rPr>
-              <a:t>(fila - 2 &gt;= 0 &amp;&amp; columna - 1 &gt;= 0)</a:t>
-            </a:r>
-          </a:p>
-          <a:p>
-            <a:r>
-              <a:rPr lang="es-AR" sz="1100" dirty="0" smtClean="0">
-                <a:latin typeface="Courier New" pitchFamily="49" charset="0"/>
-                <a:cs typeface="Courier New" pitchFamily="49" charset="0"/>
-              </a:rPr>
-              <a:t>	</a:t>
-            </a:r>
-            <a:r>
-              <a:rPr lang="es-AR" sz="1100" dirty="0" smtClean="0">
-                <a:latin typeface="Courier New" pitchFamily="49" charset="0"/>
-                <a:cs typeface="Courier New" pitchFamily="49" charset="0"/>
-              </a:rPr>
-              <a:t>if</a:t>
-            </a:r>
-            <a:r>
-              <a:rPr lang="es-AR" sz="1100" dirty="0" smtClean="0">
-                <a:latin typeface="Courier New" pitchFamily="49" charset="0"/>
-                <a:cs typeface="Courier New" pitchFamily="49" charset="0"/>
-              </a:rPr>
-              <a:t>(</a:t>
-            </a:r>
-            <a:r>
-              <a:rPr lang="es-AR" sz="1100" dirty="0" smtClean="0">
-                <a:latin typeface="Courier New" pitchFamily="49" charset="0"/>
-                <a:cs typeface="Courier New" pitchFamily="49" charset="0"/>
-              </a:rPr>
-              <a:t>arrTablero</a:t>
-            </a:r>
-            <a:r>
-              <a:rPr lang="es-AR" sz="1100" dirty="0" smtClean="0">
-                <a:latin typeface="Courier New" pitchFamily="49" charset="0"/>
-                <a:cs typeface="Courier New" pitchFamily="49" charset="0"/>
-              </a:rPr>
-              <a:t>[fila-2][columna-1] != 1)</a:t>
-            </a:r>
-          </a:p>
-          <a:p>
-            <a:r>
-              <a:rPr lang="es-AR" sz="1100" dirty="0" smtClean="0">
-                <a:latin typeface="Courier New" pitchFamily="49" charset="0"/>
-                <a:cs typeface="Courier New" pitchFamily="49" charset="0"/>
-              </a:rPr>
-              <a:t>		</a:t>
-            </a:r>
-            <a:r>
-              <a:rPr lang="es-AR" sz="1100" dirty="0" smtClean="0">
-                <a:latin typeface="Courier New" pitchFamily="49" charset="0"/>
-                <a:cs typeface="Courier New" pitchFamily="49" charset="0"/>
-              </a:rPr>
-              <a:t>if</a:t>
-            </a:r>
-            <a:r>
-              <a:rPr lang="es-AR" sz="1100" dirty="0" smtClean="0">
-                <a:latin typeface="Courier New" pitchFamily="49" charset="0"/>
-                <a:cs typeface="Courier New" pitchFamily="49" charset="0"/>
-              </a:rPr>
-              <a:t>(</a:t>
-            </a:r>
-            <a:r>
-              <a:rPr lang="es-AR" sz="1100" dirty="0" smtClean="0">
-                <a:latin typeface="Courier New" pitchFamily="49" charset="0"/>
-                <a:cs typeface="Courier New" pitchFamily="49" charset="0"/>
-              </a:rPr>
-              <a:t>arrTablero</a:t>
-            </a:r>
-            <a:r>
-              <a:rPr lang="es-AR" sz="1100" dirty="0" smtClean="0">
-                <a:latin typeface="Courier New" pitchFamily="49" charset="0"/>
-                <a:cs typeface="Courier New" pitchFamily="49" charset="0"/>
-              </a:rPr>
-              <a:t>[fila-2][columna-1] &gt;= 2) </a:t>
-            </a:r>
-          </a:p>
-          <a:p>
-            <a:r>
-              <a:rPr lang="es-AR" sz="1100" dirty="0" smtClean="0">
-                <a:latin typeface="Courier New" pitchFamily="49" charset="0"/>
-                <a:cs typeface="Courier New" pitchFamily="49" charset="0"/>
-              </a:rPr>
-              <a:t>			</a:t>
-            </a:r>
-            <a:r>
-              <a:rPr lang="es-AR" sz="1100" dirty="0" smtClean="0">
-                <a:latin typeface="Courier New" pitchFamily="49" charset="0"/>
-                <a:cs typeface="Courier New" pitchFamily="49" charset="0"/>
-              </a:rPr>
-              <a:t>arrTablero</a:t>
-            </a:r>
-            <a:r>
-              <a:rPr lang="es-AR" sz="1100" dirty="0" smtClean="0">
-                <a:latin typeface="Courier New" pitchFamily="49" charset="0"/>
-                <a:cs typeface="Courier New" pitchFamily="49" charset="0"/>
-              </a:rPr>
-              <a:t>[fila-2][columna-1] ++;</a:t>
-            </a:r>
-          </a:p>
-          <a:p>
-            <a:r>
-              <a:rPr lang="es-AR" sz="1100" dirty="0" smtClean="0">
-                <a:latin typeface="Courier New" pitchFamily="49" charset="0"/>
-                <a:cs typeface="Courier New" pitchFamily="49" charset="0"/>
-              </a:rPr>
-              <a:t>		</a:t>
-            </a:r>
-            <a:r>
-              <a:rPr lang="es-AR" sz="1100" dirty="0" smtClean="0">
-                <a:latin typeface="Courier New" pitchFamily="49" charset="0"/>
-                <a:cs typeface="Courier New" pitchFamily="49" charset="0"/>
-              </a:rPr>
-              <a:t>else</a:t>
-            </a:r>
-            <a:endParaRPr lang="es-AR" sz="1100" dirty="0" smtClean="0">
-              <a:latin typeface="Courier New" pitchFamily="49" charset="0"/>
-              <a:cs typeface="Courier New" pitchFamily="49" charset="0"/>
-            </a:endParaRPr>
-          </a:p>
-          <a:p>
-            <a:r>
-              <a:rPr lang="es-AR" sz="1100" dirty="0" smtClean="0">
-                <a:latin typeface="Courier New" pitchFamily="49" charset="0"/>
-                <a:cs typeface="Courier New" pitchFamily="49" charset="0"/>
-              </a:rPr>
-              <a:t>			</a:t>
-            </a:r>
-            <a:r>
-              <a:rPr lang="es-AR" sz="1100" dirty="0" smtClean="0">
-                <a:latin typeface="Courier New" pitchFamily="49" charset="0"/>
-                <a:cs typeface="Courier New" pitchFamily="49" charset="0"/>
-              </a:rPr>
-              <a:t>arrTablero</a:t>
-            </a:r>
-            <a:r>
-              <a:rPr lang="es-AR" sz="1100" dirty="0" smtClean="0">
-                <a:latin typeface="Courier New" pitchFamily="49" charset="0"/>
-                <a:cs typeface="Courier New" pitchFamily="49" charset="0"/>
-              </a:rPr>
-              <a:t>[fila-2][columna-1] = 2;</a:t>
+              <a:t>			arrTablero[fila-2][columna-1] = 2;</a:t>
             </a:r>
           </a:p>
           <a:p>
@@ -31144,103 +26371,19 @@
           <a:p>
             <a:r>
               <a:rPr lang="en-US" dirty="0" smtClean="0"/>
-              <a:t>Una </a:t>
-            </a:r>
+              <a:t>Una manera alternativa de resolver problemas que requieran repeticion.</a:t>
+            </a:r>
+          </a:p>
+          <a:p>
+            <a:endParaRPr lang="en-US" dirty="0" smtClean="0"/>
+          </a:p>
+          <a:p>
+            <a:endParaRPr lang="en-US" dirty="0" smtClean="0"/>
+          </a:p>
+          <a:p>
             <a:r>
               <a:rPr lang="en-US" dirty="0" smtClean="0"/>
-              <a:t>manera</a:t>
-            </a:r>
-            <a:r>
-              <a:rPr lang="en-US" dirty="0" smtClean="0"/>
-              <a:t> </a:t>
-            </a:r>
-            <a:r>
-              <a:rPr lang="en-US" dirty="0" smtClean="0"/>
-              <a:t>alternativa</a:t>
-            </a:r>
-            <a:r>
-              <a:rPr lang="en-US" dirty="0" smtClean="0"/>
-              <a:t> de resolver </a:t>
-            </a:r>
-            <a:r>
-              <a:rPr lang="en-US" dirty="0" smtClean="0"/>
-              <a:t>problemas</a:t>
-            </a:r>
-            <a:r>
-              <a:rPr lang="en-US" dirty="0" smtClean="0"/>
-              <a:t> que </a:t>
-            </a:r>
-            <a:r>
-              <a:rPr lang="en-US" dirty="0" smtClean="0"/>
-              <a:t>requieran</a:t>
-            </a:r>
-            <a:r>
-              <a:rPr lang="en-US" dirty="0" smtClean="0"/>
-              <a:t> </a:t>
-            </a:r>
-            <a:r>
-              <a:rPr lang="en-US" dirty="0" smtClean="0"/>
-              <a:t>repeticion</a:t>
-            </a:r>
-            <a:r>
-              <a:rPr lang="en-US" dirty="0" smtClean="0"/>
-              <a:t>.</a:t>
-            </a:r>
-          </a:p>
-          <a:p>
-            <a:endParaRPr lang="en-US" dirty="0" smtClean="0"/>
-          </a:p>
-          <a:p>
-            <a:endParaRPr lang="en-US" dirty="0" smtClean="0"/>
-          </a:p>
-          <a:p>
-            <a:r>
-              <a:rPr lang="en-US" dirty="0" smtClean="0"/>
-              <a:t>Es</a:t>
-            </a:r>
-            <a:r>
-              <a:rPr lang="en-US" dirty="0" smtClean="0"/>
-              <a:t> un </a:t>
-            </a:r>
-            <a:r>
-              <a:rPr lang="en-US" dirty="0" smtClean="0"/>
-              <a:t>metodo</a:t>
-            </a:r>
-            <a:r>
-              <a:rPr lang="en-US" dirty="0" smtClean="0"/>
-              <a:t> que </a:t>
-            </a:r>
-            <a:r>
-              <a:rPr lang="en-US" dirty="0" smtClean="0"/>
-              <a:t>consiste</a:t>
-            </a:r>
-            <a:r>
-              <a:rPr lang="en-US" dirty="0" smtClean="0"/>
-              <a:t> en </a:t>
-            </a:r>
-            <a:r>
-              <a:rPr lang="en-US" dirty="0" smtClean="0"/>
-              <a:t>llamarse</a:t>
-            </a:r>
-            <a:r>
-              <a:rPr lang="en-US" dirty="0" smtClean="0"/>
-              <a:t> a </a:t>
-            </a:r>
-            <a:r>
-              <a:rPr lang="en-US" dirty="0" smtClean="0"/>
-              <a:t>si</a:t>
-            </a:r>
-            <a:r>
-              <a:rPr lang="en-US" dirty="0" smtClean="0"/>
-              <a:t> </a:t>
-            </a:r>
-            <a:r>
-              <a:rPr lang="en-US" dirty="0" smtClean="0"/>
-              <a:t>mismo</a:t>
-            </a:r>
-            <a:r>
-              <a:rPr lang="en-US" dirty="0" smtClean="0"/>
-              <a:t>.</a:t>
+              <a:t>Es un metodo que consiste en llamarse a si mismo.</a:t>
             </a:r>
           </a:p>
           <a:p>
@@ -31307,23 +26450,7 @@
           <a:p>
             <a:r>
               <a:rPr lang="en-US" dirty="0" smtClean="0"/>
-              <a:t>Resolviendo</a:t>
-            </a:r>
-            <a:r>
-              <a:rPr lang="en-US" dirty="0" smtClean="0"/>
-              <a:t> </a:t>
-            </a:r>
-            <a:r>
-              <a:rPr lang="en-US" dirty="0" smtClean="0"/>
-              <a:t>problemas</a:t>
-            </a:r>
-            <a:r>
-              <a:rPr lang="en-US" dirty="0" smtClean="0"/>
-              <a:t> </a:t>
-            </a:r>
-            <a:r>
-              <a:rPr lang="en-US" dirty="0" smtClean="0"/>
-              <a:t>recursivos</a:t>
+              <a:t>Resolviendo problemas recursivos</a:t>
             </a:r>
             <a:endParaRPr lang="es-AR" dirty="0"/>
           </a:p>
@@ -31346,136 +26473,16 @@
           <a:p>
             <a:r>
               <a:rPr lang="en-US" dirty="0" smtClean="0"/>
-              <a:t>Cuando</a:t>
-            </a:r>
+              <a:t>Cuando usamos recursion, resolvemos un problema reduciendolo a un problema mas simple del mismo formato.</a:t>
+            </a:r>
+          </a:p>
+          <a:p>
+            <a:endParaRPr lang="en-US" dirty="0"/>
+          </a:p>
+          <a:p>
             <a:r>
               <a:rPr lang="en-US" dirty="0" smtClean="0"/>
-              <a:t> </a:t>
-            </a:r>
-            <a:r>
-              <a:rPr lang="en-US" dirty="0" smtClean="0"/>
-              <a:t>usamos</a:t>
-            </a:r>
-            <a:r>
-              <a:rPr lang="en-US" dirty="0" smtClean="0"/>
-              <a:t> recursion, </a:t>
-            </a:r>
-            <a:r>
-              <a:rPr lang="en-US" dirty="0" smtClean="0"/>
-              <a:t>resolvemos</a:t>
-            </a:r>
-            <a:r>
-              <a:rPr lang="en-US" dirty="0" smtClean="0"/>
-              <a:t> un </a:t>
-            </a:r>
-            <a:r>
-              <a:rPr lang="en-US" dirty="0" smtClean="0"/>
-              <a:t>problema</a:t>
-            </a:r>
-            <a:r>
-              <a:rPr lang="en-US" dirty="0" smtClean="0"/>
-              <a:t> </a:t>
-            </a:r>
-            <a:r>
-              <a:rPr lang="en-US" dirty="0" smtClean="0"/>
-              <a:t>reduciendolo</a:t>
-            </a:r>
-            <a:r>
-              <a:rPr lang="en-US" dirty="0" smtClean="0"/>
-              <a:t> a un </a:t>
-            </a:r>
-            <a:r>
-              <a:rPr lang="en-US" dirty="0" smtClean="0"/>
-              <a:t>problema</a:t>
-            </a:r>
-            <a:r>
-              <a:rPr lang="en-US" dirty="0" smtClean="0"/>
-              <a:t> mas simple del </a:t>
-            </a:r>
-            <a:r>
-              <a:rPr lang="en-US" dirty="0" smtClean="0"/>
-              <a:t>mismo</a:t>
-            </a:r>
-            <a:r>
-              <a:rPr lang="en-US" dirty="0" smtClean="0"/>
-              <a:t> </a:t>
-            </a:r>
-            <a:r>
-              <a:rPr lang="en-US" dirty="0" smtClean="0"/>
-              <a:t>formato</a:t>
-            </a:r>
-            <a:r>
-              <a:rPr lang="en-US" dirty="0" smtClean="0"/>
-              <a:t>.</a:t>
-            </a:r>
-          </a:p>
-          <a:p>
-            <a:endParaRPr lang="en-US" dirty="0"/>
-          </a:p>
-          <a:p>
-            <a:r>
-              <a:rPr lang="en-US" dirty="0" smtClean="0"/>
-              <a:t>Seguimos</a:t>
-            </a:r>
-            <a:r>
-              <a:rPr lang="en-US" dirty="0" smtClean="0"/>
-              <a:t> </a:t>
-            </a:r>
-            <a:r>
-              <a:rPr lang="en-US" dirty="0" smtClean="0"/>
-              <a:t>haciendo</a:t>
-            </a:r>
-            <a:r>
-              <a:rPr lang="en-US" dirty="0" smtClean="0"/>
-              <a:t> </a:t>
-            </a:r>
-            <a:r>
-              <a:rPr lang="en-US" dirty="0" smtClean="0"/>
-              <a:t>esto</a:t>
-            </a:r>
-            <a:r>
-              <a:rPr lang="en-US" dirty="0" smtClean="0"/>
-              <a:t> hasta </a:t>
-            </a:r>
-            <a:r>
-              <a:rPr lang="en-US" dirty="0" smtClean="0"/>
-              <a:t>llegar</a:t>
-            </a:r>
-            <a:r>
-              <a:rPr lang="en-US" dirty="0" smtClean="0"/>
-              <a:t> a un caso que </a:t>
-            </a:r>
-            <a:r>
-              <a:rPr lang="en-US" dirty="0" smtClean="0"/>
-              <a:t>es</a:t>
-            </a:r>
-            <a:r>
-              <a:rPr lang="en-US" dirty="0" smtClean="0"/>
-              <a:t> </a:t>
-            </a:r>
-            <a:r>
-              <a:rPr lang="en-US" dirty="0" smtClean="0"/>
-              <a:t>suficientemente</a:t>
-            </a:r>
-            <a:r>
-              <a:rPr lang="en-US" dirty="0" smtClean="0"/>
-              <a:t> simple para </a:t>
-            </a:r>
-            <a:r>
-              <a:rPr lang="en-US" dirty="0" smtClean="0"/>
-              <a:t>resolverse</a:t>
-            </a:r>
-            <a:r>
-              <a:rPr lang="en-US" dirty="0" smtClean="0"/>
-              <a:t> </a:t>
-            </a:r>
-            <a:r>
-              <a:rPr lang="en-US" dirty="0" smtClean="0"/>
-              <a:t>directamente</a:t>
-            </a:r>
-            <a:r>
-              <a:rPr lang="en-US" dirty="0" smtClean="0"/>
-              <a:t>.</a:t>
+              <a:t>Seguimos haciendo esto hasta llegar a un caso que es suficientemente simple para resolverse directamente.</a:t>
             </a:r>
             <a:endParaRPr lang="es-AR" dirty="0"/>
           </a:p>
